--- a/KB2023_DB_PROJECT_PPT_대건.pptx
+++ b/KB2023_DB_PROJECT_PPT_대건.pptx
@@ -302,7 +302,7 @@
           <a:p>
             <a:fld id="{F8166F1F-CE9B-4651-A6AA-CD717754106B}" type="datetimeFigureOut">
               <a:rPr lang="en-US" smtClean="0"/>
-              <a:t>4/6/2023</a:t>
+              <a:t>4/7/2023</a:t>
             </a:fld>
             <a:endParaRPr lang="en-US"/>
           </a:p>
@@ -809,7 +809,7 @@
           <a:p>
             <a:fld id="{A76116CE-C4A3-4A05-B2D7-7C2E9A889C0F}" type="datetimeFigureOut">
               <a:rPr lang="en-US" smtClean="0"/>
-              <a:t>4/6/2023</a:t>
+              <a:t>4/7/2023</a:t>
             </a:fld>
             <a:endParaRPr lang="en-US"/>
           </a:p>
@@ -1050,7 +1050,7 @@
           <a:p>
             <a:fld id="{A76116CE-C4A3-4A05-B2D7-7C2E9A889C0F}" type="datetimeFigureOut">
               <a:rPr lang="en-US" smtClean="0"/>
-              <a:t>4/6/2023</a:t>
+              <a:t>4/7/2023</a:t>
             </a:fld>
             <a:endParaRPr lang="en-US"/>
           </a:p>
@@ -3059,128 +3059,54 @@
           <a:chExt cx="0" cy="0"/>
         </a:xfrm>
       </p:grpSpPr>
-      <p:sp>
-        <p:nvSpPr>
-          <p:cNvPr id="2" name="Object 2"/>
-          <p:cNvSpPr txBox="1"/>
-          <p:nvPr/>
-        </p:nvSpPr>
-        <p:spPr>
-          <a:xfrm>
-            <a:off x="652575" y="552104"/>
-            <a:ext cx="14238117" cy="2016530"/>
+      <p:pic>
+        <p:nvPicPr>
+          <p:cNvPr id="2" name="Object 1"/>
+          <p:cNvPicPr>
+            <a:picLocks noChangeAspect="1"/>
+          </p:cNvPicPr>
+          <p:nvPr/>
+        </p:nvPicPr>
+        <p:blipFill>
+          <a:blip r:embed="rId2" cstate="print"/>
+          <a:stretch>
+            <a:fillRect/>
+          </a:stretch>
+        </p:blipFill>
+        <p:spPr>
+          <a:xfrm>
+            <a:off x="509722" y="409250"/>
+            <a:ext cx="9814499" cy="1674747"/>
           </a:xfrm>
           <a:prstGeom prst="rect">
             <a:avLst/>
           </a:prstGeom>
-          <a:noFill/>
-        </p:spPr>
-        <p:txBody>
-          <a:bodyPr anchor="t" wrap="square" rtlCol="0">
-            <a:spAutoFit/>
-          </a:bodyPr>
-          <a:lstStyle/>
-          <a:p>
-            <a:r>
-              <a:rPr lang="en-US" sz="7500" dirty="0" smtClean="0">
-                <a:solidFill>
-                  <a:srgbClr val="000000"/>
-                </a:solidFill>
-                <a:latin typeface="THELuxGoEB" pitchFamily="34" charset="0"/>
-                <a:cs typeface="THELuxGoEB" pitchFamily="34" charset="0"/>
-              </a:rPr>
-              <a:t>04. 프로젝트 수행 결과</a:t>
-            </a:r>
-          </a:p>
-          <a:p>
-            <a:r>
-              <a:rPr lang="en-US" sz="7500" dirty="0" smtClean="0">
-                <a:solidFill>
-                  <a:srgbClr val="000000"/>
-                </a:solidFill>
-                <a:latin typeface="THELuxGoEB" pitchFamily="34" charset="0"/>
-                <a:cs typeface="THELuxGoEB" pitchFamily="34" charset="0"/>
-              </a:rPr>
-              <a:t/>
-            </a:r>
-            <a:endParaRPr lang="en-US" dirty="0"/>
-          </a:p>
-        </p:txBody>
-      </p:sp>
-      <p:sp>
-        <p:nvSpPr>
-          <p:cNvPr id="3" name="Object 3"/>
-          <p:cNvSpPr txBox="1"/>
-          <p:nvPr/>
-        </p:nvSpPr>
-        <p:spPr>
-          <a:xfrm>
-            <a:off x="16310337" y="1133190"/>
-            <a:ext cx="1424176" cy="798267"/>
+        </p:spPr>
+      </p:pic>
+      <p:pic>
+        <p:nvPicPr>
+          <p:cNvPr id="3" name="Object 2"/>
+          <p:cNvPicPr>
+            <a:picLocks noChangeAspect="1"/>
+          </p:cNvPicPr>
+          <p:nvPr/>
+        </p:nvPicPr>
+        <p:blipFill>
+          <a:blip r:embed="rId3" cstate="print"/>
+          <a:stretch>
+            <a:fillRect/>
+          </a:stretch>
+        </p:blipFill>
+        <p:spPr>
+          <a:xfrm>
+            <a:off x="16491423" y="1076913"/>
+            <a:ext cx="1147897" cy="627497"/>
           </a:xfrm>
           <a:prstGeom prst="rect">
             <a:avLst/>
           </a:prstGeom>
-          <a:noFill/>
-        </p:spPr>
-        <p:txBody>
-          <a:bodyPr anchor="t" wrap="square" rtlCol="0">
-            <a:spAutoFit/>
-          </a:bodyPr>
-          <a:lstStyle/>
-          <a:p>
-            <a:pPr algn="ctr"/>
-            <a:r>
-              <a:rPr lang="en-US" sz="3000" dirty="0" smtClean="0">
-                <a:solidFill>
-                  <a:srgbClr val="000000"/>
-                </a:solidFill>
-                <a:latin typeface="Noto Sans CJK KR Regular" pitchFamily="34" charset="0"/>
-                <a:cs typeface="Noto Sans CJK KR Regular" pitchFamily="34" charset="0"/>
-              </a:rPr>
-              <a:t>Food</a:t>
-            </a:r>
-            <a:endParaRPr lang="en-US" dirty="0"/>
-          </a:p>
-        </p:txBody>
-      </p:sp>
-      <p:sp>
-        <p:nvSpPr>
-          <p:cNvPr id="4" name="Object 4"/>
-          <p:cNvSpPr txBox="1"/>
-          <p:nvPr/>
-        </p:nvSpPr>
-        <p:spPr>
-          <a:xfrm>
-            <a:off x="9440742" y="783192"/>
-            <a:ext cx="7111549" cy="1323263"/>
-          </a:xfrm>
-          <a:prstGeom prst="rect">
-            <a:avLst/>
-          </a:prstGeom>
-          <a:noFill/>
-        </p:spPr>
-        <p:txBody>
-          <a:bodyPr anchor="t" wrap="square" rtlCol="0">
-            <a:spAutoFit/>
-          </a:bodyPr>
-          <a:lstStyle/>
-          <a:p>
-            <a:pPr algn="ctr"/>
-            <a:r>
-              <a:rPr lang="en-US" sz="5000" dirty="0" smtClean="0">
-                <a:solidFill>
-                  <a:srgbClr val="000000"/>
-                </a:solidFill>
-                <a:latin typeface="Noto Sans CJK KR Medium" pitchFamily="34" charset="0"/>
-                <a:cs typeface="Noto Sans CJK KR Medium" pitchFamily="34" charset="0"/>
-              </a:rPr>
-              <a:t>View 생성</a:t>
-            </a:r>
-            <a:endParaRPr lang="en-US" dirty="0"/>
-          </a:p>
-        </p:txBody>
-      </p:sp>
+        </p:spPr>
+      </p:pic>
       <p:grpSp>
         <p:nvGrpSpPr>
           <p:cNvPr id="1001" name="그룹 1001"/>
@@ -3189,93 +3115,15 @@
         </p:nvGrpSpPr>
         <p:grpSpPr>
           <a:xfrm>
-            <a:off x="10144653" y="2100194"/>
-            <a:ext cx="6171429" cy="5979832"/>
-            <a:chOff x="10144653" y="2100194"/>
-            <a:chExt cx="6171429" cy="5979832"/>
+            <a:off x="652575" y="2642799"/>
+            <a:ext cx="6171429" cy="3625175"/>
+            <a:chOff x="652575" y="2642799"/>
+            <a:chExt cx="6171429" cy="3625175"/>
           </a:xfrm>
         </p:grpSpPr>
         <p:pic>
           <p:nvPicPr>
-            <p:cNvPr id="6" name="Object 5"/>
-            <p:cNvPicPr>
-              <a:picLocks noChangeAspect="1"/>
-            </p:cNvPicPr>
-            <p:nvPr/>
-          </p:nvPicPr>
-          <p:blipFill>
-            <a:blip r:embed="rId2" cstate="print"/>
-            <a:stretch>
-              <a:fillRect/>
-            </a:stretch>
-          </p:blipFill>
-          <p:spPr>
-            <a:xfrm>
-              <a:off x="10144653" y="2100194"/>
-              <a:ext cx="6171429" cy="5979832"/>
-            </a:xfrm>
-            <a:prstGeom prst="rect">
-              <a:avLst/>
-            </a:prstGeom>
-          </p:spPr>
-        </p:pic>
-      </p:grpSp>
-      <p:grpSp>
-        <p:nvGrpSpPr>
-          <p:cNvPr id="1002" name="그룹 1002"/>
-          <p:cNvGrpSpPr/>
-          <p:nvPr/>
-        </p:nvGrpSpPr>
-        <p:grpSpPr>
-          <a:xfrm>
-            <a:off x="10144653" y="2117776"/>
-            <a:ext cx="6206593" cy="5979832"/>
-            <a:chOff x="10144653" y="2117776"/>
-            <a:chExt cx="6206593" cy="5979832"/>
-          </a:xfrm>
-        </p:grpSpPr>
-        <p:pic>
-          <p:nvPicPr>
-            <p:cNvPr id="9" name="Object 8"/>
-            <p:cNvPicPr>
-              <a:picLocks noChangeAspect="1"/>
-            </p:cNvPicPr>
-            <p:nvPr/>
-          </p:nvPicPr>
-          <p:blipFill>
-            <a:blip r:embed="rId3" cstate="print"/>
-            <a:stretch>
-              <a:fillRect/>
-            </a:stretch>
-          </p:blipFill>
-          <p:spPr>
-            <a:xfrm>
-              <a:off x="10144653" y="2117776"/>
-              <a:ext cx="6206593" cy="5979832"/>
-            </a:xfrm>
-            <a:prstGeom prst="rect">
-              <a:avLst/>
-            </a:prstGeom>
-          </p:spPr>
-        </p:pic>
-      </p:grpSp>
-      <p:grpSp>
-        <p:nvGrpSpPr>
-          <p:cNvPr id="1003" name="그룹 1003"/>
-          <p:cNvGrpSpPr/>
-          <p:nvPr/>
-        </p:nvGrpSpPr>
-        <p:grpSpPr>
-          <a:xfrm>
-            <a:off x="652575" y="2117776"/>
-            <a:ext cx="8018962" cy="3415747"/>
-            <a:chOff x="652575" y="2117776"/>
-            <a:chExt cx="8018962" cy="3415747"/>
-          </a:xfrm>
-        </p:grpSpPr>
-        <p:pic>
-          <p:nvPicPr>
-            <p:cNvPr id="12" name="Object 11"/>
+            <p:cNvPr id="5" name="Object 4"/>
             <p:cNvPicPr>
               <a:picLocks noChangeAspect="1"/>
             </p:cNvPicPr>
@@ -3289,8 +3137,8 @@
           </p:blipFill>
           <p:spPr>
             <a:xfrm>
-              <a:off x="652575" y="2117776"/>
-              <a:ext cx="8018962" cy="3415747"/>
+              <a:off x="652575" y="2642799"/>
+              <a:ext cx="6171429" cy="3625175"/>
             </a:xfrm>
             <a:prstGeom prst="rect">
               <a:avLst/>
@@ -3300,21 +3148,21 @@
       </p:grpSp>
       <p:grpSp>
         <p:nvGrpSpPr>
-          <p:cNvPr id="1004" name="그룹 1004"/>
+          <p:cNvPr id="1002" name="그룹 1002"/>
           <p:cNvGrpSpPr/>
           <p:nvPr/>
         </p:nvGrpSpPr>
         <p:grpSpPr>
           <a:xfrm>
-            <a:off x="652575" y="2075553"/>
-            <a:ext cx="8018962" cy="3457970"/>
-            <a:chOff x="652575" y="2075553"/>
-            <a:chExt cx="8018962" cy="3457970"/>
+            <a:off x="722905" y="7427368"/>
+            <a:ext cx="6171429" cy="2858346"/>
+            <a:chOff x="722905" y="7427368"/>
+            <a:chExt cx="6171429" cy="2858346"/>
           </a:xfrm>
         </p:grpSpPr>
         <p:pic>
           <p:nvPicPr>
-            <p:cNvPr id="15" name="Object 14"/>
+            <p:cNvPr id="8" name="Object 7"/>
             <p:cNvPicPr>
               <a:picLocks noChangeAspect="1"/>
             </p:cNvPicPr>
@@ -3328,8 +3176,8 @@
           </p:blipFill>
           <p:spPr>
             <a:xfrm>
-              <a:off x="652575" y="2075553"/>
-              <a:ext cx="8018962" cy="3457970"/>
+              <a:off x="722905" y="7427368"/>
+              <a:ext cx="6171429" cy="2858346"/>
             </a:xfrm>
             <a:prstGeom prst="rect">
               <a:avLst/>
@@ -3337,80 +3185,360 @@
           </p:spPr>
         </p:pic>
       </p:grpSp>
-      <p:sp>
-        <p:nvSpPr>
-          <p:cNvPr id="17" name="Object 17"/>
-          <p:cNvSpPr txBox="1"/>
-          <p:nvPr/>
-        </p:nvSpPr>
-        <p:spPr>
-          <a:xfrm>
-            <a:off x="8745713" y="3250226"/>
-            <a:ext cx="1242857" cy="1726272"/>
+      <p:grpSp>
+        <p:nvGrpSpPr>
+          <p:cNvPr id="1003" name="그룹 1003"/>
+          <p:cNvGrpSpPr/>
+          <p:nvPr/>
+        </p:nvGrpSpPr>
+        <p:grpSpPr>
+          <a:xfrm>
+            <a:off x="617410" y="2642799"/>
+            <a:ext cx="6171429" cy="3625175"/>
+            <a:chOff x="617410" y="2642799"/>
+            <a:chExt cx="6171429" cy="3625175"/>
+          </a:xfrm>
+        </p:grpSpPr>
+        <p:pic>
+          <p:nvPicPr>
+            <p:cNvPr id="11" name="Object 10"/>
+            <p:cNvPicPr>
+              <a:picLocks noChangeAspect="1"/>
+            </p:cNvPicPr>
+            <p:nvPr/>
+          </p:nvPicPr>
+          <p:blipFill>
+            <a:blip r:embed="rId6" cstate="print"/>
+            <a:stretch>
+              <a:fillRect/>
+            </a:stretch>
+          </p:blipFill>
+          <p:spPr>
+            <a:xfrm>
+              <a:off x="617410" y="2642799"/>
+              <a:ext cx="6171429" cy="3625175"/>
+            </a:xfrm>
+            <a:prstGeom prst="rect">
+              <a:avLst/>
+            </a:prstGeom>
+          </p:spPr>
+        </p:pic>
+      </p:grpSp>
+      <p:grpSp>
+        <p:nvGrpSpPr>
+          <p:cNvPr id="1004" name="그룹 1004"/>
+          <p:cNvGrpSpPr/>
+          <p:nvPr/>
+        </p:nvGrpSpPr>
+        <p:grpSpPr>
+          <a:xfrm>
+            <a:off x="705322" y="7451267"/>
+            <a:ext cx="6171429" cy="2705139"/>
+            <a:chOff x="705322" y="7451267"/>
+            <a:chExt cx="6171429" cy="2705139"/>
+          </a:xfrm>
+        </p:grpSpPr>
+        <p:pic>
+          <p:nvPicPr>
+            <p:cNvPr id="14" name="Object 13"/>
+            <p:cNvPicPr>
+              <a:picLocks noChangeAspect="1"/>
+            </p:cNvPicPr>
+            <p:nvPr/>
+          </p:nvPicPr>
+          <p:blipFill>
+            <a:blip r:embed="rId7" cstate="print"/>
+            <a:stretch>
+              <a:fillRect/>
+            </a:stretch>
+          </p:blipFill>
+          <p:spPr>
+            <a:xfrm>
+              <a:off x="705322" y="7451267"/>
+              <a:ext cx="6171429" cy="2705139"/>
+            </a:xfrm>
+            <a:prstGeom prst="rect">
+              <a:avLst/>
+            </a:prstGeom>
+          </p:spPr>
+        </p:pic>
+      </p:grpSp>
+      <p:grpSp>
+        <p:nvGrpSpPr>
+          <p:cNvPr id="1005" name="그룹 1005"/>
+          <p:cNvGrpSpPr/>
+          <p:nvPr/>
+        </p:nvGrpSpPr>
+        <p:grpSpPr>
+          <a:xfrm>
+            <a:off x="8336092" y="2625216"/>
+            <a:ext cx="9231388" cy="3246400"/>
+            <a:chOff x="8336092" y="2625216"/>
+            <a:chExt cx="9231388" cy="3246400"/>
+          </a:xfrm>
+        </p:grpSpPr>
+        <p:pic>
+          <p:nvPicPr>
+            <p:cNvPr id="17" name="Object 16"/>
+            <p:cNvPicPr>
+              <a:picLocks noChangeAspect="1"/>
+            </p:cNvPicPr>
+            <p:nvPr/>
+          </p:nvPicPr>
+          <p:blipFill>
+            <a:blip r:embed="rId8" cstate="print"/>
+            <a:stretch>
+              <a:fillRect/>
+            </a:stretch>
+          </p:blipFill>
+          <p:spPr>
+            <a:xfrm>
+              <a:off x="8336092" y="2625216"/>
+              <a:ext cx="9231388" cy="3246400"/>
+            </a:xfrm>
+            <a:prstGeom prst="rect">
+              <a:avLst/>
+            </a:prstGeom>
+          </p:spPr>
+        </p:pic>
+      </p:grpSp>
+      <p:grpSp>
+        <p:nvGrpSpPr>
+          <p:cNvPr id="1006" name="그룹 1006"/>
+          <p:cNvGrpSpPr/>
+          <p:nvPr/>
+        </p:nvGrpSpPr>
+        <p:grpSpPr>
+          <a:xfrm>
+            <a:off x="8265762" y="6465333"/>
+            <a:ext cx="9231388" cy="3719169"/>
+            <a:chOff x="8265762" y="6465333"/>
+            <a:chExt cx="9231388" cy="3719169"/>
+          </a:xfrm>
+        </p:grpSpPr>
+        <p:pic>
+          <p:nvPicPr>
+            <p:cNvPr id="20" name="Object 19"/>
+            <p:cNvPicPr>
+              <a:picLocks noChangeAspect="1"/>
+            </p:cNvPicPr>
+            <p:nvPr/>
+          </p:nvPicPr>
+          <p:blipFill>
+            <a:blip r:embed="rId9" cstate="print"/>
+            <a:stretch>
+              <a:fillRect/>
+            </a:stretch>
+          </p:blipFill>
+          <p:spPr>
+            <a:xfrm>
+              <a:off x="8265762" y="6465333"/>
+              <a:ext cx="9231388" cy="3719169"/>
+            </a:xfrm>
+            <a:prstGeom prst="rect">
+              <a:avLst/>
+            </a:prstGeom>
+          </p:spPr>
+        </p:pic>
+      </p:grpSp>
+      <p:grpSp>
+        <p:nvGrpSpPr>
+          <p:cNvPr id="1007" name="그룹 1007"/>
+          <p:cNvGrpSpPr/>
+          <p:nvPr/>
+        </p:nvGrpSpPr>
+        <p:grpSpPr>
+          <a:xfrm>
+            <a:off x="8336092" y="2607632"/>
+            <a:ext cx="9284135" cy="3246400"/>
+            <a:chOff x="8336092" y="2607632"/>
+            <a:chExt cx="9284135" cy="3246400"/>
+          </a:xfrm>
+        </p:grpSpPr>
+        <p:pic>
+          <p:nvPicPr>
+            <p:cNvPr id="23" name="Object 22"/>
+            <p:cNvPicPr>
+              <a:picLocks noChangeAspect="1"/>
+            </p:cNvPicPr>
+            <p:nvPr/>
+          </p:nvPicPr>
+          <p:blipFill>
+            <a:blip r:embed="rId10" cstate="print"/>
+            <a:stretch>
+              <a:fillRect/>
+            </a:stretch>
+          </p:blipFill>
+          <p:spPr>
+            <a:xfrm>
+              <a:off x="8336092" y="2607632"/>
+              <a:ext cx="9284135" cy="3246400"/>
+            </a:xfrm>
+            <a:prstGeom prst="rect">
+              <a:avLst/>
+            </a:prstGeom>
+          </p:spPr>
+        </p:pic>
+      </p:grpSp>
+      <p:grpSp>
+        <p:nvGrpSpPr>
+          <p:cNvPr id="1008" name="그룹 1008"/>
+          <p:cNvGrpSpPr/>
+          <p:nvPr/>
+        </p:nvGrpSpPr>
+        <p:grpSpPr>
+          <a:xfrm>
+            <a:off x="8265762" y="6465333"/>
+            <a:ext cx="9248971" cy="3691073"/>
+            <a:chOff x="8265762" y="6465333"/>
+            <a:chExt cx="9248971" cy="3691073"/>
+          </a:xfrm>
+        </p:grpSpPr>
+        <p:pic>
+          <p:nvPicPr>
+            <p:cNvPr id="26" name="Object 25"/>
+            <p:cNvPicPr>
+              <a:picLocks noChangeAspect="1"/>
+            </p:cNvPicPr>
+            <p:nvPr/>
+          </p:nvPicPr>
+          <p:blipFill>
+            <a:blip r:embed="rId11" cstate="print"/>
+            <a:stretch>
+              <a:fillRect/>
+            </a:stretch>
+          </p:blipFill>
+          <p:spPr>
+            <a:xfrm>
+              <a:off x="8265762" y="6465333"/>
+              <a:ext cx="9248971" cy="3691073"/>
+            </a:xfrm>
+            <a:prstGeom prst="rect">
+              <a:avLst/>
+            </a:prstGeom>
+          </p:spPr>
+        </p:pic>
+      </p:grpSp>
+      <p:pic>
+        <p:nvPicPr>
+          <p:cNvPr id="28" name="Object 27"/>
+          <p:cNvPicPr>
+            <a:picLocks noChangeAspect="1"/>
+          </p:cNvPicPr>
+          <p:nvPr/>
+        </p:nvPicPr>
+        <p:blipFill>
+          <a:blip r:embed="rId12" cstate="print"/>
+          <a:stretch>
+            <a:fillRect/>
+          </a:stretch>
+        </p:blipFill>
+        <p:spPr>
+          <a:xfrm>
+            <a:off x="6997402" y="3010316"/>
+            <a:ext cx="1350363" cy="1297325"/>
           </a:xfrm>
           <a:prstGeom prst="rect">
             <a:avLst/>
           </a:prstGeom>
-          <a:noFill/>
-        </p:spPr>
-        <p:txBody>
-          <a:bodyPr anchor="t" wrap="square" rtlCol="0">
-            <a:spAutoFit/>
-          </a:bodyPr>
-          <a:lstStyle/>
-          <a:p>
-            <a:pPr algn="ctr"/>
-            <a:r>
-              <a:rPr lang="en-US" sz="6500" dirty="0" smtClean="0">
-                <a:solidFill>
-                  <a:srgbClr val="000000"/>
-                </a:solidFill>
-                <a:latin typeface="Noto Sans CJK KR Regular" pitchFamily="34" charset="0"/>
-                <a:cs typeface="Noto Sans CJK KR Regular" pitchFamily="34" charset="0"/>
-              </a:rPr>
-              <a:t>→</a:t>
-            </a:r>
-            <a:endParaRPr lang="en-US" dirty="0"/>
-          </a:p>
-        </p:txBody>
-      </p:sp>
-      <p:sp>
-        <p:nvSpPr>
-          <p:cNvPr id="18" name="Object 18"/>
-          <p:cNvSpPr txBox="1"/>
-          <p:nvPr/>
-        </p:nvSpPr>
-        <p:spPr>
-          <a:xfrm>
-            <a:off x="9276346" y="8454886"/>
-            <a:ext cx="8097921" cy="798267"/>
+        </p:spPr>
+      </p:pic>
+      <p:pic>
+        <p:nvPicPr>
+          <p:cNvPr id="29" name="Object 28"/>
+          <p:cNvPicPr>
+            <a:picLocks noChangeAspect="1"/>
+          </p:cNvPicPr>
+          <p:nvPr/>
+        </p:nvPicPr>
+        <p:blipFill>
+          <a:blip r:embed="rId13" cstate="print"/>
+          <a:stretch>
+            <a:fillRect/>
+          </a:stretch>
+        </p:blipFill>
+        <p:spPr>
+          <a:xfrm>
+            <a:off x="6997402" y="7119173"/>
+            <a:ext cx="1350363" cy="1297325"/>
           </a:xfrm>
           <a:prstGeom prst="rect">
             <a:avLst/>
           </a:prstGeom>
-          <a:noFill/>
-        </p:spPr>
-        <p:txBody>
-          <a:bodyPr anchor="t" wrap="square" rtlCol="0">
-            <a:spAutoFit/>
-          </a:bodyPr>
-          <a:lstStyle/>
-          <a:p>
-            <a:pPr algn="ctr"/>
-            <a:r>
-              <a:rPr lang="en-US" sz="3000" dirty="0" smtClean="0">
-                <a:solidFill>
-                  <a:srgbClr val="000000"/>
-                </a:solidFill>
-                <a:latin typeface="Noto Sans CJK KR Regular" pitchFamily="34" charset="0"/>
-                <a:cs typeface="Noto Sans CJK KR Regular" pitchFamily="34" charset="0"/>
-              </a:rPr>
-              <a:t>order_possible_view</a:t>
-            </a:r>
-            <a:endParaRPr lang="en-US" dirty="0"/>
-          </a:p>
-        </p:txBody>
-      </p:sp>
+        </p:spPr>
+      </p:pic>
+      <p:pic>
+        <p:nvPicPr>
+          <p:cNvPr id="30" name="Object 29"/>
+          <p:cNvPicPr>
+            <a:picLocks noChangeAspect="1"/>
+          </p:cNvPicPr>
+          <p:nvPr/>
+        </p:nvPicPr>
+        <p:blipFill>
+          <a:blip r:embed="rId14" cstate="print"/>
+          <a:stretch>
+            <a:fillRect/>
+          </a:stretch>
+        </p:blipFill>
+        <p:spPr>
+          <a:xfrm>
+            <a:off x="10531401" y="688594"/>
+            <a:ext cx="3491395" cy="1132728"/>
+          </a:xfrm>
+          <a:prstGeom prst="rect">
+            <a:avLst/>
+          </a:prstGeom>
+        </p:spPr>
+      </p:pic>
+      <p:pic>
+        <p:nvPicPr>
+          <p:cNvPr id="31" name="Object 30"/>
+          <p:cNvPicPr>
+            <a:picLocks noChangeAspect="1"/>
+          </p:cNvPicPr>
+          <p:nvPr/>
+        </p:nvPicPr>
+        <p:blipFill>
+          <a:blip r:embed="rId15" cstate="print"/>
+          <a:stretch>
+            <a:fillRect/>
+          </a:stretch>
+        </p:blipFill>
+        <p:spPr>
+          <a:xfrm>
+            <a:off x="413711" y="6838914"/>
+            <a:ext cx="3488354" cy="627497"/>
+          </a:xfrm>
+          <a:prstGeom prst="rect">
+            <a:avLst/>
+          </a:prstGeom>
+        </p:spPr>
+      </p:pic>
+      <p:pic>
+        <p:nvPicPr>
+          <p:cNvPr id="32" name="Object 31"/>
+          <p:cNvPicPr>
+            <a:picLocks noChangeAspect="1"/>
+          </p:cNvPicPr>
+          <p:nvPr/>
+        </p:nvPicPr>
+        <p:blipFill>
+          <a:blip r:embed="rId16" cstate="print"/>
+          <a:stretch>
+            <a:fillRect/>
+          </a:stretch>
+        </p:blipFill>
+        <p:spPr>
+          <a:xfrm>
+            <a:off x="-284848" y="2019178"/>
+            <a:ext cx="2923525" cy="627497"/>
+          </a:xfrm>
+          <a:prstGeom prst="rect">
+            <a:avLst/>
+          </a:prstGeom>
+        </p:spPr>
+      </p:pic>
     </p:spTree>
   </p:cSld>
   <p:clrMapOvr>
@@ -3444,6 +3572,30 @@
           <a:chExt cx="0" cy="0"/>
         </a:xfrm>
       </p:grpSpPr>
+      <p:pic>
+        <p:nvPicPr>
+          <p:cNvPr id="2" name="Object 1"/>
+          <p:cNvPicPr>
+            <a:picLocks noChangeAspect="1"/>
+          </p:cNvPicPr>
+          <p:nvPr/>
+        </p:nvPicPr>
+        <p:blipFill>
+          <a:blip r:embed="rId2" cstate="print"/>
+          <a:stretch>
+            <a:fillRect/>
+          </a:stretch>
+        </p:blipFill>
+        <p:spPr>
+          <a:xfrm>
+            <a:off x="509722" y="409250"/>
+            <a:ext cx="8009737" cy="1674747"/>
+          </a:xfrm>
+          <a:prstGeom prst="rect">
+            <a:avLst/>
+          </a:prstGeom>
+        </p:spPr>
+      </p:pic>
       <p:grpSp>
         <p:nvGrpSpPr>
           <p:cNvPr id="1001" name="그룹 1001"/>
@@ -3452,176 +3604,15 @@
         </p:nvGrpSpPr>
         <p:grpSpPr>
           <a:xfrm>
-            <a:off x="7492775" y="8281319"/>
-            <a:ext cx="10004375" cy="1660027"/>
-            <a:chOff x="7492775" y="8281319"/>
-            <a:chExt cx="10004375" cy="1660027"/>
+            <a:off x="-57143" y="1685430"/>
+            <a:ext cx="18394831" cy="14286"/>
+            <a:chOff x="-57143" y="1685430"/>
+            <a:chExt cx="18394831" cy="14286"/>
           </a:xfrm>
         </p:grpSpPr>
         <p:pic>
           <p:nvPicPr>
-            <p:cNvPr id="3" name="Object 2"/>
-            <p:cNvPicPr>
-              <a:picLocks noChangeAspect="1"/>
-            </p:cNvPicPr>
-            <p:nvPr/>
-          </p:nvPicPr>
-          <p:blipFill>
-            <a:blip r:embed="rId2" cstate="print"/>
-            <a:stretch>
-              <a:fillRect/>
-            </a:stretch>
-          </p:blipFill>
-          <p:spPr>
-            <a:xfrm>
-              <a:off x="7492775" y="8281319"/>
-              <a:ext cx="10004375" cy="1660027"/>
-            </a:xfrm>
-            <a:prstGeom prst="rect">
-              <a:avLst/>
-            </a:prstGeom>
-          </p:spPr>
-        </p:pic>
-      </p:grpSp>
-      <p:sp>
-        <p:nvSpPr>
-          <p:cNvPr id="5" name="Object 5"/>
-          <p:cNvSpPr txBox="1"/>
-          <p:nvPr/>
-        </p:nvSpPr>
-        <p:spPr>
-          <a:xfrm>
-            <a:off x="652575" y="552104"/>
-            <a:ext cx="14238117" cy="2016530"/>
-          </a:xfrm>
-          <a:prstGeom prst="rect">
-            <a:avLst/>
-          </a:prstGeom>
-          <a:noFill/>
-        </p:spPr>
-        <p:txBody>
-          <a:bodyPr anchor="t" wrap="square" rtlCol="0">
-            <a:spAutoFit/>
-          </a:bodyPr>
-          <a:lstStyle/>
-          <a:p>
-            <a:r>
-              <a:rPr lang="en-US" sz="7500" dirty="0" smtClean="0">
-                <a:solidFill>
-                  <a:srgbClr val="000000"/>
-                </a:solidFill>
-                <a:latin typeface="THELuxGoEB" pitchFamily="34" charset="0"/>
-                <a:cs typeface="THELuxGoEB" pitchFamily="34" charset="0"/>
-              </a:rPr>
-              <a:t>04. 프로젝트 수행 결과</a:t>
-            </a:r>
-          </a:p>
-          <a:p>
-            <a:r>
-              <a:rPr lang="en-US" sz="7500" dirty="0" smtClean="0">
-                <a:solidFill>
-                  <a:srgbClr val="000000"/>
-                </a:solidFill>
-                <a:latin typeface="THELuxGoEB" pitchFamily="34" charset="0"/>
-                <a:cs typeface="THELuxGoEB" pitchFamily="34" charset="0"/>
-              </a:rPr>
-              <a:t/>
-            </a:r>
-            <a:endParaRPr lang="en-US" dirty="0"/>
-          </a:p>
-        </p:txBody>
-      </p:sp>
-      <p:sp>
-        <p:nvSpPr>
-          <p:cNvPr id="6" name="Object 6"/>
-          <p:cNvSpPr txBox="1"/>
-          <p:nvPr/>
-        </p:nvSpPr>
-        <p:spPr>
-          <a:xfrm>
-            <a:off x="16310337" y="1133190"/>
-            <a:ext cx="1424176" cy="798267"/>
-          </a:xfrm>
-          <a:prstGeom prst="rect">
-            <a:avLst/>
-          </a:prstGeom>
-          <a:noFill/>
-        </p:spPr>
-        <p:txBody>
-          <a:bodyPr anchor="t" wrap="square" rtlCol="0">
-            <a:spAutoFit/>
-          </a:bodyPr>
-          <a:lstStyle/>
-          <a:p>
-            <a:pPr algn="ctr"/>
-            <a:r>
-              <a:rPr lang="en-US" sz="3000" dirty="0" smtClean="0">
-                <a:solidFill>
-                  <a:srgbClr val="000000"/>
-                </a:solidFill>
-                <a:latin typeface="Noto Sans CJK KR Regular" pitchFamily="34" charset="0"/>
-                <a:cs typeface="Noto Sans CJK KR Regular" pitchFamily="34" charset="0"/>
-              </a:rPr>
-              <a:t>Food</a:t>
-            </a:r>
-            <a:endParaRPr lang="en-US" dirty="0"/>
-          </a:p>
-        </p:txBody>
-      </p:sp>
-      <p:sp>
-        <p:nvSpPr>
-          <p:cNvPr id="7" name="Object 7"/>
-          <p:cNvSpPr txBox="1"/>
-          <p:nvPr/>
-        </p:nvSpPr>
-        <p:spPr>
-          <a:xfrm>
-            <a:off x="9440742" y="783192"/>
-            <a:ext cx="7111549" cy="1323263"/>
-          </a:xfrm>
-          <a:prstGeom prst="rect">
-            <a:avLst/>
-          </a:prstGeom>
-          <a:noFill/>
-        </p:spPr>
-        <p:txBody>
-          <a:bodyPr anchor="t" wrap="square" rtlCol="0">
-            <a:spAutoFit/>
-          </a:bodyPr>
-          <a:lstStyle/>
-          <a:p>
-            <a:pPr algn="ctr"/>
-            <a:r>
-              <a:rPr lang="en-US" sz="5000" dirty="0" smtClean="0">
-                <a:solidFill>
-                  <a:srgbClr val="000000"/>
-                </a:solidFill>
-                <a:latin typeface="Noto Sans CJK KR Medium" pitchFamily="34" charset="0"/>
-                <a:cs typeface="Noto Sans CJK KR Medium" pitchFamily="34" charset="0"/>
-              </a:rPr>
-              <a:t>Procedure 생성</a:t>
-            </a:r>
-            <a:endParaRPr lang="en-US" dirty="0"/>
-          </a:p>
-        </p:txBody>
-      </p:sp>
-      <p:grpSp>
-        <p:nvGrpSpPr>
-          <p:cNvPr id="1002" name="그룹 1002"/>
-          <p:cNvGrpSpPr/>
-          <p:nvPr/>
-        </p:nvGrpSpPr>
-        <p:grpSpPr>
-          <a:xfrm>
-            <a:off x="652575" y="1922098"/>
-            <a:ext cx="7436663" cy="5996609"/>
-            <a:chOff x="652575" y="1922098"/>
-            <a:chExt cx="7436663" cy="5996609"/>
-          </a:xfrm>
-        </p:grpSpPr>
-        <p:pic>
-          <p:nvPicPr>
-            <p:cNvPr id="9" name="Object 8"/>
+            <p:cNvPr id="4" name="Object 3"/>
             <p:cNvPicPr>
               <a:picLocks noChangeAspect="1"/>
             </p:cNvPicPr>
@@ -3635,8 +3626,8 @@
           </p:blipFill>
           <p:spPr>
             <a:xfrm>
-              <a:off x="652575" y="1922098"/>
-              <a:ext cx="7436663" cy="5996609"/>
+              <a:off x="-57143" y="1685430"/>
+              <a:ext cx="18394831" cy="14286"/>
             </a:xfrm>
             <a:prstGeom prst="rect">
               <a:avLst/>
@@ -3644,177 +3635,110 @@
           </p:spPr>
         </p:pic>
       </p:grpSp>
+      <p:pic>
+        <p:nvPicPr>
+          <p:cNvPr id="6" name="Object 5"/>
+          <p:cNvPicPr>
+            <a:picLocks noChangeAspect="1"/>
+          </p:cNvPicPr>
+          <p:nvPr/>
+        </p:nvPicPr>
+        <p:blipFill>
+          <a:blip r:embed="rId4" cstate="print"/>
+          <a:stretch>
+            <a:fillRect/>
+          </a:stretch>
+        </p:blipFill>
+        <p:spPr>
+          <a:xfrm>
+            <a:off x="595434" y="247600"/>
+            <a:ext cx="3512328" cy="662556"/>
+          </a:xfrm>
+          <a:prstGeom prst="rect">
+            <a:avLst/>
+          </a:prstGeom>
+        </p:spPr>
+      </p:pic>
+      <p:pic>
+        <p:nvPicPr>
+          <p:cNvPr id="7" name="Object 6"/>
+          <p:cNvPicPr>
+            <a:picLocks noChangeAspect="1"/>
+          </p:cNvPicPr>
+          <p:nvPr/>
+        </p:nvPicPr>
+        <p:blipFill>
+          <a:blip r:embed="rId5" cstate="print"/>
+          <a:stretch>
+            <a:fillRect/>
+          </a:stretch>
+        </p:blipFill>
+        <p:spPr>
+          <a:xfrm>
+            <a:off x="1216000" y="1984737"/>
+            <a:ext cx="5219850" cy="1468146"/>
+          </a:xfrm>
+          <a:prstGeom prst="rect">
+            <a:avLst/>
+          </a:prstGeom>
+        </p:spPr>
+      </p:pic>
       <p:grpSp>
         <p:nvGrpSpPr>
-          <p:cNvPr id="1003" name="그룹 1003"/>
+          <p:cNvPr id="1002" name="그룹 1002"/>
           <p:cNvGrpSpPr/>
           <p:nvPr/>
         </p:nvGrpSpPr>
         <p:grpSpPr>
           <a:xfrm>
-            <a:off x="652575" y="1910500"/>
-            <a:ext cx="7455909" cy="6045373"/>
-            <a:chOff x="652575" y="1910500"/>
-            <a:chExt cx="7455909" cy="6045373"/>
+            <a:off x="1145034" y="3250035"/>
+            <a:ext cx="15046195" cy="3623833"/>
+            <a:chOff x="1145034" y="3250035"/>
+            <a:chExt cx="15046195" cy="3623833"/>
           </a:xfrm>
         </p:grpSpPr>
+        <p:grpSp>
+          <p:nvGrpSpPr>
+            <p:cNvPr id="1003" name="그룹 1003"/>
+            <p:cNvGrpSpPr/>
+            <p:nvPr/>
+          </p:nvGrpSpPr>
+          <p:grpSpPr>
+            <a:xfrm>
+              <a:off x="1145034" y="3250035"/>
+              <a:ext cx="7270148" cy="3623833"/>
+              <a:chOff x="1145034" y="3250035"/>
+              <a:chExt cx="7270148" cy="3623833"/>
+            </a:xfrm>
+          </p:grpSpPr>
+          <p:pic>
+            <p:nvPicPr>
+              <p:cNvPr id="10" name="Object 9"/>
+              <p:cNvPicPr>
+                <a:picLocks noChangeAspect="1"/>
+              </p:cNvPicPr>
+              <p:nvPr/>
+            </p:nvPicPr>
+            <p:blipFill>
+              <a:blip r:embed="rId6" cstate="print"/>
+              <a:stretch>
+                <a:fillRect/>
+              </a:stretch>
+            </p:blipFill>
+            <p:spPr>
+              <a:xfrm>
+                <a:off x="1145034" y="3250035"/>
+                <a:ext cx="7270148" cy="3623833"/>
+              </a:xfrm>
+              <a:prstGeom prst="rect">
+                <a:avLst/>
+              </a:prstGeom>
+            </p:spPr>
+          </p:pic>
+        </p:grpSp>
         <p:pic>
           <p:nvPicPr>
             <p:cNvPr id="12" name="Object 11"/>
-            <p:cNvPicPr>
-              <a:picLocks noChangeAspect="1"/>
-            </p:cNvPicPr>
-            <p:nvPr/>
-          </p:nvPicPr>
-          <p:blipFill>
-            <a:blip r:embed="rId4" cstate="print"/>
-            <a:stretch>
-              <a:fillRect/>
-            </a:stretch>
-          </p:blipFill>
-          <p:spPr>
-            <a:xfrm>
-              <a:off x="652575" y="1910500"/>
-              <a:ext cx="7455909" cy="6045373"/>
-            </a:xfrm>
-            <a:prstGeom prst="rect">
-              <a:avLst/>
-            </a:prstGeom>
-          </p:spPr>
-        </p:pic>
-      </p:grpSp>
-      <p:grpSp>
-        <p:nvGrpSpPr>
-          <p:cNvPr id="1004" name="그룹 1004"/>
-          <p:cNvGrpSpPr/>
-          <p:nvPr/>
-        </p:nvGrpSpPr>
-        <p:grpSpPr>
-          <a:xfrm>
-            <a:off x="7492775" y="8281319"/>
-            <a:ext cx="10004375" cy="1660027"/>
-            <a:chOff x="7492775" y="8281319"/>
-            <a:chExt cx="10004375" cy="1660027"/>
-          </a:xfrm>
-        </p:grpSpPr>
-        <p:pic>
-          <p:nvPicPr>
-            <p:cNvPr id="15" name="Object 14"/>
-            <p:cNvPicPr>
-              <a:picLocks noChangeAspect="1"/>
-            </p:cNvPicPr>
-            <p:nvPr/>
-          </p:nvPicPr>
-          <p:blipFill>
-            <a:blip r:embed="rId5" cstate="print"/>
-            <a:stretch>
-              <a:fillRect/>
-            </a:stretch>
-          </p:blipFill>
-          <p:spPr>
-            <a:xfrm>
-              <a:off x="7492775" y="8281319"/>
-              <a:ext cx="10004375" cy="1660027"/>
-            </a:xfrm>
-            <a:prstGeom prst="rect">
-              <a:avLst/>
-            </a:prstGeom>
-          </p:spPr>
-        </p:pic>
-      </p:grpSp>
-      <p:sp>
-        <p:nvSpPr>
-          <p:cNvPr id="17" name="Object 17"/>
-          <p:cNvSpPr txBox="1"/>
-          <p:nvPr/>
-        </p:nvSpPr>
-        <p:spPr>
-          <a:xfrm rot="2400000">
-            <a:off x="5955639" y="7893172"/>
-            <a:ext cx="1242857" cy="1726272"/>
-          </a:xfrm>
-          <a:prstGeom prst="rect">
-            <a:avLst/>
-          </a:prstGeom>
-          <a:noFill/>
-        </p:spPr>
-        <p:txBody>
-          <a:bodyPr anchor="t" wrap="square" rtlCol="0">
-            <a:spAutoFit/>
-          </a:bodyPr>
-          <a:lstStyle/>
-          <a:p>
-            <a:pPr algn="ctr"/>
-            <a:r>
-              <a:rPr lang="en-US" sz="6500" dirty="0" smtClean="0">
-                <a:solidFill>
-                  <a:srgbClr val="000000"/>
-                </a:solidFill>
-                <a:latin typeface="Noto Sans CJK KR Regular" pitchFamily="34" charset="0"/>
-                <a:cs typeface="Noto Sans CJK KR Regular" pitchFamily="34" charset="0"/>
-              </a:rPr>
-              <a:t>→</a:t>
-            </a:r>
-            <a:endParaRPr lang="en-US" dirty="0"/>
-          </a:p>
-        </p:txBody>
-      </p:sp>
-      <p:grpSp>
-        <p:nvGrpSpPr>
-          <p:cNvPr id="1005" name="그룹 1005"/>
-          <p:cNvGrpSpPr/>
-          <p:nvPr/>
-        </p:nvGrpSpPr>
-        <p:grpSpPr>
-          <a:xfrm>
-            <a:off x="923889" y="4634700"/>
-            <a:ext cx="4757258" cy="3284007"/>
-            <a:chOff x="923889" y="4634700"/>
-            <a:chExt cx="4757258" cy="3284007"/>
-          </a:xfrm>
-        </p:grpSpPr>
-        <p:pic>
-          <p:nvPicPr>
-            <p:cNvPr id="19" name="Object 18"/>
-            <p:cNvPicPr>
-              <a:picLocks noChangeAspect="1"/>
-            </p:cNvPicPr>
-            <p:nvPr/>
-          </p:nvPicPr>
-          <p:blipFill>
-            <a:blip r:embed="rId6" cstate="print"/>
-            <a:stretch>
-              <a:fillRect/>
-            </a:stretch>
-          </p:blipFill>
-          <p:spPr>
-            <a:xfrm>
-              <a:off x="923889" y="4634700"/>
-              <a:ext cx="4757258" cy="3284007"/>
-            </a:xfrm>
-            <a:prstGeom prst="rect">
-              <a:avLst/>
-            </a:prstGeom>
-          </p:spPr>
-        </p:pic>
-      </p:grpSp>
-      <p:grpSp>
-        <p:nvGrpSpPr>
-          <p:cNvPr id="1006" name="그룹 1006"/>
-          <p:cNvGrpSpPr/>
-          <p:nvPr/>
-        </p:nvGrpSpPr>
-        <p:grpSpPr>
-          <a:xfrm>
-            <a:off x="8506674" y="4107519"/>
-            <a:ext cx="8985934" cy="3845687"/>
-            <a:chOff x="8506674" y="4107519"/>
-            <a:chExt cx="8985934" cy="3845687"/>
-          </a:xfrm>
-        </p:grpSpPr>
-        <p:pic>
-          <p:nvPicPr>
-            <p:cNvPr id="22" name="Object 21"/>
             <p:cNvPicPr>
               <a:picLocks noChangeAspect="1"/>
             </p:cNvPicPr>
@@ -3828,32 +3752,17 @@
           </p:blipFill>
           <p:spPr>
             <a:xfrm>
-              <a:off x="8506674" y="4107519"/>
-              <a:ext cx="8985934" cy="3845687"/>
+              <a:off x="1968445" y="3858826"/>
+              <a:ext cx="3512468" cy="1060687"/>
             </a:xfrm>
             <a:prstGeom prst="rect">
               <a:avLst/>
             </a:prstGeom>
           </p:spPr>
         </p:pic>
-      </p:grpSp>
-      <p:grpSp>
-        <p:nvGrpSpPr>
-          <p:cNvPr id="1007" name="그룹 1007"/>
-          <p:cNvGrpSpPr/>
-          <p:nvPr/>
-        </p:nvGrpSpPr>
-        <p:grpSpPr>
-          <a:xfrm>
-            <a:off x="8506674" y="4107519"/>
-            <a:ext cx="8985934" cy="3848355"/>
-            <a:chOff x="8506674" y="4107519"/>
-            <a:chExt cx="8985934" cy="3848355"/>
-          </a:xfrm>
-        </p:grpSpPr>
         <p:pic>
           <p:nvPicPr>
-            <p:cNvPr id="25" name="Object 24"/>
+            <p:cNvPr id="13" name="Object 12"/>
             <p:cNvPicPr>
               <a:picLocks noChangeAspect="1"/>
             </p:cNvPicPr>
@@ -3867,71 +3776,56 @@
           </p:blipFill>
           <p:spPr>
             <a:xfrm>
-              <a:off x="8506674" y="4107519"/>
-              <a:ext cx="8985934" cy="3848355"/>
+              <a:off x="2002516" y="4899973"/>
+              <a:ext cx="4504441" cy="1273565"/>
             </a:xfrm>
             <a:prstGeom prst="rect">
               <a:avLst/>
             </a:prstGeom>
           </p:spPr>
         </p:pic>
-      </p:grpSp>
-      <p:grpSp>
-        <p:nvGrpSpPr>
-          <p:cNvPr id="1008" name="그룹 1008"/>
-          <p:cNvGrpSpPr/>
-          <p:nvPr/>
-        </p:nvGrpSpPr>
-        <p:grpSpPr>
-          <a:xfrm>
-            <a:off x="16363074" y="6890891"/>
-            <a:ext cx="265798" cy="169993"/>
-            <a:chOff x="16363074" y="6890891"/>
-            <a:chExt cx="265798" cy="169993"/>
-          </a:xfrm>
-        </p:grpSpPr>
+        <p:grpSp>
+          <p:nvGrpSpPr>
+            <p:cNvPr id="1004" name="그룹 1004"/>
+            <p:cNvGrpSpPr/>
+            <p:nvPr/>
+          </p:nvGrpSpPr>
+          <p:grpSpPr>
+            <a:xfrm>
+              <a:off x="8930247" y="3250035"/>
+              <a:ext cx="7260983" cy="3623833"/>
+              <a:chOff x="8930247" y="3250035"/>
+              <a:chExt cx="7260983" cy="3623833"/>
+            </a:xfrm>
+          </p:grpSpPr>
+          <p:pic>
+            <p:nvPicPr>
+              <p:cNvPr id="15" name="Object 14"/>
+              <p:cNvPicPr>
+                <a:picLocks noChangeAspect="1"/>
+              </p:cNvPicPr>
+              <p:nvPr/>
+            </p:nvPicPr>
+            <p:blipFill>
+              <a:blip r:embed="rId9" cstate="print"/>
+              <a:stretch>
+                <a:fillRect/>
+              </a:stretch>
+            </p:blipFill>
+            <p:spPr>
+              <a:xfrm>
+                <a:off x="8930247" y="3250035"/>
+                <a:ext cx="7260983" cy="3623833"/>
+              </a:xfrm>
+              <a:prstGeom prst="rect">
+                <a:avLst/>
+              </a:prstGeom>
+            </p:spPr>
+          </p:pic>
+        </p:grpSp>
         <p:pic>
           <p:nvPicPr>
-            <p:cNvPr id="28" name="Object 27"/>
-            <p:cNvPicPr>
-              <a:picLocks noChangeAspect="1"/>
-            </p:cNvPicPr>
-            <p:nvPr/>
-          </p:nvPicPr>
-          <p:blipFill>
-            <a:blip r:embed="rId9" cstate="print"/>
-            <a:stretch>
-              <a:fillRect/>
-            </a:stretch>
-          </p:blipFill>
-          <p:spPr>
-            <a:xfrm>
-              <a:off x="16363074" y="6890891"/>
-              <a:ext cx="265798" cy="169993"/>
-            </a:xfrm>
-            <a:prstGeom prst="rect">
-              <a:avLst/>
-            </a:prstGeom>
-          </p:spPr>
-        </p:pic>
-      </p:grpSp>
-      <p:grpSp>
-        <p:nvGrpSpPr>
-          <p:cNvPr id="1009" name="그룹 1009"/>
-          <p:cNvGrpSpPr/>
-          <p:nvPr/>
-        </p:nvGrpSpPr>
-        <p:grpSpPr>
-          <a:xfrm>
-            <a:off x="16380217" y="7250891"/>
-            <a:ext cx="265798" cy="483223"/>
-            <a:chOff x="16380217" y="7250891"/>
-            <a:chExt cx="265798" cy="483223"/>
-          </a:xfrm>
-        </p:grpSpPr>
-        <p:pic>
-          <p:nvPicPr>
-            <p:cNvPr id="31" name="Object 30"/>
+            <p:cNvPr id="17" name="Object 16"/>
             <p:cNvPicPr>
               <a:picLocks noChangeAspect="1"/>
             </p:cNvPicPr>
@@ -3945,69 +3839,17 @@
           </p:blipFill>
           <p:spPr>
             <a:xfrm>
-              <a:off x="16380217" y="7250891"/>
-              <a:ext cx="265798" cy="483223"/>
+              <a:off x="9903396" y="3858830"/>
+              <a:ext cx="5707354" cy="1051163"/>
             </a:xfrm>
             <a:prstGeom prst="rect">
               <a:avLst/>
             </a:prstGeom>
           </p:spPr>
         </p:pic>
-      </p:grpSp>
-      <p:sp>
-        <p:nvSpPr>
-          <p:cNvPr id="33" name="Object 33"/>
-          <p:cNvSpPr txBox="1"/>
-          <p:nvPr/>
-        </p:nvSpPr>
-        <p:spPr>
-          <a:xfrm>
-            <a:off x="-425765" y="8193410"/>
-            <a:ext cx="8097921" cy="798267"/>
-          </a:xfrm>
-          <a:prstGeom prst="rect">
-            <a:avLst/>
-          </a:prstGeom>
-          <a:noFill/>
-        </p:spPr>
-        <p:txBody>
-          <a:bodyPr anchor="t" wrap="square" rtlCol="0">
-            <a:spAutoFit/>
-          </a:bodyPr>
-          <a:lstStyle/>
-          <a:p>
-            <a:pPr algn="ctr"/>
-            <a:r>
-              <a:rPr lang="en-US" sz="3000" dirty="0" smtClean="0">
-                <a:solidFill>
-                  <a:srgbClr val="000000"/>
-                </a:solidFill>
-                <a:latin typeface="Noto Sans CJK KR Regular" pitchFamily="34" charset="0"/>
-                <a:cs typeface="Noto Sans CJK KR Regular" pitchFamily="34" charset="0"/>
-              </a:rPr>
-              <a:t>add_review_procedure</a:t>
-            </a:r>
-            <a:endParaRPr lang="en-US" dirty="0"/>
-          </a:p>
-        </p:txBody>
-      </p:sp>
-      <p:grpSp>
-        <p:nvGrpSpPr>
-          <p:cNvPr id="1010" name="그룹 1010"/>
-          <p:cNvGrpSpPr/>
-          <p:nvPr/>
-        </p:nvGrpSpPr>
-        <p:grpSpPr>
-          <a:xfrm>
-            <a:off x="8489663" y="2308911"/>
-            <a:ext cx="8010600" cy="1084495"/>
-            <a:chOff x="8489663" y="2308911"/>
-            <a:chExt cx="8010600" cy="1084495"/>
-          </a:xfrm>
-        </p:grpSpPr>
         <p:pic>
           <p:nvPicPr>
-            <p:cNvPr id="35" name="Object 34"/>
+            <p:cNvPr id="18" name="Object 17"/>
             <p:cNvPicPr>
               <a:picLocks noChangeAspect="1"/>
             </p:cNvPicPr>
@@ -4021,8 +3863,8 @@
           </p:blipFill>
           <p:spPr>
             <a:xfrm>
-              <a:off x="8489663" y="2308911"/>
-              <a:ext cx="8010600" cy="1084495"/>
+              <a:off x="10613467" y="4901882"/>
+              <a:ext cx="4958023" cy="1806604"/>
             </a:xfrm>
             <a:prstGeom prst="rect">
               <a:avLst/>
@@ -4063,91 +3905,78 @@
           <a:chExt cx="0" cy="0"/>
         </a:xfrm>
       </p:grpSpPr>
-      <p:sp>
-        <p:nvSpPr>
-          <p:cNvPr id="2" name="Object 2"/>
-          <p:cNvSpPr txBox="1"/>
-          <p:nvPr/>
-        </p:nvSpPr>
-        <p:spPr>
-          <a:xfrm>
-            <a:off x="652575" y="552104"/>
-            <a:ext cx="14238117" cy="2016530"/>
+      <p:pic>
+        <p:nvPicPr>
+          <p:cNvPr id="2" name="Object 1"/>
+          <p:cNvPicPr>
+            <a:picLocks noChangeAspect="1"/>
+          </p:cNvPicPr>
+          <p:nvPr/>
+        </p:nvPicPr>
+        <p:blipFill>
+          <a:blip r:embed="rId2" cstate="print"/>
+          <a:stretch>
+            <a:fillRect/>
+          </a:stretch>
+        </p:blipFill>
+        <p:spPr>
+          <a:xfrm>
+            <a:off x="509722" y="409250"/>
+            <a:ext cx="9814499" cy="1674747"/>
           </a:xfrm>
           <a:prstGeom prst="rect">
             <a:avLst/>
           </a:prstGeom>
-          <a:noFill/>
-        </p:spPr>
-        <p:txBody>
-          <a:bodyPr anchor="t" wrap="square" rtlCol="0">
-            <a:spAutoFit/>
-          </a:bodyPr>
-          <a:lstStyle/>
-          <a:p>
-            <a:r>
-              <a:rPr lang="en-US" sz="7500" dirty="0" smtClean="0">
-                <a:solidFill>
-                  <a:srgbClr val="000000"/>
-                </a:solidFill>
-                <a:latin typeface="THELuxGoEB" pitchFamily="34" charset="0"/>
-                <a:cs typeface="THELuxGoEB" pitchFamily="34" charset="0"/>
-              </a:rPr>
-              <a:t>04. 프로젝트 수행 결과</a:t>
-            </a:r>
-          </a:p>
-          <a:p>
-            <a:r>
-              <a:rPr lang="en-US" sz="7500" dirty="0" smtClean="0">
-                <a:solidFill>
-                  <a:srgbClr val="000000"/>
-                </a:solidFill>
-                <a:latin typeface="THELuxGoEB" pitchFamily="34" charset="0"/>
-                <a:cs typeface="THELuxGoEB" pitchFamily="34" charset="0"/>
-              </a:rPr>
-              <a:t/>
-            </a:r>
-            <a:endParaRPr lang="en-US" dirty="0"/>
-          </a:p>
-        </p:txBody>
-      </p:sp>
-      <p:sp>
-        <p:nvSpPr>
-          <p:cNvPr id="3" name="Object 3"/>
-          <p:cNvSpPr txBox="1"/>
-          <p:nvPr/>
-        </p:nvSpPr>
-        <p:spPr>
-          <a:xfrm>
-            <a:off x="16310337" y="1133190"/>
-            <a:ext cx="1424176" cy="798267"/>
+        </p:spPr>
+      </p:pic>
+      <p:pic>
+        <p:nvPicPr>
+          <p:cNvPr id="3" name="Object 2"/>
+          <p:cNvPicPr>
+            <a:picLocks noChangeAspect="1"/>
+          </p:cNvPicPr>
+          <p:nvPr/>
+        </p:nvPicPr>
+        <p:blipFill>
+          <a:blip r:embed="rId3" cstate="print"/>
+          <a:stretch>
+            <a:fillRect/>
+          </a:stretch>
+        </p:blipFill>
+        <p:spPr>
+          <a:xfrm>
+            <a:off x="16491423" y="1076913"/>
+            <a:ext cx="1147897" cy="627497"/>
           </a:xfrm>
           <a:prstGeom prst="rect">
             <a:avLst/>
           </a:prstGeom>
-          <a:noFill/>
-        </p:spPr>
-        <p:txBody>
-          <a:bodyPr anchor="t" wrap="square" rtlCol="0">
-            <a:spAutoFit/>
-          </a:bodyPr>
-          <a:lstStyle/>
-          <a:p>
-            <a:pPr algn="ctr"/>
-            <a:r>
-              <a:rPr lang="en-US" sz="3000" dirty="0" smtClean="0">
-                <a:solidFill>
-                  <a:srgbClr val="000000"/>
-                </a:solidFill>
-                <a:latin typeface="Noto Sans CJK KR Regular" pitchFamily="34" charset="0"/>
-                <a:cs typeface="Noto Sans CJK KR Regular" pitchFamily="34" charset="0"/>
-              </a:rPr>
-              <a:t>Food</a:t>
-            </a:r>
-            <a:endParaRPr lang="en-US" dirty="0"/>
-          </a:p>
-        </p:txBody>
-      </p:sp>
+        </p:spPr>
+      </p:pic>
+      <p:pic>
+        <p:nvPicPr>
+          <p:cNvPr id="4" name="Object 3"/>
+          <p:cNvPicPr>
+            <a:picLocks noChangeAspect="1"/>
+          </p:cNvPicPr>
+          <p:nvPr/>
+        </p:nvPicPr>
+        <p:blipFill>
+          <a:blip r:embed="rId4" cstate="print"/>
+          <a:stretch>
+            <a:fillRect/>
+          </a:stretch>
+        </p:blipFill>
+        <p:spPr>
+          <a:xfrm>
+            <a:off x="10531401" y="688594"/>
+            <a:ext cx="3491395" cy="1132728"/>
+          </a:xfrm>
+          <a:prstGeom prst="rect">
+            <a:avLst/>
+          </a:prstGeom>
+        </p:spPr>
+      </p:pic>
       <p:grpSp>
         <p:nvGrpSpPr>
           <p:cNvPr id="1001" name="그룹 1001"/>
@@ -4156,132 +3985,15 @@
         </p:nvGrpSpPr>
         <p:grpSpPr>
           <a:xfrm>
-            <a:off x="652575" y="2642799"/>
-            <a:ext cx="6171429" cy="3625175"/>
-            <a:chOff x="652575" y="2642799"/>
-            <a:chExt cx="6171429" cy="3625175"/>
+            <a:off x="652575" y="2746306"/>
+            <a:ext cx="6171429" cy="2396551"/>
+            <a:chOff x="652575" y="2746306"/>
+            <a:chExt cx="6171429" cy="2396551"/>
           </a:xfrm>
         </p:grpSpPr>
         <p:pic>
           <p:nvPicPr>
-            <p:cNvPr id="5" name="Object 4"/>
-            <p:cNvPicPr>
-              <a:picLocks noChangeAspect="1"/>
-            </p:cNvPicPr>
-            <p:nvPr/>
-          </p:nvPicPr>
-          <p:blipFill>
-            <a:blip r:embed="rId2" cstate="print"/>
-            <a:stretch>
-              <a:fillRect/>
-            </a:stretch>
-          </p:blipFill>
-          <p:spPr>
-            <a:xfrm>
-              <a:off x="652575" y="2642799"/>
-              <a:ext cx="6171429" cy="3625175"/>
-            </a:xfrm>
-            <a:prstGeom prst="rect">
-              <a:avLst/>
-            </a:prstGeom>
-          </p:spPr>
-        </p:pic>
-      </p:grpSp>
-      <p:grpSp>
-        <p:nvGrpSpPr>
-          <p:cNvPr id="1002" name="그룹 1002"/>
-          <p:cNvGrpSpPr/>
-          <p:nvPr/>
-        </p:nvGrpSpPr>
-        <p:grpSpPr>
-          <a:xfrm>
-            <a:off x="722905" y="7427368"/>
-            <a:ext cx="6171429" cy="2858346"/>
-            <a:chOff x="722905" y="7427368"/>
-            <a:chExt cx="6171429" cy="2858346"/>
-          </a:xfrm>
-        </p:grpSpPr>
-        <p:pic>
-          <p:nvPicPr>
-            <p:cNvPr id="8" name="Object 7"/>
-            <p:cNvPicPr>
-              <a:picLocks noChangeAspect="1"/>
-            </p:cNvPicPr>
-            <p:nvPr/>
-          </p:nvPicPr>
-          <p:blipFill>
-            <a:blip r:embed="rId3" cstate="print"/>
-            <a:stretch>
-              <a:fillRect/>
-            </a:stretch>
-          </p:blipFill>
-          <p:spPr>
-            <a:xfrm>
-              <a:off x="722905" y="7427368"/>
-              <a:ext cx="6171429" cy="2858346"/>
-            </a:xfrm>
-            <a:prstGeom prst="rect">
-              <a:avLst/>
-            </a:prstGeom>
-          </p:spPr>
-        </p:pic>
-      </p:grpSp>
-      <p:grpSp>
-        <p:nvGrpSpPr>
-          <p:cNvPr id="1003" name="그룹 1003"/>
-          <p:cNvGrpSpPr/>
-          <p:nvPr/>
-        </p:nvGrpSpPr>
-        <p:grpSpPr>
-          <a:xfrm>
-            <a:off x="617410" y="2642799"/>
-            <a:ext cx="6171429" cy="3625175"/>
-            <a:chOff x="617410" y="2642799"/>
-            <a:chExt cx="6171429" cy="3625175"/>
-          </a:xfrm>
-        </p:grpSpPr>
-        <p:pic>
-          <p:nvPicPr>
-            <p:cNvPr id="11" name="Object 10"/>
-            <p:cNvPicPr>
-              <a:picLocks noChangeAspect="1"/>
-            </p:cNvPicPr>
-            <p:nvPr/>
-          </p:nvPicPr>
-          <p:blipFill>
-            <a:blip r:embed="rId4" cstate="print"/>
-            <a:stretch>
-              <a:fillRect/>
-            </a:stretch>
-          </p:blipFill>
-          <p:spPr>
-            <a:xfrm>
-              <a:off x="617410" y="2642799"/>
-              <a:ext cx="6171429" cy="3625175"/>
-            </a:xfrm>
-            <a:prstGeom prst="rect">
-              <a:avLst/>
-            </a:prstGeom>
-          </p:spPr>
-        </p:pic>
-      </p:grpSp>
-      <p:grpSp>
-        <p:nvGrpSpPr>
-          <p:cNvPr id="1004" name="그룹 1004"/>
-          <p:cNvGrpSpPr/>
-          <p:nvPr/>
-        </p:nvGrpSpPr>
-        <p:grpSpPr>
-          <a:xfrm>
-            <a:off x="705322" y="7451267"/>
-            <a:ext cx="6171429" cy="2705139"/>
-            <a:chOff x="705322" y="7451267"/>
-            <a:chExt cx="6171429" cy="2705139"/>
-          </a:xfrm>
-        </p:grpSpPr>
-        <p:pic>
-          <p:nvPicPr>
-            <p:cNvPr id="14" name="Object 13"/>
+            <p:cNvPr id="6" name="Object 5"/>
             <p:cNvPicPr>
               <a:picLocks noChangeAspect="1"/>
             </p:cNvPicPr>
@@ -4295,8 +4007,8 @@
           </p:blipFill>
           <p:spPr>
             <a:xfrm>
-              <a:off x="705322" y="7451267"/>
-              <a:ext cx="6171429" cy="2705139"/>
+              <a:off x="652575" y="2746306"/>
+              <a:ext cx="6171429" cy="2396551"/>
             </a:xfrm>
             <a:prstGeom prst="rect">
               <a:avLst/>
@@ -4306,21 +4018,21 @@
       </p:grpSp>
       <p:grpSp>
         <p:nvGrpSpPr>
-          <p:cNvPr id="1005" name="그룹 1005"/>
+          <p:cNvPr id="1002" name="그룹 1002"/>
           <p:cNvGrpSpPr/>
           <p:nvPr/>
         </p:nvGrpSpPr>
         <p:grpSpPr>
           <a:xfrm>
-            <a:off x="8336092" y="2625216"/>
-            <a:ext cx="9231388" cy="3246400"/>
-            <a:chOff x="8336092" y="2625216"/>
-            <a:chExt cx="9231388" cy="3246400"/>
+            <a:off x="8283344" y="1931622"/>
+            <a:ext cx="9266553" cy="3211235"/>
+            <a:chOff x="8283344" y="1931622"/>
+            <a:chExt cx="9266553" cy="3211235"/>
           </a:xfrm>
         </p:grpSpPr>
         <p:pic>
           <p:nvPicPr>
-            <p:cNvPr id="17" name="Object 16"/>
+            <p:cNvPr id="9" name="Object 8"/>
             <p:cNvPicPr>
               <a:picLocks noChangeAspect="1"/>
             </p:cNvPicPr>
@@ -4334,8 +4046,8 @@
           </p:blipFill>
           <p:spPr>
             <a:xfrm>
-              <a:off x="8336092" y="2625216"/>
-              <a:ext cx="9231388" cy="3246400"/>
+              <a:off x="8283344" y="1931622"/>
+              <a:ext cx="9266553" cy="3211235"/>
             </a:xfrm>
             <a:prstGeom prst="rect">
               <a:avLst/>
@@ -4345,21 +4057,21 @@
       </p:grpSp>
       <p:grpSp>
         <p:nvGrpSpPr>
-          <p:cNvPr id="1006" name="그룹 1006"/>
+          <p:cNvPr id="1003" name="그룹 1003"/>
           <p:cNvGrpSpPr/>
           <p:nvPr/>
         </p:nvGrpSpPr>
         <p:grpSpPr>
           <a:xfrm>
-            <a:off x="8265762" y="6465333"/>
-            <a:ext cx="9231388" cy="3719169"/>
-            <a:chOff x="8265762" y="6465333"/>
-            <a:chExt cx="9231388" cy="3719169"/>
+            <a:off x="670158" y="2746306"/>
+            <a:ext cx="6171429" cy="2396551"/>
+            <a:chOff x="670158" y="2746306"/>
+            <a:chExt cx="6171429" cy="2396551"/>
           </a:xfrm>
         </p:grpSpPr>
         <p:pic>
           <p:nvPicPr>
-            <p:cNvPr id="20" name="Object 19"/>
+            <p:cNvPr id="12" name="Object 11"/>
             <p:cNvPicPr>
               <a:picLocks noChangeAspect="1"/>
             </p:cNvPicPr>
@@ -4373,8 +4085,8 @@
           </p:blipFill>
           <p:spPr>
             <a:xfrm>
-              <a:off x="8265762" y="6465333"/>
-              <a:ext cx="9231388" cy="3719169"/>
+              <a:off x="670158" y="2746306"/>
+              <a:ext cx="6171429" cy="2396551"/>
             </a:xfrm>
             <a:prstGeom prst="rect">
               <a:avLst/>
@@ -4384,21 +4096,21 @@
       </p:grpSp>
       <p:grpSp>
         <p:nvGrpSpPr>
-          <p:cNvPr id="1007" name="그룹 1007"/>
+          <p:cNvPr id="1004" name="그룹 1004"/>
           <p:cNvGrpSpPr/>
           <p:nvPr/>
         </p:nvGrpSpPr>
         <p:grpSpPr>
           <a:xfrm>
-            <a:off x="8336092" y="2607632"/>
+            <a:off x="8249645" y="1896457"/>
             <a:ext cx="9284135" cy="3246400"/>
-            <a:chOff x="8336092" y="2607632"/>
+            <a:chOff x="8249645" y="1896457"/>
             <a:chExt cx="9284135" cy="3246400"/>
           </a:xfrm>
         </p:grpSpPr>
         <p:pic>
           <p:nvPicPr>
-            <p:cNvPr id="23" name="Object 22"/>
+            <p:cNvPr id="15" name="Object 14"/>
             <p:cNvPicPr>
               <a:picLocks noChangeAspect="1"/>
             </p:cNvPicPr>
@@ -4412,8 +4124,149 @@
           </p:blipFill>
           <p:spPr>
             <a:xfrm>
-              <a:off x="8336092" y="2607632"/>
+              <a:off x="8249645" y="1896457"/>
               <a:ext cx="9284135" cy="3246400"/>
+            </a:xfrm>
+            <a:prstGeom prst="rect">
+              <a:avLst/>
+            </a:prstGeom>
+          </p:spPr>
+        </p:pic>
+      </p:grpSp>
+      <p:pic>
+        <p:nvPicPr>
+          <p:cNvPr id="17" name="Object 16"/>
+          <p:cNvPicPr>
+            <a:picLocks noChangeAspect="1"/>
+          </p:cNvPicPr>
+          <p:nvPr/>
+        </p:nvPicPr>
+        <p:blipFill>
+          <a:blip r:embed="rId9" cstate="print"/>
+          <a:stretch>
+            <a:fillRect/>
+          </a:stretch>
+        </p:blipFill>
+        <p:spPr>
+          <a:xfrm>
+            <a:off x="7050149" y="2396003"/>
+            <a:ext cx="1350363" cy="1297325"/>
+          </a:xfrm>
+          <a:prstGeom prst="rect">
+            <a:avLst/>
+          </a:prstGeom>
+        </p:spPr>
+      </p:pic>
+      <p:grpSp>
+        <p:nvGrpSpPr>
+          <p:cNvPr id="1005" name="그룹 1005"/>
+          <p:cNvGrpSpPr/>
+          <p:nvPr/>
+        </p:nvGrpSpPr>
+        <p:grpSpPr>
+          <a:xfrm>
+            <a:off x="652575" y="6006521"/>
+            <a:ext cx="6171429" cy="4070330"/>
+            <a:chOff x="652575" y="6006521"/>
+            <a:chExt cx="6171429" cy="4070330"/>
+          </a:xfrm>
+        </p:grpSpPr>
+        <p:pic>
+          <p:nvPicPr>
+            <p:cNvPr id="19" name="Object 18"/>
+            <p:cNvPicPr>
+              <a:picLocks noChangeAspect="1"/>
+            </p:cNvPicPr>
+            <p:nvPr/>
+          </p:nvPicPr>
+          <p:blipFill>
+            <a:blip r:embed="rId10" cstate="print"/>
+            <a:stretch>
+              <a:fillRect/>
+            </a:stretch>
+          </p:blipFill>
+          <p:spPr>
+            <a:xfrm>
+              <a:off x="652575" y="6006521"/>
+              <a:ext cx="6171429" cy="4070330"/>
+            </a:xfrm>
+            <a:prstGeom prst="rect">
+              <a:avLst/>
+            </a:prstGeom>
+          </p:spPr>
+        </p:pic>
+      </p:grpSp>
+      <p:grpSp>
+        <p:nvGrpSpPr>
+          <p:cNvPr id="1006" name="그룹 1006"/>
+          <p:cNvGrpSpPr/>
+          <p:nvPr/>
+        </p:nvGrpSpPr>
+        <p:grpSpPr>
+          <a:xfrm>
+            <a:off x="8283344" y="5353846"/>
+            <a:ext cx="6171429" cy="4723005"/>
+            <a:chOff x="8283344" y="5353846"/>
+            <a:chExt cx="6171429" cy="4723005"/>
+          </a:xfrm>
+        </p:grpSpPr>
+        <p:pic>
+          <p:nvPicPr>
+            <p:cNvPr id="22" name="Object 21"/>
+            <p:cNvPicPr>
+              <a:picLocks noChangeAspect="1"/>
+            </p:cNvPicPr>
+            <p:nvPr/>
+          </p:nvPicPr>
+          <p:blipFill>
+            <a:blip r:embed="rId11" cstate="print"/>
+            <a:stretch>
+              <a:fillRect/>
+            </a:stretch>
+          </p:blipFill>
+          <p:spPr>
+            <a:xfrm>
+              <a:off x="8283344" y="5353846"/>
+              <a:ext cx="6171429" cy="4723005"/>
+            </a:xfrm>
+            <a:prstGeom prst="rect">
+              <a:avLst/>
+            </a:prstGeom>
+          </p:spPr>
+        </p:pic>
+      </p:grpSp>
+      <p:grpSp>
+        <p:nvGrpSpPr>
+          <p:cNvPr id="1007" name="그룹 1007"/>
+          <p:cNvGrpSpPr/>
+          <p:nvPr/>
+        </p:nvGrpSpPr>
+        <p:grpSpPr>
+          <a:xfrm>
+            <a:off x="687740" y="6006521"/>
+            <a:ext cx="6171429" cy="4070330"/>
+            <a:chOff x="687740" y="6006521"/>
+            <a:chExt cx="6171429" cy="4070330"/>
+          </a:xfrm>
+        </p:grpSpPr>
+        <p:pic>
+          <p:nvPicPr>
+            <p:cNvPr id="25" name="Object 24"/>
+            <p:cNvPicPr>
+              <a:picLocks noChangeAspect="1"/>
+            </p:cNvPicPr>
+            <p:nvPr/>
+          </p:nvPicPr>
+          <p:blipFill>
+            <a:blip r:embed="rId12" cstate="print"/>
+            <a:stretch>
+              <a:fillRect/>
+            </a:stretch>
+          </p:blipFill>
+          <p:spPr>
+            <a:xfrm>
+              <a:off x="687740" y="6006521"/>
+              <a:ext cx="6171429" cy="4070330"/>
             </a:xfrm>
             <a:prstGeom prst="rect">
               <a:avLst/>
@@ -4429,30 +4282,30 @@
         </p:nvGrpSpPr>
         <p:grpSpPr>
           <a:xfrm>
-            <a:off x="8265762" y="6465333"/>
-            <a:ext cx="9248971" cy="3691073"/>
-            <a:chOff x="8265762" y="6465333"/>
-            <a:chExt cx="9248971" cy="3691073"/>
+            <a:off x="8265762" y="5353846"/>
+            <a:ext cx="6171429" cy="4723005"/>
+            <a:chOff x="8265762" y="5353846"/>
+            <a:chExt cx="6171429" cy="4723005"/>
           </a:xfrm>
         </p:grpSpPr>
         <p:pic>
           <p:nvPicPr>
-            <p:cNvPr id="26" name="Object 25"/>
+            <p:cNvPr id="28" name="Object 27"/>
             <p:cNvPicPr>
               <a:picLocks noChangeAspect="1"/>
             </p:cNvPicPr>
             <p:nvPr/>
           </p:nvPicPr>
           <p:blipFill>
-            <a:blip r:embed="rId9" cstate="print"/>
+            <a:blip r:embed="rId13" cstate="print"/>
             <a:stretch>
               <a:fillRect/>
             </a:stretch>
           </p:blipFill>
           <p:spPr>
             <a:xfrm>
-              <a:off x="8265762" y="6465333"/>
-              <a:ext cx="9248971" cy="3691073"/>
+              <a:off x="8265762" y="5353846"/>
+              <a:ext cx="6171429" cy="4723005"/>
             </a:xfrm>
             <a:prstGeom prst="rect">
               <a:avLst/>
@@ -4460,191 +4313,78 @@
           </p:spPr>
         </p:pic>
       </p:grpSp>
-      <p:sp>
-        <p:nvSpPr>
-          <p:cNvPr id="28" name="Object 28"/>
-          <p:cNvSpPr txBox="1"/>
-          <p:nvPr/>
-        </p:nvSpPr>
-        <p:spPr>
-          <a:xfrm>
-            <a:off x="6913564" y="3133621"/>
-            <a:ext cx="1242857" cy="1726272"/>
+      <p:pic>
+        <p:nvPicPr>
+          <p:cNvPr id="30" name="Object 29"/>
+          <p:cNvPicPr>
+            <a:picLocks noChangeAspect="1"/>
+          </p:cNvPicPr>
+          <p:nvPr/>
+        </p:nvPicPr>
+        <p:blipFill>
+          <a:blip r:embed="rId14" cstate="print"/>
+          <a:stretch>
+            <a:fillRect/>
+          </a:stretch>
+        </p:blipFill>
+        <p:spPr>
+          <a:xfrm>
+            <a:off x="-56277" y="2157852"/>
+            <a:ext cx="3008135" cy="627497"/>
           </a:xfrm>
           <a:prstGeom prst="rect">
             <a:avLst/>
           </a:prstGeom>
-          <a:noFill/>
-        </p:spPr>
-        <p:txBody>
-          <a:bodyPr anchor="t" wrap="square" rtlCol="0">
-            <a:spAutoFit/>
-          </a:bodyPr>
-          <a:lstStyle/>
-          <a:p>
-            <a:pPr algn="ctr"/>
-            <a:r>
-              <a:rPr lang="en-US" sz="6500" dirty="0" smtClean="0">
-                <a:solidFill>
-                  <a:srgbClr val="000000"/>
-                </a:solidFill>
-                <a:latin typeface="Noto Sans CJK KR Regular" pitchFamily="34" charset="0"/>
-                <a:cs typeface="Noto Sans CJK KR Regular" pitchFamily="34" charset="0"/>
-              </a:rPr>
-              <a:t>→</a:t>
-            </a:r>
-            <a:endParaRPr lang="en-US" dirty="0"/>
-          </a:p>
-        </p:txBody>
-      </p:sp>
-      <p:sp>
-        <p:nvSpPr>
-          <p:cNvPr id="29" name="Object 29"/>
-          <p:cNvSpPr txBox="1"/>
-          <p:nvPr/>
-        </p:nvSpPr>
-        <p:spPr>
-          <a:xfrm>
-            <a:off x="6913564" y="7242478"/>
-            <a:ext cx="1242857" cy="1726272"/>
+        </p:spPr>
+      </p:pic>
+      <p:pic>
+        <p:nvPicPr>
+          <p:cNvPr id="31" name="Object 30"/>
+          <p:cNvPicPr>
+            <a:picLocks noChangeAspect="1"/>
+          </p:cNvPicPr>
+          <p:nvPr/>
+        </p:nvPicPr>
+        <p:blipFill>
+          <a:blip r:embed="rId15" cstate="print"/>
+          <a:stretch>
+            <a:fillRect/>
+          </a:stretch>
+        </p:blipFill>
+        <p:spPr>
+          <a:xfrm>
+            <a:off x="-56277" y="5418066"/>
+            <a:ext cx="4880659" cy="713211"/>
           </a:xfrm>
           <a:prstGeom prst="rect">
             <a:avLst/>
           </a:prstGeom>
-          <a:noFill/>
-        </p:spPr>
-        <p:txBody>
-          <a:bodyPr anchor="t" wrap="square" rtlCol="0">
-            <a:spAutoFit/>
-          </a:bodyPr>
-          <a:lstStyle/>
-          <a:p>
-            <a:pPr algn="ctr"/>
-            <a:r>
-              <a:rPr lang="en-US" sz="6500" dirty="0" smtClean="0">
-                <a:solidFill>
-                  <a:srgbClr val="000000"/>
-                </a:solidFill>
-                <a:latin typeface="Noto Sans CJK KR Regular" pitchFamily="34" charset="0"/>
-                <a:cs typeface="Noto Sans CJK KR Regular" pitchFamily="34" charset="0"/>
-              </a:rPr>
-              <a:t>→</a:t>
-            </a:r>
-            <a:endParaRPr lang="en-US" dirty="0"/>
-          </a:p>
-        </p:txBody>
-      </p:sp>
-      <p:sp>
-        <p:nvSpPr>
-          <p:cNvPr id="30" name="Object 30"/>
-          <p:cNvSpPr txBox="1"/>
-          <p:nvPr/>
-        </p:nvSpPr>
-        <p:spPr>
-          <a:xfrm>
-            <a:off x="9811714" y="783192"/>
-            <a:ext cx="4885714" cy="1323263"/>
+        </p:spPr>
+      </p:pic>
+      <p:pic>
+        <p:nvPicPr>
+          <p:cNvPr id="32" name="Object 31"/>
+          <p:cNvPicPr>
+            <a:picLocks noChangeAspect="1"/>
+          </p:cNvPicPr>
+          <p:nvPr/>
+        </p:nvPicPr>
+        <p:blipFill>
+          <a:blip r:embed="rId16" cstate="print"/>
+          <a:stretch>
+            <a:fillRect/>
+          </a:stretch>
+        </p:blipFill>
+        <p:spPr>
+          <a:xfrm>
+            <a:off x="13440456" y="9488396"/>
+            <a:ext cx="4611535" cy="713211"/>
           </a:xfrm>
           <a:prstGeom prst="rect">
             <a:avLst/>
           </a:prstGeom>
-          <a:noFill/>
-        </p:spPr>
-        <p:txBody>
-          <a:bodyPr anchor="t" wrap="square" rtlCol="0">
-            <a:spAutoFit/>
-          </a:bodyPr>
-          <a:lstStyle/>
-          <a:p>
-            <a:pPr algn="ctr"/>
-            <a:r>
-              <a:rPr lang="en-US" sz="5000" dirty="0" smtClean="0">
-                <a:solidFill>
-                  <a:srgbClr val="000000"/>
-                </a:solidFill>
-                <a:latin typeface="Noto Sans CJK KR Medium" pitchFamily="34" charset="0"/>
-                <a:cs typeface="Noto Sans CJK KR Medium" pitchFamily="34" charset="0"/>
-              </a:rPr>
-              <a:t>Table 생성</a:t>
-            </a:r>
-            <a:endParaRPr lang="en-US" dirty="0"/>
-          </a:p>
-        </p:txBody>
-      </p:sp>
-      <p:sp>
-        <p:nvSpPr>
-          <p:cNvPr id="31" name="Object 31"/>
-          <p:cNvSpPr txBox="1"/>
-          <p:nvPr/>
-        </p:nvSpPr>
-        <p:spPr>
-          <a:xfrm>
-            <a:off x="-421813" y="6895190"/>
-            <a:ext cx="5350805" cy="798267"/>
-          </a:xfrm>
-          <a:prstGeom prst="rect">
-            <a:avLst/>
-          </a:prstGeom>
-          <a:noFill/>
-        </p:spPr>
-        <p:txBody>
-          <a:bodyPr anchor="t" wrap="square" rtlCol="0">
-            <a:spAutoFit/>
-          </a:bodyPr>
-          <a:lstStyle/>
-          <a:p>
-            <a:pPr algn="ctr"/>
-            <a:r>
-              <a:rPr lang="en-US" sz="3000" dirty="0" smtClean="0">
-                <a:solidFill>
-                  <a:srgbClr val="000000"/>
-                </a:solidFill>
-                <a:latin typeface="Noto Sans CJK KR Regular" pitchFamily="34" charset="0"/>
-                <a:cs typeface="Noto Sans CJK KR Regular" pitchFamily="34" charset="0"/>
-              </a:rPr>
-              <a:t>Restaurant Table</a:t>
-            </a:r>
-            <a:endParaRPr lang="en-US" dirty="0"/>
-          </a:p>
-        </p:txBody>
-      </p:sp>
-      <p:sp>
-        <p:nvSpPr>
-          <p:cNvPr id="32" name="Object 32"/>
-          <p:cNvSpPr txBox="1"/>
-          <p:nvPr/>
-        </p:nvSpPr>
-        <p:spPr>
-          <a:xfrm>
-            <a:off x="-1120372" y="2075454"/>
-            <a:ext cx="5350805" cy="798267"/>
-          </a:xfrm>
-          <a:prstGeom prst="rect">
-            <a:avLst/>
-          </a:prstGeom>
-          <a:noFill/>
-        </p:spPr>
-        <p:txBody>
-          <a:bodyPr anchor="t" wrap="square" rtlCol="0">
-            <a:spAutoFit/>
-          </a:bodyPr>
-          <a:lstStyle/>
-          <a:p>
-            <a:pPr algn="ctr"/>
-            <a:r>
-              <a:rPr lang="en-US" sz="3000" dirty="0" smtClean="0">
-                <a:solidFill>
-                  <a:srgbClr val="000000"/>
-                </a:solidFill>
-                <a:latin typeface="Noto Sans CJK KR Regular" pitchFamily="34" charset="0"/>
-                <a:cs typeface="Noto Sans CJK KR Regular" pitchFamily="34" charset="0"/>
-              </a:rPr>
-              <a:t>User Table</a:t>
-            </a:r>
-            <a:endParaRPr lang="en-US" dirty="0"/>
-          </a:p>
-        </p:txBody>
-      </p:sp>
+        </p:spPr>
+      </p:pic>
     </p:spTree>
   </p:cSld>
   <p:clrMapOvr>
@@ -4678,128 +4418,78 @@
           <a:chExt cx="0" cy="0"/>
         </a:xfrm>
       </p:grpSpPr>
-      <p:sp>
-        <p:nvSpPr>
-          <p:cNvPr id="2" name="Object 2"/>
-          <p:cNvSpPr txBox="1"/>
-          <p:nvPr/>
-        </p:nvSpPr>
-        <p:spPr>
-          <a:xfrm>
-            <a:off x="652575" y="552104"/>
-            <a:ext cx="14238117" cy="2016530"/>
+      <p:pic>
+        <p:nvPicPr>
+          <p:cNvPr id="2" name="Object 1"/>
+          <p:cNvPicPr>
+            <a:picLocks noChangeAspect="1"/>
+          </p:cNvPicPr>
+          <p:nvPr/>
+        </p:nvPicPr>
+        <p:blipFill>
+          <a:blip r:embed="rId2" cstate="print"/>
+          <a:stretch>
+            <a:fillRect/>
+          </a:stretch>
+        </p:blipFill>
+        <p:spPr>
+          <a:xfrm>
+            <a:off x="509722" y="409250"/>
+            <a:ext cx="9814499" cy="1674747"/>
           </a:xfrm>
           <a:prstGeom prst="rect">
             <a:avLst/>
           </a:prstGeom>
-          <a:noFill/>
-        </p:spPr>
-        <p:txBody>
-          <a:bodyPr anchor="t" wrap="square" rtlCol="0">
-            <a:spAutoFit/>
-          </a:bodyPr>
-          <a:lstStyle/>
-          <a:p>
-            <a:r>
-              <a:rPr lang="en-US" sz="7500" dirty="0" smtClean="0">
-                <a:solidFill>
-                  <a:srgbClr val="000000"/>
-                </a:solidFill>
-                <a:latin typeface="THELuxGoEB" pitchFamily="34" charset="0"/>
-                <a:cs typeface="THELuxGoEB" pitchFamily="34" charset="0"/>
-              </a:rPr>
-              <a:t>04. 프로젝트 수행 결과</a:t>
-            </a:r>
-          </a:p>
-          <a:p>
-            <a:r>
-              <a:rPr lang="en-US" sz="7500" dirty="0" smtClean="0">
-                <a:solidFill>
-                  <a:srgbClr val="000000"/>
-                </a:solidFill>
-                <a:latin typeface="THELuxGoEB" pitchFamily="34" charset="0"/>
-                <a:cs typeface="THELuxGoEB" pitchFamily="34" charset="0"/>
-              </a:rPr>
-              <a:t/>
-            </a:r>
-            <a:endParaRPr lang="en-US" dirty="0"/>
-          </a:p>
-        </p:txBody>
-      </p:sp>
-      <p:sp>
-        <p:nvSpPr>
-          <p:cNvPr id="3" name="Object 3"/>
-          <p:cNvSpPr txBox="1"/>
-          <p:nvPr/>
-        </p:nvSpPr>
-        <p:spPr>
-          <a:xfrm>
-            <a:off x="16310337" y="1133190"/>
-            <a:ext cx="1424176" cy="798267"/>
+        </p:spPr>
+      </p:pic>
+      <p:pic>
+        <p:nvPicPr>
+          <p:cNvPr id="3" name="Object 2"/>
+          <p:cNvPicPr>
+            <a:picLocks noChangeAspect="1"/>
+          </p:cNvPicPr>
+          <p:nvPr/>
+        </p:nvPicPr>
+        <p:blipFill>
+          <a:blip r:embed="rId3" cstate="print"/>
+          <a:stretch>
+            <a:fillRect/>
+          </a:stretch>
+        </p:blipFill>
+        <p:spPr>
+          <a:xfrm>
+            <a:off x="16491423" y="1076913"/>
+            <a:ext cx="1147897" cy="627497"/>
           </a:xfrm>
           <a:prstGeom prst="rect">
             <a:avLst/>
           </a:prstGeom>
-          <a:noFill/>
-        </p:spPr>
-        <p:txBody>
-          <a:bodyPr anchor="t" wrap="square" rtlCol="0">
-            <a:spAutoFit/>
-          </a:bodyPr>
-          <a:lstStyle/>
-          <a:p>
-            <a:pPr algn="ctr"/>
-            <a:r>
-              <a:rPr lang="en-US" sz="3000" dirty="0" smtClean="0">
-                <a:solidFill>
-                  <a:srgbClr val="000000"/>
-                </a:solidFill>
-                <a:latin typeface="Noto Sans CJK KR Regular" pitchFamily="34" charset="0"/>
-                <a:cs typeface="Noto Sans CJK KR Regular" pitchFamily="34" charset="0"/>
-              </a:rPr>
-              <a:t>Food</a:t>
-            </a:r>
-            <a:endParaRPr lang="en-US" dirty="0"/>
-          </a:p>
-        </p:txBody>
-      </p:sp>
-      <p:sp>
-        <p:nvSpPr>
-          <p:cNvPr id="4" name="Object 4"/>
-          <p:cNvSpPr txBox="1"/>
-          <p:nvPr/>
-        </p:nvSpPr>
-        <p:spPr>
-          <a:xfrm>
-            <a:off x="9811714" y="783192"/>
-            <a:ext cx="4885714" cy="1323263"/>
+        </p:spPr>
+      </p:pic>
+      <p:pic>
+        <p:nvPicPr>
+          <p:cNvPr id="4" name="Object 3"/>
+          <p:cNvPicPr>
+            <a:picLocks noChangeAspect="1"/>
+          </p:cNvPicPr>
+          <p:nvPr/>
+        </p:nvPicPr>
+        <p:blipFill>
+          <a:blip r:embed="rId4" cstate="print"/>
+          <a:stretch>
+            <a:fillRect/>
+          </a:stretch>
+        </p:blipFill>
+        <p:spPr>
+          <a:xfrm>
+            <a:off x="10531401" y="688594"/>
+            <a:ext cx="4106233" cy="1132728"/>
           </a:xfrm>
           <a:prstGeom prst="rect">
             <a:avLst/>
           </a:prstGeom>
-          <a:noFill/>
-        </p:spPr>
-        <p:txBody>
-          <a:bodyPr anchor="t" wrap="square" rtlCol="0">
-            <a:spAutoFit/>
-          </a:bodyPr>
-          <a:lstStyle/>
-          <a:p>
-            <a:pPr algn="ctr"/>
-            <a:r>
-              <a:rPr lang="en-US" sz="5000" dirty="0" smtClean="0">
-                <a:solidFill>
-                  <a:srgbClr val="000000"/>
-                </a:solidFill>
-                <a:latin typeface="Noto Sans CJK KR Medium" pitchFamily="34" charset="0"/>
-                <a:cs typeface="Noto Sans CJK KR Medium" pitchFamily="34" charset="0"/>
-              </a:rPr>
-              <a:t>Table 생성</a:t>
-            </a:r>
-            <a:endParaRPr lang="en-US" dirty="0"/>
-          </a:p>
-        </p:txBody>
-      </p:sp>
+        </p:spPr>
+      </p:pic>
       <p:grpSp>
         <p:nvGrpSpPr>
           <p:cNvPr id="1001" name="그룹 1001"/>
@@ -4808,132 +4498,15 @@
         </p:nvGrpSpPr>
         <p:grpSpPr>
           <a:xfrm>
-            <a:off x="652575" y="2746306"/>
-            <a:ext cx="6171429" cy="2396551"/>
-            <a:chOff x="652575" y="2746306"/>
-            <a:chExt cx="6171429" cy="2396551"/>
+            <a:off x="11325722" y="3342412"/>
+            <a:ext cx="6171429" cy="4622521"/>
+            <a:chOff x="11325722" y="3342412"/>
+            <a:chExt cx="6171429" cy="4622521"/>
           </a:xfrm>
         </p:grpSpPr>
         <p:pic>
           <p:nvPicPr>
             <p:cNvPr id="6" name="Object 5"/>
-            <p:cNvPicPr>
-              <a:picLocks noChangeAspect="1"/>
-            </p:cNvPicPr>
-            <p:nvPr/>
-          </p:nvPicPr>
-          <p:blipFill>
-            <a:blip r:embed="rId2" cstate="print"/>
-            <a:stretch>
-              <a:fillRect/>
-            </a:stretch>
-          </p:blipFill>
-          <p:spPr>
-            <a:xfrm>
-              <a:off x="652575" y="2746306"/>
-              <a:ext cx="6171429" cy="2396551"/>
-            </a:xfrm>
-            <a:prstGeom prst="rect">
-              <a:avLst/>
-            </a:prstGeom>
-          </p:spPr>
-        </p:pic>
-      </p:grpSp>
-      <p:grpSp>
-        <p:nvGrpSpPr>
-          <p:cNvPr id="1002" name="그룹 1002"/>
-          <p:cNvGrpSpPr/>
-          <p:nvPr/>
-        </p:nvGrpSpPr>
-        <p:grpSpPr>
-          <a:xfrm>
-            <a:off x="8283344" y="1931622"/>
-            <a:ext cx="9266553" cy="3211235"/>
-            <a:chOff x="8283344" y="1931622"/>
-            <a:chExt cx="9266553" cy="3211235"/>
-          </a:xfrm>
-        </p:grpSpPr>
-        <p:pic>
-          <p:nvPicPr>
-            <p:cNvPr id="9" name="Object 8"/>
-            <p:cNvPicPr>
-              <a:picLocks noChangeAspect="1"/>
-            </p:cNvPicPr>
-            <p:nvPr/>
-          </p:nvPicPr>
-          <p:blipFill>
-            <a:blip r:embed="rId3" cstate="print"/>
-            <a:stretch>
-              <a:fillRect/>
-            </a:stretch>
-          </p:blipFill>
-          <p:spPr>
-            <a:xfrm>
-              <a:off x="8283344" y="1931622"/>
-              <a:ext cx="9266553" cy="3211235"/>
-            </a:xfrm>
-            <a:prstGeom prst="rect">
-              <a:avLst/>
-            </a:prstGeom>
-          </p:spPr>
-        </p:pic>
-      </p:grpSp>
-      <p:grpSp>
-        <p:nvGrpSpPr>
-          <p:cNvPr id="1003" name="그룹 1003"/>
-          <p:cNvGrpSpPr/>
-          <p:nvPr/>
-        </p:nvGrpSpPr>
-        <p:grpSpPr>
-          <a:xfrm>
-            <a:off x="670158" y="2746306"/>
-            <a:ext cx="6171429" cy="2396551"/>
-            <a:chOff x="670158" y="2746306"/>
-            <a:chExt cx="6171429" cy="2396551"/>
-          </a:xfrm>
-        </p:grpSpPr>
-        <p:pic>
-          <p:nvPicPr>
-            <p:cNvPr id="12" name="Object 11"/>
-            <p:cNvPicPr>
-              <a:picLocks noChangeAspect="1"/>
-            </p:cNvPicPr>
-            <p:nvPr/>
-          </p:nvPicPr>
-          <p:blipFill>
-            <a:blip r:embed="rId4" cstate="print"/>
-            <a:stretch>
-              <a:fillRect/>
-            </a:stretch>
-          </p:blipFill>
-          <p:spPr>
-            <a:xfrm>
-              <a:off x="670158" y="2746306"/>
-              <a:ext cx="6171429" cy="2396551"/>
-            </a:xfrm>
-            <a:prstGeom prst="rect">
-              <a:avLst/>
-            </a:prstGeom>
-          </p:spPr>
-        </p:pic>
-      </p:grpSp>
-      <p:grpSp>
-        <p:nvGrpSpPr>
-          <p:cNvPr id="1004" name="그룹 1004"/>
-          <p:cNvGrpSpPr/>
-          <p:nvPr/>
-        </p:nvGrpSpPr>
-        <p:grpSpPr>
-          <a:xfrm>
-            <a:off x="8249645" y="1896457"/>
-            <a:ext cx="9284135" cy="3246400"/>
-            <a:chOff x="8249645" y="1896457"/>
-            <a:chExt cx="9284135" cy="3246400"/>
-          </a:xfrm>
-        </p:grpSpPr>
-        <p:pic>
-          <p:nvPicPr>
-            <p:cNvPr id="15" name="Object 14"/>
             <p:cNvPicPr>
               <a:picLocks noChangeAspect="1"/>
             </p:cNvPicPr>
@@ -4947,8 +4520,8 @@
           </p:blipFill>
           <p:spPr>
             <a:xfrm>
-              <a:off x="8249645" y="1896457"/>
-              <a:ext cx="9284135" cy="3246400"/>
+              <a:off x="11325722" y="3342412"/>
+              <a:ext cx="6171429" cy="4622521"/>
             </a:xfrm>
             <a:prstGeom prst="rect">
               <a:avLst/>
@@ -4956,60 +4529,23 @@
           </p:spPr>
         </p:pic>
       </p:grpSp>
-      <p:sp>
-        <p:nvSpPr>
-          <p:cNvPr id="17" name="Object 17"/>
-          <p:cNvSpPr txBox="1"/>
-          <p:nvPr/>
-        </p:nvSpPr>
-        <p:spPr>
-          <a:xfrm>
-            <a:off x="6966312" y="2519309"/>
-            <a:ext cx="1242857" cy="1726272"/>
-          </a:xfrm>
-          <a:prstGeom prst="rect">
-            <a:avLst/>
-          </a:prstGeom>
-          <a:noFill/>
-        </p:spPr>
-        <p:txBody>
-          <a:bodyPr anchor="t" wrap="square" rtlCol="0">
-            <a:spAutoFit/>
-          </a:bodyPr>
-          <a:lstStyle/>
-          <a:p>
-            <a:pPr algn="ctr"/>
-            <a:r>
-              <a:rPr lang="en-US" sz="6500" dirty="0" smtClean="0">
-                <a:solidFill>
-                  <a:srgbClr val="000000"/>
-                </a:solidFill>
-                <a:latin typeface="Noto Sans CJK KR Regular" pitchFamily="34" charset="0"/>
-                <a:cs typeface="Noto Sans CJK KR Regular" pitchFamily="34" charset="0"/>
-              </a:rPr>
-              <a:t>→</a:t>
-            </a:r>
-            <a:endParaRPr lang="en-US" dirty="0"/>
-          </a:p>
-        </p:txBody>
-      </p:sp>
       <p:grpSp>
         <p:nvGrpSpPr>
-          <p:cNvPr id="1005" name="그룹 1005"/>
+          <p:cNvPr id="1002" name="그룹 1002"/>
           <p:cNvGrpSpPr/>
           <p:nvPr/>
         </p:nvGrpSpPr>
         <p:grpSpPr>
           <a:xfrm>
-            <a:off x="652575" y="6006521"/>
-            <a:ext cx="6171429" cy="4070330"/>
-            <a:chOff x="652575" y="6006521"/>
-            <a:chExt cx="6171429" cy="4070330"/>
+            <a:off x="652575" y="2093135"/>
+            <a:ext cx="9231388" cy="3246400"/>
+            <a:chOff x="652575" y="2093135"/>
+            <a:chExt cx="9231388" cy="3246400"/>
           </a:xfrm>
         </p:grpSpPr>
         <p:pic>
           <p:nvPicPr>
-            <p:cNvPr id="19" name="Object 18"/>
+            <p:cNvPr id="9" name="Object 8"/>
             <p:cNvPicPr>
               <a:picLocks noChangeAspect="1"/>
             </p:cNvPicPr>
@@ -5023,8 +4559,8 @@
           </p:blipFill>
           <p:spPr>
             <a:xfrm>
-              <a:off x="652575" y="6006521"/>
-              <a:ext cx="6171429" cy="4070330"/>
+              <a:off x="652575" y="2093135"/>
+              <a:ext cx="9231388" cy="3246400"/>
             </a:xfrm>
             <a:prstGeom prst="rect">
               <a:avLst/>
@@ -5034,21 +4570,21 @@
       </p:grpSp>
       <p:grpSp>
         <p:nvGrpSpPr>
-          <p:cNvPr id="1006" name="그룹 1006"/>
+          <p:cNvPr id="1003" name="그룹 1003"/>
           <p:cNvGrpSpPr/>
           <p:nvPr/>
         </p:nvGrpSpPr>
         <p:grpSpPr>
           <a:xfrm>
-            <a:off x="8283344" y="5353846"/>
-            <a:ext cx="6171429" cy="4723005"/>
-            <a:chOff x="8283344" y="5353846"/>
-            <a:chExt cx="6171429" cy="4723005"/>
+            <a:off x="652575" y="6095579"/>
+            <a:ext cx="9266553" cy="3211235"/>
+            <a:chOff x="652575" y="6095579"/>
+            <a:chExt cx="9266553" cy="3211235"/>
           </a:xfrm>
         </p:grpSpPr>
         <p:pic>
           <p:nvPicPr>
-            <p:cNvPr id="22" name="Object 21"/>
+            <p:cNvPr id="12" name="Object 11"/>
             <p:cNvPicPr>
               <a:picLocks noChangeAspect="1"/>
             </p:cNvPicPr>
@@ -5062,8 +4598,8 @@
           </p:blipFill>
           <p:spPr>
             <a:xfrm>
-              <a:off x="8283344" y="5353846"/>
-              <a:ext cx="6171429" cy="4723005"/>
+              <a:off x="652575" y="6095579"/>
+              <a:ext cx="9266553" cy="3211235"/>
             </a:xfrm>
             <a:prstGeom prst="rect">
               <a:avLst/>
@@ -5073,21 +4609,21 @@
       </p:grpSp>
       <p:grpSp>
         <p:nvGrpSpPr>
-          <p:cNvPr id="1007" name="그룹 1007"/>
+          <p:cNvPr id="1004" name="그룹 1004"/>
           <p:cNvGrpSpPr/>
           <p:nvPr/>
         </p:nvGrpSpPr>
         <p:grpSpPr>
           <a:xfrm>
-            <a:off x="687740" y="6006521"/>
-            <a:ext cx="6171429" cy="4070330"/>
-            <a:chOff x="687740" y="6006521"/>
-            <a:chExt cx="6171429" cy="4070330"/>
+            <a:off x="652575" y="2075553"/>
+            <a:ext cx="9284135" cy="3246400"/>
+            <a:chOff x="652575" y="2075553"/>
+            <a:chExt cx="9284135" cy="3246400"/>
           </a:xfrm>
         </p:grpSpPr>
         <p:pic>
           <p:nvPicPr>
-            <p:cNvPr id="25" name="Object 24"/>
+            <p:cNvPr id="15" name="Object 14"/>
             <p:cNvPicPr>
               <a:picLocks noChangeAspect="1"/>
             </p:cNvPicPr>
@@ -5101,8 +4637,8 @@
           </p:blipFill>
           <p:spPr>
             <a:xfrm>
-              <a:off x="687740" y="6006521"/>
-              <a:ext cx="6171429" cy="4070330"/>
+              <a:off x="652575" y="2075553"/>
+              <a:ext cx="9284135" cy="3246400"/>
             </a:xfrm>
             <a:prstGeom prst="rect">
               <a:avLst/>
@@ -5112,21 +4648,21 @@
       </p:grpSp>
       <p:grpSp>
         <p:nvGrpSpPr>
-          <p:cNvPr id="1008" name="그룹 1008"/>
+          <p:cNvPr id="1005" name="그룹 1005"/>
           <p:cNvGrpSpPr/>
           <p:nvPr/>
         </p:nvGrpSpPr>
         <p:grpSpPr>
           <a:xfrm>
-            <a:off x="8265762" y="5353846"/>
-            <a:ext cx="6171429" cy="4723005"/>
-            <a:chOff x="8265762" y="5353846"/>
-            <a:chExt cx="6171429" cy="4723005"/>
+            <a:off x="652575" y="6113161"/>
+            <a:ext cx="9284135" cy="3246400"/>
+            <a:chOff x="652575" y="6113161"/>
+            <a:chExt cx="9284135" cy="3246400"/>
           </a:xfrm>
         </p:grpSpPr>
         <p:pic>
           <p:nvPicPr>
-            <p:cNvPr id="28" name="Object 27"/>
+            <p:cNvPr id="18" name="Object 17"/>
             <p:cNvPicPr>
               <a:picLocks noChangeAspect="1"/>
             </p:cNvPicPr>
@@ -5140,8 +4676,8 @@
           </p:blipFill>
           <p:spPr>
             <a:xfrm>
-              <a:off x="8265762" y="5353846"/>
-              <a:ext cx="6171429" cy="4723005"/>
+              <a:off x="652575" y="6113161"/>
+              <a:ext cx="9284135" cy="3246400"/>
             </a:xfrm>
             <a:prstGeom prst="rect">
               <a:avLst/>
@@ -5149,117 +4685,117 @@
           </p:spPr>
         </p:pic>
       </p:grpSp>
-      <p:sp>
-        <p:nvSpPr>
-          <p:cNvPr id="30" name="Object 30"/>
-          <p:cNvSpPr txBox="1"/>
-          <p:nvPr/>
-        </p:nvSpPr>
-        <p:spPr>
-          <a:xfrm>
-            <a:off x="-891801" y="2214128"/>
-            <a:ext cx="5350805" cy="798267"/>
+      <p:grpSp>
+        <p:nvGrpSpPr>
+          <p:cNvPr id="1006" name="그룹 1006"/>
+          <p:cNvGrpSpPr/>
+          <p:nvPr/>
+        </p:nvGrpSpPr>
+        <p:grpSpPr>
+          <a:xfrm>
+            <a:off x="11289092" y="3342412"/>
+            <a:ext cx="6208059" cy="4622521"/>
+            <a:chOff x="11289092" y="3342412"/>
+            <a:chExt cx="6208059" cy="4622521"/>
+          </a:xfrm>
+        </p:grpSpPr>
+        <p:pic>
+          <p:nvPicPr>
+            <p:cNvPr id="21" name="Object 20"/>
+            <p:cNvPicPr>
+              <a:picLocks noChangeAspect="1"/>
+            </p:cNvPicPr>
+            <p:nvPr/>
+          </p:nvPicPr>
+          <p:blipFill>
+            <a:blip r:embed="rId10" cstate="print"/>
+            <a:stretch>
+              <a:fillRect/>
+            </a:stretch>
+          </p:blipFill>
+          <p:spPr>
+            <a:xfrm>
+              <a:off x="11289092" y="3342412"/>
+              <a:ext cx="6208059" cy="4622521"/>
+            </a:xfrm>
+            <a:prstGeom prst="rect">
+              <a:avLst/>
+            </a:prstGeom>
+          </p:spPr>
+        </p:pic>
+      </p:grpSp>
+      <p:pic>
+        <p:nvPicPr>
+          <p:cNvPr id="23" name="Object 22"/>
+          <p:cNvPicPr>
+            <a:picLocks noChangeAspect="1"/>
+          </p:cNvPicPr>
+          <p:nvPr/>
+        </p:nvPicPr>
+        <p:blipFill>
+          <a:blip r:embed="rId11" cstate="print"/>
+          <a:stretch>
+            <a:fillRect/>
+          </a:stretch>
+        </p:blipFill>
+        <p:spPr>
+          <a:xfrm>
+            <a:off x="10088409" y="4984387"/>
+            <a:ext cx="1350363" cy="1297325"/>
           </a:xfrm>
           <a:prstGeom prst="rect">
             <a:avLst/>
           </a:prstGeom>
-          <a:noFill/>
-        </p:spPr>
-        <p:txBody>
-          <a:bodyPr anchor="t" wrap="square" rtlCol="0">
-            <a:spAutoFit/>
-          </a:bodyPr>
-          <a:lstStyle/>
-          <a:p>
-            <a:pPr algn="ctr"/>
-            <a:r>
-              <a:rPr lang="en-US" sz="3000" dirty="0" smtClean="0">
-                <a:solidFill>
-                  <a:srgbClr val="000000"/>
-                </a:solidFill>
-                <a:latin typeface="Noto Sans CJK KR Regular" pitchFamily="34" charset="0"/>
-                <a:cs typeface="Noto Sans CJK KR Regular" pitchFamily="34" charset="0"/>
-              </a:rPr>
-              <a:t>Menu Table</a:t>
-            </a:r>
-            <a:endParaRPr lang="en-US" dirty="0"/>
-          </a:p>
-        </p:txBody>
-      </p:sp>
-      <p:sp>
-        <p:nvSpPr>
-          <p:cNvPr id="31" name="Object 31"/>
-          <p:cNvSpPr txBox="1"/>
-          <p:nvPr/>
-        </p:nvSpPr>
-        <p:spPr>
-          <a:xfrm>
-            <a:off x="-1349654" y="5474343"/>
-            <a:ext cx="8097921" cy="798267"/>
+        </p:spPr>
+      </p:pic>
+      <p:pic>
+        <p:nvPicPr>
+          <p:cNvPr id="24" name="Object 23"/>
+          <p:cNvPicPr>
+            <a:picLocks noChangeAspect="1"/>
+          </p:cNvPicPr>
+          <p:nvPr/>
+        </p:nvPicPr>
+        <p:blipFill>
+          <a:blip r:embed="rId12" cstate="print"/>
+          <a:stretch>
+            <a:fillRect/>
+          </a:stretch>
+        </p:blipFill>
+        <p:spPr>
+          <a:xfrm>
+            <a:off x="4861023" y="4979668"/>
+            <a:ext cx="1426554" cy="1411611"/>
           </a:xfrm>
           <a:prstGeom prst="rect">
             <a:avLst/>
           </a:prstGeom>
-          <a:noFill/>
-        </p:spPr>
-        <p:txBody>
-          <a:bodyPr anchor="t" wrap="square" rtlCol="0">
-            <a:spAutoFit/>
-          </a:bodyPr>
-          <a:lstStyle/>
-          <a:p>
-            <a:pPr algn="ctr"/>
-            <a:r>
-              <a:rPr lang="en-US" sz="3000" dirty="0" smtClean="0">
-                <a:solidFill>
-                  <a:srgbClr val="000000"/>
-                </a:solidFill>
-                <a:latin typeface="Noto Sans CJK KR Regular" pitchFamily="34" charset="0"/>
-                <a:cs typeface="Noto Sans CJK KR Regular" pitchFamily="34" charset="0"/>
-              </a:rPr>
-              <a:t>Delivery, Review Table</a:t>
-            </a:r>
-            <a:endParaRPr lang="en-US" dirty="0"/>
-          </a:p>
-        </p:txBody>
-      </p:sp>
-      <p:sp>
-        <p:nvSpPr>
-          <p:cNvPr id="32" name="Object 32"/>
-          <p:cNvSpPr txBox="1"/>
-          <p:nvPr/>
-        </p:nvSpPr>
-        <p:spPr>
-          <a:xfrm>
-            <a:off x="12147079" y="9544673"/>
-            <a:ext cx="8097921" cy="798267"/>
+        </p:spPr>
+      </p:pic>
+      <p:pic>
+        <p:nvPicPr>
+          <p:cNvPr id="25" name="Object 24"/>
+          <p:cNvPicPr>
+            <a:picLocks noChangeAspect="1"/>
+          </p:cNvPicPr>
+          <p:nvPr/>
+        </p:nvPicPr>
+        <p:blipFill>
+          <a:blip r:embed="rId13" cstate="print"/>
+          <a:stretch>
+            <a:fillRect/>
+          </a:stretch>
+        </p:blipFill>
+        <p:spPr>
+          <a:xfrm>
+            <a:off x="11655852" y="8134871"/>
+            <a:ext cx="4918973" cy="656068"/>
           </a:xfrm>
           <a:prstGeom prst="rect">
             <a:avLst/>
           </a:prstGeom>
-          <a:noFill/>
-        </p:spPr>
-        <p:txBody>
-          <a:bodyPr anchor="t" wrap="square" rtlCol="0">
-            <a:spAutoFit/>
-          </a:bodyPr>
-          <a:lstStyle/>
-          <a:p>
-            <a:pPr algn="ctr"/>
-            <a:r>
-              <a:rPr lang="en-US" sz="3000" dirty="0" smtClean="0">
-                <a:solidFill>
-                  <a:srgbClr val="000000"/>
-                </a:solidFill>
-                <a:latin typeface="Noto Sans CJK KR Regular" pitchFamily="34" charset="0"/>
-                <a:cs typeface="Noto Sans CJK KR Regular" pitchFamily="34" charset="0"/>
-              </a:rPr>
-              <a:t>Order, Payment Table</a:t>
-            </a:r>
-            <a:endParaRPr lang="en-US" dirty="0"/>
-          </a:p>
-        </p:txBody>
-      </p:sp>
+        </p:spPr>
+      </p:pic>
     </p:spTree>
   </p:cSld>
   <p:clrMapOvr>
@@ -5293,128 +4829,126 @@
           <a:chExt cx="0" cy="0"/>
         </a:xfrm>
       </p:grpSpPr>
-      <p:sp>
-        <p:nvSpPr>
-          <p:cNvPr id="2" name="Object 2"/>
-          <p:cNvSpPr txBox="1"/>
-          <p:nvPr/>
-        </p:nvSpPr>
-        <p:spPr>
-          <a:xfrm>
-            <a:off x="652575" y="552104"/>
-            <a:ext cx="14238117" cy="2016530"/>
+      <p:pic>
+        <p:nvPicPr>
+          <p:cNvPr id="2" name="Object 1"/>
+          <p:cNvPicPr>
+            <a:picLocks noChangeAspect="1"/>
+          </p:cNvPicPr>
+          <p:nvPr/>
+        </p:nvPicPr>
+        <p:blipFill>
+          <a:blip r:embed="rId2" cstate="print"/>
+          <a:stretch>
+            <a:fillRect/>
+          </a:stretch>
+        </p:blipFill>
+        <p:spPr>
+          <a:xfrm>
+            <a:off x="509722" y="409250"/>
+            <a:ext cx="9814499" cy="1674747"/>
           </a:xfrm>
           <a:prstGeom prst="rect">
             <a:avLst/>
           </a:prstGeom>
-          <a:noFill/>
-        </p:spPr>
-        <p:txBody>
-          <a:bodyPr anchor="t" wrap="square" rtlCol="0">
-            <a:spAutoFit/>
-          </a:bodyPr>
-          <a:lstStyle/>
-          <a:p>
-            <a:r>
-              <a:rPr lang="en-US" sz="7500" dirty="0" smtClean="0">
-                <a:solidFill>
-                  <a:srgbClr val="000000"/>
-                </a:solidFill>
-                <a:latin typeface="THELuxGoEB" pitchFamily="34" charset="0"/>
-                <a:cs typeface="THELuxGoEB" pitchFamily="34" charset="0"/>
-              </a:rPr>
-              <a:t>04. 프로젝트 수행 결과</a:t>
-            </a:r>
-          </a:p>
-          <a:p>
-            <a:r>
-              <a:rPr lang="en-US" sz="7500" dirty="0" smtClean="0">
-                <a:solidFill>
-                  <a:srgbClr val="000000"/>
-                </a:solidFill>
-                <a:latin typeface="THELuxGoEB" pitchFamily="34" charset="0"/>
-                <a:cs typeface="THELuxGoEB" pitchFamily="34" charset="0"/>
-              </a:rPr>
-              <a:t/>
-            </a:r>
-            <a:endParaRPr lang="en-US" dirty="0"/>
-          </a:p>
-        </p:txBody>
-      </p:sp>
-      <p:sp>
-        <p:nvSpPr>
-          <p:cNvPr id="3" name="Object 3"/>
-          <p:cNvSpPr txBox="1"/>
-          <p:nvPr/>
-        </p:nvSpPr>
-        <p:spPr>
-          <a:xfrm>
-            <a:off x="16310337" y="1133190"/>
-            <a:ext cx="1424176" cy="798267"/>
+        </p:spPr>
+      </p:pic>
+      <p:pic>
+        <p:nvPicPr>
+          <p:cNvPr id="3" name="Object 2"/>
+          <p:cNvPicPr>
+            <a:picLocks noChangeAspect="1"/>
+          </p:cNvPicPr>
+          <p:nvPr/>
+        </p:nvPicPr>
+        <p:blipFill>
+          <a:blip r:embed="rId3" cstate="print"/>
+          <a:stretch>
+            <a:fillRect/>
+          </a:stretch>
+        </p:blipFill>
+        <p:spPr>
+          <a:xfrm>
+            <a:off x="16491423" y="1076913"/>
+            <a:ext cx="1147897" cy="627497"/>
           </a:xfrm>
           <a:prstGeom prst="rect">
             <a:avLst/>
           </a:prstGeom>
-          <a:noFill/>
-        </p:spPr>
-        <p:txBody>
-          <a:bodyPr anchor="t" wrap="square" rtlCol="0">
-            <a:spAutoFit/>
-          </a:bodyPr>
-          <a:lstStyle/>
-          <a:p>
-            <a:pPr algn="ctr"/>
-            <a:r>
-              <a:rPr lang="en-US" sz="3000" dirty="0" smtClean="0">
-                <a:solidFill>
-                  <a:srgbClr val="000000"/>
-                </a:solidFill>
-                <a:latin typeface="Noto Sans CJK KR Regular" pitchFamily="34" charset="0"/>
-                <a:cs typeface="Noto Sans CJK KR Regular" pitchFamily="34" charset="0"/>
-              </a:rPr>
-              <a:t>Food</a:t>
-            </a:r>
-            <a:endParaRPr lang="en-US" dirty="0"/>
-          </a:p>
-        </p:txBody>
-      </p:sp>
-      <p:sp>
-        <p:nvSpPr>
-          <p:cNvPr id="4" name="Object 4"/>
-          <p:cNvSpPr txBox="1"/>
-          <p:nvPr/>
-        </p:nvSpPr>
-        <p:spPr>
-          <a:xfrm>
-            <a:off x="9440742" y="783192"/>
-            <a:ext cx="7111549" cy="1323263"/>
+        </p:spPr>
+      </p:pic>
+      <p:pic>
+        <p:nvPicPr>
+          <p:cNvPr id="4" name="Object 3"/>
+          <p:cNvPicPr>
+            <a:picLocks noChangeAspect="1"/>
+          </p:cNvPicPr>
+          <p:nvPr/>
+        </p:nvPicPr>
+        <p:blipFill>
+          <a:blip r:embed="rId4" cstate="print"/>
+          <a:stretch>
+            <a:fillRect/>
+          </a:stretch>
+        </p:blipFill>
+        <p:spPr>
+          <a:xfrm>
+            <a:off x="10531401" y="688594"/>
+            <a:ext cx="4106233" cy="1132728"/>
           </a:xfrm>
           <a:prstGeom prst="rect">
             <a:avLst/>
           </a:prstGeom>
-          <a:noFill/>
-        </p:spPr>
-        <p:txBody>
-          <a:bodyPr anchor="t" wrap="square" rtlCol="0">
-            <a:spAutoFit/>
-          </a:bodyPr>
-          <a:lstStyle/>
-          <a:p>
-            <a:pPr algn="ctr"/>
-            <a:r>
-              <a:rPr lang="en-US" sz="5000" dirty="0" smtClean="0">
-                <a:solidFill>
-                  <a:srgbClr val="000000"/>
-                </a:solidFill>
-                <a:latin typeface="Noto Sans CJK KR Medium" pitchFamily="34" charset="0"/>
-                <a:cs typeface="Noto Sans CJK KR Medium" pitchFamily="34" charset="0"/>
-              </a:rPr>
-              <a:t>View 생성</a:t>
-            </a:r>
-            <a:endParaRPr lang="en-US" dirty="0"/>
-          </a:p>
-        </p:txBody>
-      </p:sp>
+        </p:spPr>
+      </p:pic>
+      <p:pic>
+        <p:nvPicPr>
+          <p:cNvPr id="5" name="Object 4"/>
+          <p:cNvPicPr>
+            <a:picLocks noChangeAspect="1"/>
+          </p:cNvPicPr>
+          <p:nvPr/>
+        </p:nvPicPr>
+        <p:blipFill>
+          <a:blip r:embed="rId5" cstate="print"/>
+          <a:stretch>
+            <a:fillRect/>
+          </a:stretch>
+        </p:blipFill>
+        <p:spPr>
+          <a:xfrm>
+            <a:off x="8829550" y="3126921"/>
+            <a:ext cx="1350363" cy="1297325"/>
+          </a:xfrm>
+          <a:prstGeom prst="rect">
+            <a:avLst/>
+          </a:prstGeom>
+        </p:spPr>
+      </p:pic>
+      <p:pic>
+        <p:nvPicPr>
+          <p:cNvPr id="6" name="Object 5"/>
+          <p:cNvPicPr>
+            <a:picLocks noChangeAspect="1"/>
+          </p:cNvPicPr>
+          <p:nvPr/>
+        </p:nvPicPr>
+        <p:blipFill>
+          <a:blip r:embed="rId6" cstate="print"/>
+          <a:stretch>
+            <a:fillRect/>
+          </a:stretch>
+        </p:blipFill>
+        <p:spPr>
+          <a:xfrm>
+            <a:off x="10569723" y="8029378"/>
+            <a:ext cx="4768563" cy="713211"/>
+          </a:xfrm>
+          <a:prstGeom prst="rect">
+            <a:avLst/>
+          </a:prstGeom>
+        </p:spPr>
+      </p:pic>
       <p:grpSp>
         <p:nvGrpSpPr>
           <p:cNvPr id="1001" name="그룹 1001"/>
@@ -5423,210 +4957,15 @@
         </p:nvGrpSpPr>
         <p:grpSpPr>
           <a:xfrm>
-            <a:off x="11325722" y="3342412"/>
-            <a:ext cx="6171429" cy="4622521"/>
-            <a:chOff x="11325722" y="3342412"/>
-            <a:chExt cx="6171429" cy="4622521"/>
+            <a:off x="10297238" y="1896457"/>
+            <a:ext cx="6171429" cy="5979832"/>
+            <a:chOff x="10297238" y="1896457"/>
+            <a:chExt cx="6171429" cy="5979832"/>
           </a:xfrm>
         </p:grpSpPr>
         <p:pic>
           <p:nvPicPr>
-            <p:cNvPr id="6" name="Object 5"/>
-            <p:cNvPicPr>
-              <a:picLocks noChangeAspect="1"/>
-            </p:cNvPicPr>
-            <p:nvPr/>
-          </p:nvPicPr>
-          <p:blipFill>
-            <a:blip r:embed="rId2" cstate="print"/>
-            <a:stretch>
-              <a:fillRect/>
-            </a:stretch>
-          </p:blipFill>
-          <p:spPr>
-            <a:xfrm>
-              <a:off x="11325722" y="3342412"/>
-              <a:ext cx="6171429" cy="4622521"/>
-            </a:xfrm>
-            <a:prstGeom prst="rect">
-              <a:avLst/>
-            </a:prstGeom>
-          </p:spPr>
-        </p:pic>
-      </p:grpSp>
-      <p:grpSp>
-        <p:nvGrpSpPr>
-          <p:cNvPr id="1002" name="그룹 1002"/>
-          <p:cNvGrpSpPr/>
-          <p:nvPr/>
-        </p:nvGrpSpPr>
-        <p:grpSpPr>
-          <a:xfrm>
-            <a:off x="652575" y="2093135"/>
-            <a:ext cx="9231388" cy="3246400"/>
-            <a:chOff x="652575" y="2093135"/>
-            <a:chExt cx="9231388" cy="3246400"/>
-          </a:xfrm>
-        </p:grpSpPr>
-        <p:pic>
-          <p:nvPicPr>
-            <p:cNvPr id="9" name="Object 8"/>
-            <p:cNvPicPr>
-              <a:picLocks noChangeAspect="1"/>
-            </p:cNvPicPr>
-            <p:nvPr/>
-          </p:nvPicPr>
-          <p:blipFill>
-            <a:blip r:embed="rId3" cstate="print"/>
-            <a:stretch>
-              <a:fillRect/>
-            </a:stretch>
-          </p:blipFill>
-          <p:spPr>
-            <a:xfrm>
-              <a:off x="652575" y="2093135"/>
-              <a:ext cx="9231388" cy="3246400"/>
-            </a:xfrm>
-            <a:prstGeom prst="rect">
-              <a:avLst/>
-            </a:prstGeom>
-          </p:spPr>
-        </p:pic>
-      </p:grpSp>
-      <p:grpSp>
-        <p:nvGrpSpPr>
-          <p:cNvPr id="1003" name="그룹 1003"/>
-          <p:cNvGrpSpPr/>
-          <p:nvPr/>
-        </p:nvGrpSpPr>
-        <p:grpSpPr>
-          <a:xfrm>
-            <a:off x="652575" y="6095579"/>
-            <a:ext cx="9266553" cy="3211235"/>
-            <a:chOff x="652575" y="6095579"/>
-            <a:chExt cx="9266553" cy="3211235"/>
-          </a:xfrm>
-        </p:grpSpPr>
-        <p:pic>
-          <p:nvPicPr>
-            <p:cNvPr id="12" name="Object 11"/>
-            <p:cNvPicPr>
-              <a:picLocks noChangeAspect="1"/>
-            </p:cNvPicPr>
-            <p:nvPr/>
-          </p:nvPicPr>
-          <p:blipFill>
-            <a:blip r:embed="rId4" cstate="print"/>
-            <a:stretch>
-              <a:fillRect/>
-            </a:stretch>
-          </p:blipFill>
-          <p:spPr>
-            <a:xfrm>
-              <a:off x="652575" y="6095579"/>
-              <a:ext cx="9266553" cy="3211235"/>
-            </a:xfrm>
-            <a:prstGeom prst="rect">
-              <a:avLst/>
-            </a:prstGeom>
-          </p:spPr>
-        </p:pic>
-      </p:grpSp>
-      <p:grpSp>
-        <p:nvGrpSpPr>
-          <p:cNvPr id="1004" name="그룹 1004"/>
-          <p:cNvGrpSpPr/>
-          <p:nvPr/>
-        </p:nvGrpSpPr>
-        <p:grpSpPr>
-          <a:xfrm>
-            <a:off x="652575" y="2075553"/>
-            <a:ext cx="9284135" cy="3246400"/>
-            <a:chOff x="652575" y="2075553"/>
-            <a:chExt cx="9284135" cy="3246400"/>
-          </a:xfrm>
-        </p:grpSpPr>
-        <p:pic>
-          <p:nvPicPr>
-            <p:cNvPr id="15" name="Object 14"/>
-            <p:cNvPicPr>
-              <a:picLocks noChangeAspect="1"/>
-            </p:cNvPicPr>
-            <p:nvPr/>
-          </p:nvPicPr>
-          <p:blipFill>
-            <a:blip r:embed="rId5" cstate="print"/>
-            <a:stretch>
-              <a:fillRect/>
-            </a:stretch>
-          </p:blipFill>
-          <p:spPr>
-            <a:xfrm>
-              <a:off x="652575" y="2075553"/>
-              <a:ext cx="9284135" cy="3246400"/>
-            </a:xfrm>
-            <a:prstGeom prst="rect">
-              <a:avLst/>
-            </a:prstGeom>
-          </p:spPr>
-        </p:pic>
-      </p:grpSp>
-      <p:grpSp>
-        <p:nvGrpSpPr>
-          <p:cNvPr id="1005" name="그룹 1005"/>
-          <p:cNvGrpSpPr/>
-          <p:nvPr/>
-        </p:nvGrpSpPr>
-        <p:grpSpPr>
-          <a:xfrm>
-            <a:off x="652575" y="6113161"/>
-            <a:ext cx="9284135" cy="3246400"/>
-            <a:chOff x="652575" y="6113161"/>
-            <a:chExt cx="9284135" cy="3246400"/>
-          </a:xfrm>
-        </p:grpSpPr>
-        <p:pic>
-          <p:nvPicPr>
-            <p:cNvPr id="18" name="Object 17"/>
-            <p:cNvPicPr>
-              <a:picLocks noChangeAspect="1"/>
-            </p:cNvPicPr>
-            <p:nvPr/>
-          </p:nvPicPr>
-          <p:blipFill>
-            <a:blip r:embed="rId6" cstate="print"/>
-            <a:stretch>
-              <a:fillRect/>
-            </a:stretch>
-          </p:blipFill>
-          <p:spPr>
-            <a:xfrm>
-              <a:off x="652575" y="6113161"/>
-              <a:ext cx="9284135" cy="3246400"/>
-            </a:xfrm>
-            <a:prstGeom prst="rect">
-              <a:avLst/>
-            </a:prstGeom>
-          </p:spPr>
-        </p:pic>
-      </p:grpSp>
-      <p:grpSp>
-        <p:nvGrpSpPr>
-          <p:cNvPr id="1006" name="그룹 1006"/>
-          <p:cNvGrpSpPr/>
-          <p:nvPr/>
-        </p:nvGrpSpPr>
-        <p:grpSpPr>
-          <a:xfrm>
-            <a:off x="11289092" y="3342412"/>
-            <a:ext cx="6208059" cy="4622521"/>
-            <a:chOff x="11289092" y="3342412"/>
-            <a:chExt cx="6208059" cy="4622521"/>
-          </a:xfrm>
-        </p:grpSpPr>
-        <p:pic>
-          <p:nvPicPr>
-            <p:cNvPr id="21" name="Object 20"/>
+            <p:cNvPr id="8" name="Object 7"/>
             <p:cNvPicPr>
               <a:picLocks noChangeAspect="1"/>
             </p:cNvPicPr>
@@ -5640,8 +4979,8 @@
           </p:blipFill>
           <p:spPr>
             <a:xfrm>
-              <a:off x="11289092" y="3342412"/>
-              <a:ext cx="6208059" cy="4622521"/>
+              <a:off x="10297238" y="1896457"/>
+              <a:ext cx="6171429" cy="5979832"/>
             </a:xfrm>
             <a:prstGeom prst="rect">
               <a:avLst/>
@@ -5649,117 +4988,162 @@
           </p:spPr>
         </p:pic>
       </p:grpSp>
-      <p:sp>
-        <p:nvSpPr>
-          <p:cNvPr id="23" name="Object 23"/>
-          <p:cNvSpPr txBox="1"/>
-          <p:nvPr/>
-        </p:nvSpPr>
-        <p:spPr>
-          <a:xfrm>
-            <a:off x="10004571" y="5107692"/>
-            <a:ext cx="1242857" cy="1726272"/>
-          </a:xfrm>
-          <a:prstGeom prst="rect">
-            <a:avLst/>
-          </a:prstGeom>
-          <a:noFill/>
-        </p:spPr>
-        <p:txBody>
-          <a:bodyPr anchor="t" wrap="square" rtlCol="0">
-            <a:spAutoFit/>
-          </a:bodyPr>
-          <a:lstStyle/>
-          <a:p>
-            <a:pPr algn="ctr"/>
-            <a:r>
-              <a:rPr lang="en-US" sz="6500" dirty="0" smtClean="0">
-                <a:solidFill>
-                  <a:srgbClr val="000000"/>
-                </a:solidFill>
-                <a:latin typeface="Noto Sans CJK KR Regular" pitchFamily="34" charset="0"/>
-                <a:cs typeface="Noto Sans CJK KR Regular" pitchFamily="34" charset="0"/>
-              </a:rPr>
-              <a:t>→</a:t>
-            </a:r>
-            <a:endParaRPr lang="en-US" dirty="0"/>
-          </a:p>
-        </p:txBody>
-      </p:sp>
-      <p:sp>
-        <p:nvSpPr>
-          <p:cNvPr id="24" name="Object 24"/>
-          <p:cNvSpPr txBox="1"/>
-          <p:nvPr/>
-        </p:nvSpPr>
-        <p:spPr>
-          <a:xfrm>
-            <a:off x="4777186" y="5102973"/>
-            <a:ext cx="1242857" cy="1726272"/>
-          </a:xfrm>
-          <a:prstGeom prst="rect">
-            <a:avLst/>
-          </a:prstGeom>
-          <a:noFill/>
-        </p:spPr>
-        <p:txBody>
-          <a:bodyPr anchor="t" wrap="square" rtlCol="0">
-            <a:spAutoFit/>
-          </a:bodyPr>
-          <a:lstStyle/>
-          <a:p>
-            <a:pPr algn="ctr"/>
-            <a:r>
-              <a:rPr lang="en-US" sz="6500" dirty="0" smtClean="0">
-                <a:solidFill>
-                  <a:srgbClr val="000000"/>
-                </a:solidFill>
-                <a:latin typeface="Noto Sans CJK KR Regular" pitchFamily="34" charset="0"/>
-                <a:cs typeface="Noto Sans CJK KR Regular" pitchFamily="34" charset="0"/>
-              </a:rPr>
-              <a:t>＋</a:t>
-            </a:r>
-            <a:endParaRPr lang="en-US" dirty="0"/>
-          </a:p>
-        </p:txBody>
-      </p:sp>
-      <p:sp>
-        <p:nvSpPr>
-          <p:cNvPr id="25" name="Object 25"/>
-          <p:cNvSpPr txBox="1"/>
-          <p:nvPr/>
-        </p:nvSpPr>
-        <p:spPr>
-          <a:xfrm>
-            <a:off x="10362475" y="8191147"/>
-            <a:ext cx="8097921" cy="798267"/>
-          </a:xfrm>
-          <a:prstGeom prst="rect">
-            <a:avLst/>
-          </a:prstGeom>
-          <a:noFill/>
-        </p:spPr>
-        <p:txBody>
-          <a:bodyPr anchor="t" wrap="square" rtlCol="0">
-            <a:spAutoFit/>
-          </a:bodyPr>
-          <a:lstStyle/>
-          <a:p>
-            <a:pPr algn="ctr"/>
-            <a:r>
-              <a:rPr lang="en-US" sz="3000" dirty="0" smtClean="0">
-                <a:solidFill>
-                  <a:srgbClr val="000000"/>
-                </a:solidFill>
-                <a:latin typeface="Noto Sans CJK KR Regular" pitchFamily="34" charset="0"/>
-                <a:cs typeface="Noto Sans CJK KR Regular" pitchFamily="34" charset="0"/>
-              </a:rPr>
-              <a:t>식당 및 메뉴 전체 조회 뷰</a:t>
-            </a:r>
-            <a:endParaRPr lang="en-US" dirty="0"/>
-          </a:p>
-        </p:txBody>
-      </p:sp>
+      <p:grpSp>
+        <p:nvGrpSpPr>
+          <p:cNvPr id="1002" name="그룹 1002"/>
+          <p:cNvGrpSpPr/>
+          <p:nvPr/>
+        </p:nvGrpSpPr>
+        <p:grpSpPr>
+          <a:xfrm>
+            <a:off x="652575" y="2057970"/>
+            <a:ext cx="8018962" cy="3475553"/>
+            <a:chOff x="652575" y="2057970"/>
+            <a:chExt cx="8018962" cy="3475553"/>
+          </a:xfrm>
+        </p:grpSpPr>
+        <p:pic>
+          <p:nvPicPr>
+            <p:cNvPr id="11" name="Object 10"/>
+            <p:cNvPicPr>
+              <a:picLocks noChangeAspect="1"/>
+            </p:cNvPicPr>
+            <p:nvPr/>
+          </p:nvPicPr>
+          <p:blipFill>
+            <a:blip r:embed="rId8" cstate="print"/>
+            <a:stretch>
+              <a:fillRect/>
+            </a:stretch>
+          </p:blipFill>
+          <p:spPr>
+            <a:xfrm>
+              <a:off x="652575" y="2057970"/>
+              <a:ext cx="8018962" cy="3475553"/>
+            </a:xfrm>
+            <a:prstGeom prst="rect">
+              <a:avLst/>
+            </a:prstGeom>
+          </p:spPr>
+        </p:pic>
+      </p:grpSp>
+      <p:grpSp>
+        <p:nvGrpSpPr>
+          <p:cNvPr id="1003" name="그룹 1003"/>
+          <p:cNvGrpSpPr/>
+          <p:nvPr/>
+        </p:nvGrpSpPr>
+        <p:grpSpPr>
+          <a:xfrm>
+            <a:off x="652575" y="2075553"/>
+            <a:ext cx="8018962" cy="3457970"/>
+            <a:chOff x="652575" y="2075553"/>
+            <a:chExt cx="8018962" cy="3457970"/>
+          </a:xfrm>
+        </p:grpSpPr>
+        <p:pic>
+          <p:nvPicPr>
+            <p:cNvPr id="14" name="Object 13"/>
+            <p:cNvPicPr>
+              <a:picLocks noChangeAspect="1"/>
+            </p:cNvPicPr>
+            <p:nvPr/>
+          </p:nvPicPr>
+          <p:blipFill>
+            <a:blip r:embed="rId9" cstate="print"/>
+            <a:stretch>
+              <a:fillRect/>
+            </a:stretch>
+          </p:blipFill>
+          <p:spPr>
+            <a:xfrm>
+              <a:off x="652575" y="2075553"/>
+              <a:ext cx="8018962" cy="3457970"/>
+            </a:xfrm>
+            <a:prstGeom prst="rect">
+              <a:avLst/>
+            </a:prstGeom>
+          </p:spPr>
+        </p:pic>
+      </p:grpSp>
+      <p:grpSp>
+        <p:nvGrpSpPr>
+          <p:cNvPr id="1004" name="그룹 1004"/>
+          <p:cNvGrpSpPr/>
+          <p:nvPr/>
+        </p:nvGrpSpPr>
+        <p:grpSpPr>
+          <a:xfrm>
+            <a:off x="10279832" y="1896457"/>
+            <a:ext cx="6188835" cy="5979832"/>
+            <a:chOff x="10279832" y="1896457"/>
+            <a:chExt cx="6188835" cy="5979832"/>
+          </a:xfrm>
+        </p:grpSpPr>
+        <p:pic>
+          <p:nvPicPr>
+            <p:cNvPr id="17" name="Object 16"/>
+            <p:cNvPicPr>
+              <a:picLocks noChangeAspect="1"/>
+            </p:cNvPicPr>
+            <p:nvPr/>
+          </p:nvPicPr>
+          <p:blipFill>
+            <a:blip r:embed="rId10" cstate="print"/>
+            <a:stretch>
+              <a:fillRect/>
+            </a:stretch>
+          </p:blipFill>
+          <p:spPr>
+            <a:xfrm>
+              <a:off x="10279832" y="1896457"/>
+              <a:ext cx="6188835" cy="5979832"/>
+            </a:xfrm>
+            <a:prstGeom prst="rect">
+              <a:avLst/>
+            </a:prstGeom>
+          </p:spPr>
+        </p:pic>
+      </p:grpSp>
+      <p:grpSp>
+        <p:nvGrpSpPr>
+          <p:cNvPr id="1005" name="그룹 1005"/>
+          <p:cNvGrpSpPr/>
+          <p:nvPr/>
+        </p:nvGrpSpPr>
+        <p:grpSpPr>
+          <a:xfrm>
+            <a:off x="652575" y="3250226"/>
+            <a:ext cx="3077613" cy="891166"/>
+            <a:chOff x="652575" y="3250226"/>
+            <a:chExt cx="3077613" cy="891166"/>
+          </a:xfrm>
+        </p:grpSpPr>
+        <p:pic>
+          <p:nvPicPr>
+            <p:cNvPr id="20" name="Object 19"/>
+            <p:cNvPicPr>
+              <a:picLocks noChangeAspect="1"/>
+            </p:cNvPicPr>
+            <p:nvPr/>
+          </p:nvPicPr>
+          <p:blipFill>
+            <a:blip r:embed="rId11" cstate="print"/>
+            <a:stretch>
+              <a:fillRect/>
+            </a:stretch>
+          </p:blipFill>
+          <p:spPr>
+            <a:xfrm>
+              <a:off x="652575" y="3250226"/>
+              <a:ext cx="3077613" cy="891166"/>
+            </a:xfrm>
+            <a:prstGeom prst="rect">
+              <a:avLst/>
+            </a:prstGeom>
+          </p:spPr>
+        </p:pic>
+      </p:grpSp>
     </p:spTree>
   </p:cSld>
   <p:clrMapOvr>
@@ -5793,202 +5177,78 @@
           <a:chExt cx="0" cy="0"/>
         </a:xfrm>
       </p:grpSpPr>
-      <p:sp>
-        <p:nvSpPr>
-          <p:cNvPr id="2" name="Object 2"/>
-          <p:cNvSpPr txBox="1"/>
-          <p:nvPr/>
-        </p:nvSpPr>
-        <p:spPr>
-          <a:xfrm>
-            <a:off x="652575" y="552104"/>
-            <a:ext cx="14238117" cy="2016530"/>
+      <p:pic>
+        <p:nvPicPr>
+          <p:cNvPr id="2" name="Object 1"/>
+          <p:cNvPicPr>
+            <a:picLocks noChangeAspect="1"/>
+          </p:cNvPicPr>
+          <p:nvPr/>
+        </p:nvPicPr>
+        <p:blipFill>
+          <a:blip r:embed="rId2" cstate="print"/>
+          <a:stretch>
+            <a:fillRect/>
+          </a:stretch>
+        </p:blipFill>
+        <p:spPr>
+          <a:xfrm>
+            <a:off x="509722" y="409250"/>
+            <a:ext cx="9814499" cy="1674747"/>
           </a:xfrm>
           <a:prstGeom prst="rect">
             <a:avLst/>
           </a:prstGeom>
-          <a:noFill/>
-        </p:spPr>
-        <p:txBody>
-          <a:bodyPr anchor="t" wrap="square" rtlCol="0">
-            <a:spAutoFit/>
-          </a:bodyPr>
-          <a:lstStyle/>
-          <a:p>
-            <a:r>
-              <a:rPr lang="en-US" sz="7500" dirty="0" smtClean="0">
-                <a:solidFill>
-                  <a:srgbClr val="000000"/>
-                </a:solidFill>
-                <a:latin typeface="THELuxGoEB" pitchFamily="34" charset="0"/>
-                <a:cs typeface="THELuxGoEB" pitchFamily="34" charset="0"/>
-              </a:rPr>
-              <a:t>04. 프로젝트 수행 결과</a:t>
-            </a:r>
-          </a:p>
-          <a:p>
-            <a:r>
-              <a:rPr lang="en-US" sz="7500" dirty="0" smtClean="0">
-                <a:solidFill>
-                  <a:srgbClr val="000000"/>
-                </a:solidFill>
-                <a:latin typeface="THELuxGoEB" pitchFamily="34" charset="0"/>
-                <a:cs typeface="THELuxGoEB" pitchFamily="34" charset="0"/>
-              </a:rPr>
-              <a:t/>
-            </a:r>
-            <a:endParaRPr lang="en-US" dirty="0"/>
-          </a:p>
-        </p:txBody>
-      </p:sp>
-      <p:sp>
-        <p:nvSpPr>
-          <p:cNvPr id="3" name="Object 3"/>
-          <p:cNvSpPr txBox="1"/>
-          <p:nvPr/>
-        </p:nvSpPr>
-        <p:spPr>
-          <a:xfrm>
-            <a:off x="16310337" y="1133190"/>
-            <a:ext cx="1424176" cy="798267"/>
+        </p:spPr>
+      </p:pic>
+      <p:pic>
+        <p:nvPicPr>
+          <p:cNvPr id="3" name="Object 2"/>
+          <p:cNvPicPr>
+            <a:picLocks noChangeAspect="1"/>
+          </p:cNvPicPr>
+          <p:nvPr/>
+        </p:nvPicPr>
+        <p:blipFill>
+          <a:blip r:embed="rId3" cstate="print"/>
+          <a:stretch>
+            <a:fillRect/>
+          </a:stretch>
+        </p:blipFill>
+        <p:spPr>
+          <a:xfrm>
+            <a:off x="16491423" y="1076913"/>
+            <a:ext cx="1147897" cy="627497"/>
           </a:xfrm>
           <a:prstGeom prst="rect">
             <a:avLst/>
           </a:prstGeom>
-          <a:noFill/>
-        </p:spPr>
-        <p:txBody>
-          <a:bodyPr anchor="t" wrap="square" rtlCol="0">
-            <a:spAutoFit/>
-          </a:bodyPr>
-          <a:lstStyle/>
-          <a:p>
-            <a:pPr algn="ctr"/>
-            <a:r>
-              <a:rPr lang="en-US" sz="3000" dirty="0" smtClean="0">
-                <a:solidFill>
-                  <a:srgbClr val="000000"/>
-                </a:solidFill>
-                <a:latin typeface="Noto Sans CJK KR Regular" pitchFamily="34" charset="0"/>
-                <a:cs typeface="Noto Sans CJK KR Regular" pitchFamily="34" charset="0"/>
-              </a:rPr>
-              <a:t>Food</a:t>
-            </a:r>
-            <a:endParaRPr lang="en-US" dirty="0"/>
-          </a:p>
-        </p:txBody>
-      </p:sp>
-      <p:sp>
-        <p:nvSpPr>
-          <p:cNvPr id="4" name="Object 4"/>
-          <p:cNvSpPr txBox="1"/>
-          <p:nvPr/>
-        </p:nvSpPr>
-        <p:spPr>
-          <a:xfrm>
-            <a:off x="9440742" y="783192"/>
-            <a:ext cx="7111549" cy="1323263"/>
+        </p:spPr>
+      </p:pic>
+      <p:pic>
+        <p:nvPicPr>
+          <p:cNvPr id="4" name="Object 3"/>
+          <p:cNvPicPr>
+            <a:picLocks noChangeAspect="1"/>
+          </p:cNvPicPr>
+          <p:nvPr/>
+        </p:nvPicPr>
+        <p:blipFill>
+          <a:blip r:embed="rId4" cstate="print"/>
+          <a:stretch>
+            <a:fillRect/>
+          </a:stretch>
+        </p:blipFill>
+        <p:spPr>
+          <a:xfrm>
+            <a:off x="10531401" y="688594"/>
+            <a:ext cx="4106233" cy="1132728"/>
           </a:xfrm>
           <a:prstGeom prst="rect">
             <a:avLst/>
           </a:prstGeom>
-          <a:noFill/>
-        </p:spPr>
-        <p:txBody>
-          <a:bodyPr anchor="t" wrap="square" rtlCol="0">
-            <a:spAutoFit/>
-          </a:bodyPr>
-          <a:lstStyle/>
-          <a:p>
-            <a:pPr algn="ctr"/>
-            <a:r>
-              <a:rPr lang="en-US" sz="5000" dirty="0" smtClean="0">
-                <a:solidFill>
-                  <a:srgbClr val="000000"/>
-                </a:solidFill>
-                <a:latin typeface="Noto Sans CJK KR Medium" pitchFamily="34" charset="0"/>
-                <a:cs typeface="Noto Sans CJK KR Medium" pitchFamily="34" charset="0"/>
-              </a:rPr>
-              <a:t>View 생성</a:t>
-            </a:r>
-            <a:endParaRPr lang="en-US" dirty="0"/>
-          </a:p>
-        </p:txBody>
-      </p:sp>
-      <p:sp>
-        <p:nvSpPr>
-          <p:cNvPr id="5" name="Object 5"/>
-          <p:cNvSpPr txBox="1"/>
-          <p:nvPr/>
-        </p:nvSpPr>
-        <p:spPr>
-          <a:xfrm>
-            <a:off x="8745713" y="3250226"/>
-            <a:ext cx="1242857" cy="1726272"/>
-          </a:xfrm>
-          <a:prstGeom prst="rect">
-            <a:avLst/>
-          </a:prstGeom>
-          <a:noFill/>
-        </p:spPr>
-        <p:txBody>
-          <a:bodyPr anchor="t" wrap="square" rtlCol="0">
-            <a:spAutoFit/>
-          </a:bodyPr>
-          <a:lstStyle/>
-          <a:p>
-            <a:pPr algn="ctr"/>
-            <a:r>
-              <a:rPr lang="en-US" sz="6500" dirty="0" smtClean="0">
-                <a:solidFill>
-                  <a:srgbClr val="000000"/>
-                </a:solidFill>
-                <a:latin typeface="Noto Sans CJK KR Regular" pitchFamily="34" charset="0"/>
-                <a:cs typeface="Noto Sans CJK KR Regular" pitchFamily="34" charset="0"/>
-              </a:rPr>
-              <a:t>→</a:t>
-            </a:r>
-            <a:endParaRPr lang="en-US" dirty="0"/>
-          </a:p>
-        </p:txBody>
-      </p:sp>
-      <p:sp>
-        <p:nvSpPr>
-          <p:cNvPr id="6" name="Object 6"/>
-          <p:cNvSpPr txBox="1"/>
-          <p:nvPr/>
-        </p:nvSpPr>
-        <p:spPr>
-          <a:xfrm>
-            <a:off x="9276346" y="8085654"/>
-            <a:ext cx="8097921" cy="798267"/>
-          </a:xfrm>
-          <a:prstGeom prst="rect">
-            <a:avLst/>
-          </a:prstGeom>
-          <a:noFill/>
-        </p:spPr>
-        <p:txBody>
-          <a:bodyPr anchor="t" wrap="square" rtlCol="0">
-            <a:spAutoFit/>
-          </a:bodyPr>
-          <a:lstStyle/>
-          <a:p>
-            <a:pPr algn="ctr"/>
-            <a:r>
-              <a:rPr lang="en-US" sz="3000" dirty="0" smtClean="0">
-                <a:solidFill>
-                  <a:srgbClr val="000000"/>
-                </a:solidFill>
-                <a:latin typeface="Noto Sans CJK KR Regular" pitchFamily="34" charset="0"/>
-                <a:cs typeface="Noto Sans CJK KR Regular" pitchFamily="34" charset="0"/>
-              </a:rPr>
-              <a:t>order_possible_view</a:t>
-            </a:r>
-            <a:endParaRPr lang="en-US" dirty="0"/>
-          </a:p>
-        </p:txBody>
-      </p:sp>
+        </p:spPr>
+      </p:pic>
       <p:grpSp>
         <p:nvGrpSpPr>
           <p:cNvPr id="1001" name="그룹 1001"/>
@@ -5997,30 +5257,30 @@
         </p:nvGrpSpPr>
         <p:grpSpPr>
           <a:xfrm>
-            <a:off x="10297238" y="1896457"/>
-            <a:ext cx="6171429" cy="5979832"/>
-            <a:chOff x="10297238" y="1896457"/>
-            <a:chExt cx="6171429" cy="5979832"/>
+            <a:off x="10279517" y="1896457"/>
+            <a:ext cx="5144658" cy="6171429"/>
+            <a:chOff x="10279517" y="1896457"/>
+            <a:chExt cx="5144658" cy="6171429"/>
           </a:xfrm>
         </p:grpSpPr>
         <p:pic>
           <p:nvPicPr>
-            <p:cNvPr id="8" name="Object 7"/>
+            <p:cNvPr id="6" name="Object 5"/>
             <p:cNvPicPr>
               <a:picLocks noChangeAspect="1"/>
             </p:cNvPicPr>
             <p:nvPr/>
           </p:nvPicPr>
           <p:blipFill>
-            <a:blip r:embed="rId2" cstate="print"/>
+            <a:blip r:embed="rId5" cstate="print"/>
             <a:stretch>
               <a:fillRect/>
             </a:stretch>
           </p:blipFill>
           <p:spPr>
             <a:xfrm>
-              <a:off x="10297238" y="1896457"/>
-              <a:ext cx="6171429" cy="5979832"/>
+              <a:off x="10279517" y="1896457"/>
+              <a:ext cx="5144658" cy="6171429"/>
             </a:xfrm>
             <a:prstGeom prst="rect">
               <a:avLst/>
@@ -6036,30 +5296,30 @@
         </p:nvGrpSpPr>
         <p:grpSpPr>
           <a:xfrm>
-            <a:off x="652575" y="2057970"/>
-            <a:ext cx="8018962" cy="3475553"/>
-            <a:chOff x="652575" y="2057970"/>
-            <a:chExt cx="8018962" cy="3475553"/>
+            <a:off x="10279832" y="1896457"/>
+            <a:ext cx="5222380" cy="6171429"/>
+            <a:chOff x="10279832" y="1896457"/>
+            <a:chExt cx="5222380" cy="6171429"/>
           </a:xfrm>
         </p:grpSpPr>
         <p:pic>
           <p:nvPicPr>
-            <p:cNvPr id="11" name="Object 10"/>
+            <p:cNvPr id="9" name="Object 8"/>
             <p:cNvPicPr>
               <a:picLocks noChangeAspect="1"/>
             </p:cNvPicPr>
             <p:nvPr/>
           </p:nvPicPr>
           <p:blipFill>
-            <a:blip r:embed="rId3" cstate="print"/>
+            <a:blip r:embed="rId6" cstate="print"/>
             <a:stretch>
               <a:fillRect/>
             </a:stretch>
           </p:blipFill>
           <p:spPr>
             <a:xfrm>
-              <a:off x="652575" y="2057970"/>
-              <a:ext cx="8018962" cy="3475553"/>
+              <a:off x="10279832" y="1896457"/>
+              <a:ext cx="5222380" cy="6171429"/>
             </a:xfrm>
             <a:prstGeom prst="rect">
               <a:avLst/>
@@ -6076,21 +5336,60 @@
         <p:grpSpPr>
           <a:xfrm>
             <a:off x="652575" y="2075553"/>
-            <a:ext cx="8018962" cy="3457970"/>
+            <a:ext cx="8054126" cy="3490110"/>
             <a:chOff x="652575" y="2075553"/>
-            <a:chExt cx="8018962" cy="3457970"/>
+            <a:chExt cx="8054126" cy="3490110"/>
           </a:xfrm>
         </p:grpSpPr>
         <p:pic>
           <p:nvPicPr>
-            <p:cNvPr id="14" name="Object 13"/>
+            <p:cNvPr id="12" name="Object 11"/>
             <p:cNvPicPr>
               <a:picLocks noChangeAspect="1"/>
             </p:cNvPicPr>
             <p:nvPr/>
           </p:nvPicPr>
           <p:blipFill>
-            <a:blip r:embed="rId4" cstate="print"/>
+            <a:blip r:embed="rId7" cstate="print"/>
+            <a:stretch>
+              <a:fillRect/>
+            </a:stretch>
+          </p:blipFill>
+          <p:spPr>
+            <a:xfrm>
+              <a:off x="652575" y="2075553"/>
+              <a:ext cx="8054126" cy="3490110"/>
+            </a:xfrm>
+            <a:prstGeom prst="rect">
+              <a:avLst/>
+            </a:prstGeom>
+          </p:spPr>
+        </p:pic>
+      </p:grpSp>
+      <p:grpSp>
+        <p:nvGrpSpPr>
+          <p:cNvPr id="1004" name="그룹 1004"/>
+          <p:cNvGrpSpPr/>
+          <p:nvPr/>
+        </p:nvGrpSpPr>
+        <p:grpSpPr>
+          <a:xfrm>
+            <a:off x="652575" y="2075553"/>
+            <a:ext cx="8018962" cy="3457970"/>
+            <a:chOff x="652575" y="2075553"/>
+            <a:chExt cx="8018962" cy="3457970"/>
+          </a:xfrm>
+        </p:grpSpPr>
+        <p:pic>
+          <p:nvPicPr>
+            <p:cNvPr id="15" name="Object 14"/>
+            <p:cNvPicPr>
+              <a:picLocks noChangeAspect="1"/>
+            </p:cNvPicPr>
+            <p:nvPr/>
+          </p:nvPicPr>
+          <p:blipFill>
+            <a:blip r:embed="rId8" cstate="print"/>
             <a:stretch>
               <a:fillRect/>
             </a:stretch>
@@ -6106,45 +5405,54 @@
           </p:spPr>
         </p:pic>
       </p:grpSp>
-      <p:grpSp>
-        <p:nvGrpSpPr>
-          <p:cNvPr id="1004" name="그룹 1004"/>
-          <p:cNvGrpSpPr/>
-          <p:nvPr/>
-        </p:nvGrpSpPr>
-        <p:grpSpPr>
-          <a:xfrm>
-            <a:off x="10279832" y="1896457"/>
-            <a:ext cx="6188835" cy="5979832"/>
-            <a:chOff x="10279832" y="1896457"/>
-            <a:chExt cx="6188835" cy="5979832"/>
-          </a:xfrm>
-        </p:grpSpPr>
-        <p:pic>
-          <p:nvPicPr>
-            <p:cNvPr id="17" name="Object 16"/>
-            <p:cNvPicPr>
-              <a:picLocks noChangeAspect="1"/>
-            </p:cNvPicPr>
-            <p:nvPr/>
-          </p:nvPicPr>
-          <p:blipFill>
-            <a:blip r:embed="rId5" cstate="print"/>
-            <a:stretch>
-              <a:fillRect/>
-            </a:stretch>
-          </p:blipFill>
-          <p:spPr>
-            <a:xfrm>
-              <a:off x="10279832" y="1896457"/>
-              <a:ext cx="6188835" cy="5979832"/>
-            </a:xfrm>
-            <a:prstGeom prst="rect">
-              <a:avLst/>
-            </a:prstGeom>
-          </p:spPr>
-        </p:pic>
-      </p:grpSp>
+      <p:pic>
+        <p:nvPicPr>
+          <p:cNvPr id="17" name="Object 16"/>
+          <p:cNvPicPr>
+            <a:picLocks noChangeAspect="1"/>
+          </p:cNvPicPr>
+          <p:nvPr/>
+        </p:nvPicPr>
+        <p:blipFill>
+          <a:blip r:embed="rId9" cstate="print"/>
+          <a:stretch>
+            <a:fillRect/>
+          </a:stretch>
+        </p:blipFill>
+        <p:spPr>
+          <a:xfrm>
+            <a:off x="8829550" y="3126921"/>
+            <a:ext cx="1350363" cy="1297325"/>
+          </a:xfrm>
+          <a:prstGeom prst="rect">
+            <a:avLst/>
+          </a:prstGeom>
+        </p:spPr>
+      </p:pic>
+      <p:pic>
+        <p:nvPicPr>
+          <p:cNvPr id="18" name="Object 17"/>
+          <p:cNvPicPr>
+            <a:picLocks noChangeAspect="1"/>
+          </p:cNvPicPr>
+          <p:nvPr/>
+        </p:nvPicPr>
+        <p:blipFill>
+          <a:blip r:embed="rId10" cstate="print"/>
+          <a:stretch>
+            <a:fillRect/>
+          </a:stretch>
+        </p:blipFill>
+        <p:spPr>
+          <a:xfrm>
+            <a:off x="10240933" y="8293115"/>
+            <a:ext cx="4993830" cy="713211"/>
+          </a:xfrm>
+          <a:prstGeom prst="rect">
+            <a:avLst/>
+          </a:prstGeom>
+        </p:spPr>
+      </p:pic>
       <p:grpSp>
         <p:nvGrpSpPr>
           <p:cNvPr id="1005" name="그룹 1005"/>
@@ -6153,10 +5461,10 @@
         </p:nvGrpSpPr>
         <p:grpSpPr>
           <a:xfrm>
-            <a:off x="652575" y="3250226"/>
-            <a:ext cx="3077613" cy="891166"/>
-            <a:chOff x="652575" y="3250226"/>
-            <a:chExt cx="3077613" cy="891166"/>
+            <a:off x="687740" y="3462937"/>
+            <a:ext cx="2811161" cy="510690"/>
+            <a:chOff x="687740" y="3462937"/>
+            <a:chExt cx="2811161" cy="510690"/>
           </a:xfrm>
         </p:grpSpPr>
         <p:pic>
@@ -6168,15 +5476,15 @@
             <p:nvPr/>
           </p:nvPicPr>
           <p:blipFill>
-            <a:blip r:embed="rId6" cstate="print"/>
+            <a:blip r:embed="rId11" cstate="print"/>
             <a:stretch>
               <a:fillRect/>
             </a:stretch>
           </p:blipFill>
           <p:spPr>
             <a:xfrm>
-              <a:off x="652575" y="3250226"/>
-              <a:ext cx="3077613" cy="891166"/>
+              <a:off x="687740" y="3462937"/>
+              <a:ext cx="2811161" cy="510690"/>
             </a:xfrm>
             <a:prstGeom prst="rect">
               <a:avLst/>
@@ -6217,128 +5525,78 @@
           <a:chExt cx="0" cy="0"/>
         </a:xfrm>
       </p:grpSpPr>
-      <p:sp>
-        <p:nvSpPr>
-          <p:cNvPr id="2" name="Object 2"/>
-          <p:cNvSpPr txBox="1"/>
-          <p:nvPr/>
-        </p:nvSpPr>
-        <p:spPr>
-          <a:xfrm>
-            <a:off x="652575" y="552104"/>
-            <a:ext cx="14238117" cy="2016530"/>
+      <p:pic>
+        <p:nvPicPr>
+          <p:cNvPr id="2" name="Object 1"/>
+          <p:cNvPicPr>
+            <a:picLocks noChangeAspect="1"/>
+          </p:cNvPicPr>
+          <p:nvPr/>
+        </p:nvPicPr>
+        <p:blipFill>
+          <a:blip r:embed="rId2" cstate="print"/>
+          <a:stretch>
+            <a:fillRect/>
+          </a:stretch>
+        </p:blipFill>
+        <p:spPr>
+          <a:xfrm>
+            <a:off x="509722" y="409250"/>
+            <a:ext cx="9814499" cy="1674747"/>
           </a:xfrm>
           <a:prstGeom prst="rect">
             <a:avLst/>
           </a:prstGeom>
-          <a:noFill/>
-        </p:spPr>
-        <p:txBody>
-          <a:bodyPr anchor="t" wrap="square" rtlCol="0">
-            <a:spAutoFit/>
-          </a:bodyPr>
-          <a:lstStyle/>
-          <a:p>
-            <a:r>
-              <a:rPr lang="en-US" sz="7500" dirty="0" smtClean="0">
-                <a:solidFill>
-                  <a:srgbClr val="000000"/>
-                </a:solidFill>
-                <a:latin typeface="THELuxGoEB" pitchFamily="34" charset="0"/>
-                <a:cs typeface="THELuxGoEB" pitchFamily="34" charset="0"/>
-              </a:rPr>
-              <a:t>04. 프로젝트 수행 결과</a:t>
-            </a:r>
-          </a:p>
-          <a:p>
-            <a:r>
-              <a:rPr lang="en-US" sz="7500" dirty="0" smtClean="0">
-                <a:solidFill>
-                  <a:srgbClr val="000000"/>
-                </a:solidFill>
-                <a:latin typeface="THELuxGoEB" pitchFamily="34" charset="0"/>
-                <a:cs typeface="THELuxGoEB" pitchFamily="34" charset="0"/>
-              </a:rPr>
-              <a:t/>
-            </a:r>
-            <a:endParaRPr lang="en-US" dirty="0"/>
-          </a:p>
-        </p:txBody>
-      </p:sp>
-      <p:sp>
-        <p:nvSpPr>
-          <p:cNvPr id="3" name="Object 3"/>
-          <p:cNvSpPr txBox="1"/>
-          <p:nvPr/>
-        </p:nvSpPr>
-        <p:spPr>
-          <a:xfrm>
-            <a:off x="16310337" y="1133190"/>
-            <a:ext cx="1424176" cy="798267"/>
+        </p:spPr>
+      </p:pic>
+      <p:pic>
+        <p:nvPicPr>
+          <p:cNvPr id="3" name="Object 2"/>
+          <p:cNvPicPr>
+            <a:picLocks noChangeAspect="1"/>
+          </p:cNvPicPr>
+          <p:nvPr/>
+        </p:nvPicPr>
+        <p:blipFill>
+          <a:blip r:embed="rId3" cstate="print"/>
+          <a:stretch>
+            <a:fillRect/>
+          </a:stretch>
+        </p:blipFill>
+        <p:spPr>
+          <a:xfrm>
+            <a:off x="16491423" y="1076913"/>
+            <a:ext cx="1147897" cy="627497"/>
           </a:xfrm>
           <a:prstGeom prst="rect">
             <a:avLst/>
           </a:prstGeom>
-          <a:noFill/>
-        </p:spPr>
-        <p:txBody>
-          <a:bodyPr anchor="t" wrap="square" rtlCol="0">
-            <a:spAutoFit/>
-          </a:bodyPr>
-          <a:lstStyle/>
-          <a:p>
-            <a:pPr algn="ctr"/>
-            <a:r>
-              <a:rPr lang="en-US" sz="3000" dirty="0" smtClean="0">
-                <a:solidFill>
-                  <a:srgbClr val="000000"/>
-                </a:solidFill>
-                <a:latin typeface="Noto Sans CJK KR Regular" pitchFamily="34" charset="0"/>
-                <a:cs typeface="Noto Sans CJK KR Regular" pitchFamily="34" charset="0"/>
-              </a:rPr>
-              <a:t>Food</a:t>
-            </a:r>
-            <a:endParaRPr lang="en-US" dirty="0"/>
-          </a:p>
-        </p:txBody>
-      </p:sp>
-      <p:sp>
-        <p:nvSpPr>
-          <p:cNvPr id="4" name="Object 4"/>
-          <p:cNvSpPr txBox="1"/>
-          <p:nvPr/>
-        </p:nvSpPr>
-        <p:spPr>
-          <a:xfrm>
-            <a:off x="9440742" y="783192"/>
-            <a:ext cx="7111549" cy="1323263"/>
+        </p:spPr>
+      </p:pic>
+      <p:pic>
+        <p:nvPicPr>
+          <p:cNvPr id="4" name="Object 3"/>
+          <p:cNvPicPr>
+            <a:picLocks noChangeAspect="1"/>
+          </p:cNvPicPr>
+          <p:nvPr/>
+        </p:nvPicPr>
+        <p:blipFill>
+          <a:blip r:embed="rId4" cstate="print"/>
+          <a:stretch>
+            <a:fillRect/>
+          </a:stretch>
+        </p:blipFill>
+        <p:spPr>
+          <a:xfrm>
+            <a:off x="10531401" y="688594"/>
+            <a:ext cx="4957881" cy="1132728"/>
           </a:xfrm>
           <a:prstGeom prst="rect">
             <a:avLst/>
           </a:prstGeom>
-          <a:noFill/>
-        </p:spPr>
-        <p:txBody>
-          <a:bodyPr anchor="t" wrap="square" rtlCol="0">
-            <a:spAutoFit/>
-          </a:bodyPr>
-          <a:lstStyle/>
-          <a:p>
-            <a:pPr algn="ctr"/>
-            <a:r>
-              <a:rPr lang="en-US" sz="5000" dirty="0" smtClean="0">
-                <a:solidFill>
-                  <a:srgbClr val="000000"/>
-                </a:solidFill>
-                <a:latin typeface="Noto Sans CJK KR Medium" pitchFamily="34" charset="0"/>
-                <a:cs typeface="Noto Sans CJK KR Medium" pitchFamily="34" charset="0"/>
-              </a:rPr>
-              <a:t>View 생성</a:t>
-            </a:r>
-            <a:endParaRPr lang="en-US" dirty="0"/>
-          </a:p>
-        </p:txBody>
-      </p:sp>
+        </p:spPr>
+      </p:pic>
       <p:grpSp>
         <p:nvGrpSpPr>
           <p:cNvPr id="1001" name="그룹 1001"/>
@@ -6347,132 +5605,15 @@
         </p:nvGrpSpPr>
         <p:grpSpPr>
           <a:xfrm>
-            <a:off x="10279517" y="1896457"/>
-            <a:ext cx="5144658" cy="6171429"/>
-            <a:chOff x="10279517" y="1896457"/>
-            <a:chExt cx="5144658" cy="6171429"/>
+            <a:off x="634993" y="2110425"/>
+            <a:ext cx="6171429" cy="6064864"/>
+            <a:chOff x="634993" y="2110425"/>
+            <a:chExt cx="6171429" cy="6064864"/>
           </a:xfrm>
         </p:grpSpPr>
         <p:pic>
           <p:nvPicPr>
             <p:cNvPr id="6" name="Object 5"/>
-            <p:cNvPicPr>
-              <a:picLocks noChangeAspect="1"/>
-            </p:cNvPicPr>
-            <p:nvPr/>
-          </p:nvPicPr>
-          <p:blipFill>
-            <a:blip r:embed="rId2" cstate="print"/>
-            <a:stretch>
-              <a:fillRect/>
-            </a:stretch>
-          </p:blipFill>
-          <p:spPr>
-            <a:xfrm>
-              <a:off x="10279517" y="1896457"/>
-              <a:ext cx="5144658" cy="6171429"/>
-            </a:xfrm>
-            <a:prstGeom prst="rect">
-              <a:avLst/>
-            </a:prstGeom>
-          </p:spPr>
-        </p:pic>
-      </p:grpSp>
-      <p:grpSp>
-        <p:nvGrpSpPr>
-          <p:cNvPr id="1002" name="그룹 1002"/>
-          <p:cNvGrpSpPr/>
-          <p:nvPr/>
-        </p:nvGrpSpPr>
-        <p:grpSpPr>
-          <a:xfrm>
-            <a:off x="10279832" y="1896457"/>
-            <a:ext cx="5222380" cy="6171429"/>
-            <a:chOff x="10279832" y="1896457"/>
-            <a:chExt cx="5222380" cy="6171429"/>
-          </a:xfrm>
-        </p:grpSpPr>
-        <p:pic>
-          <p:nvPicPr>
-            <p:cNvPr id="9" name="Object 8"/>
-            <p:cNvPicPr>
-              <a:picLocks noChangeAspect="1"/>
-            </p:cNvPicPr>
-            <p:nvPr/>
-          </p:nvPicPr>
-          <p:blipFill>
-            <a:blip r:embed="rId3" cstate="print"/>
-            <a:stretch>
-              <a:fillRect/>
-            </a:stretch>
-          </p:blipFill>
-          <p:spPr>
-            <a:xfrm>
-              <a:off x="10279832" y="1896457"/>
-              <a:ext cx="5222380" cy="6171429"/>
-            </a:xfrm>
-            <a:prstGeom prst="rect">
-              <a:avLst/>
-            </a:prstGeom>
-          </p:spPr>
-        </p:pic>
-      </p:grpSp>
-      <p:grpSp>
-        <p:nvGrpSpPr>
-          <p:cNvPr id="1003" name="그룹 1003"/>
-          <p:cNvGrpSpPr/>
-          <p:nvPr/>
-        </p:nvGrpSpPr>
-        <p:grpSpPr>
-          <a:xfrm>
-            <a:off x="652575" y="2075553"/>
-            <a:ext cx="8054126" cy="3490110"/>
-            <a:chOff x="652575" y="2075553"/>
-            <a:chExt cx="8054126" cy="3490110"/>
-          </a:xfrm>
-        </p:grpSpPr>
-        <p:pic>
-          <p:nvPicPr>
-            <p:cNvPr id="12" name="Object 11"/>
-            <p:cNvPicPr>
-              <a:picLocks noChangeAspect="1"/>
-            </p:cNvPicPr>
-            <p:nvPr/>
-          </p:nvPicPr>
-          <p:blipFill>
-            <a:blip r:embed="rId4" cstate="print"/>
-            <a:stretch>
-              <a:fillRect/>
-            </a:stretch>
-          </p:blipFill>
-          <p:spPr>
-            <a:xfrm>
-              <a:off x="652575" y="2075553"/>
-              <a:ext cx="8054126" cy="3490110"/>
-            </a:xfrm>
-            <a:prstGeom prst="rect">
-              <a:avLst/>
-            </a:prstGeom>
-          </p:spPr>
-        </p:pic>
-      </p:grpSp>
-      <p:grpSp>
-        <p:nvGrpSpPr>
-          <p:cNvPr id="1004" name="그룹 1004"/>
-          <p:cNvGrpSpPr/>
-          <p:nvPr/>
-        </p:nvGrpSpPr>
-        <p:grpSpPr>
-          <a:xfrm>
-            <a:off x="652575" y="2075553"/>
-            <a:ext cx="8018962" cy="3457970"/>
-            <a:chOff x="652575" y="2075553"/>
-            <a:chExt cx="8018962" cy="3457970"/>
-          </a:xfrm>
-        </p:grpSpPr>
-        <p:pic>
-          <p:nvPicPr>
-            <p:cNvPr id="15" name="Object 14"/>
             <p:cNvPicPr>
               <a:picLocks noChangeAspect="1"/>
             </p:cNvPicPr>
@@ -6486,8 +5627,8 @@
           </p:blipFill>
           <p:spPr>
             <a:xfrm>
-              <a:off x="652575" y="2075553"/>
-              <a:ext cx="8018962" cy="3457970"/>
+              <a:off x="634993" y="2110425"/>
+              <a:ext cx="6171429" cy="6064864"/>
             </a:xfrm>
             <a:prstGeom prst="rect">
               <a:avLst/>
@@ -6495,97 +5636,23 @@
           </p:spPr>
         </p:pic>
       </p:grpSp>
-      <p:sp>
-        <p:nvSpPr>
-          <p:cNvPr id="17" name="Object 17"/>
-          <p:cNvSpPr txBox="1"/>
-          <p:nvPr/>
-        </p:nvSpPr>
-        <p:spPr>
-          <a:xfrm>
-            <a:off x="8745713" y="3250226"/>
-            <a:ext cx="1242857" cy="1726272"/>
-          </a:xfrm>
-          <a:prstGeom prst="rect">
-            <a:avLst/>
-          </a:prstGeom>
-          <a:noFill/>
-        </p:spPr>
-        <p:txBody>
-          <a:bodyPr anchor="t" wrap="square" rtlCol="0">
-            <a:spAutoFit/>
-          </a:bodyPr>
-          <a:lstStyle/>
-          <a:p>
-            <a:pPr algn="ctr"/>
-            <a:r>
-              <a:rPr lang="en-US" sz="6500" dirty="0" smtClean="0">
-                <a:solidFill>
-                  <a:srgbClr val="000000"/>
-                </a:solidFill>
-                <a:latin typeface="Noto Sans CJK KR Regular" pitchFamily="34" charset="0"/>
-                <a:cs typeface="Noto Sans CJK KR Regular" pitchFamily="34" charset="0"/>
-              </a:rPr>
-              <a:t>→</a:t>
-            </a:r>
-            <a:endParaRPr lang="en-US" dirty="0"/>
-          </a:p>
-        </p:txBody>
-      </p:sp>
-      <p:sp>
-        <p:nvSpPr>
-          <p:cNvPr id="18" name="Object 18"/>
-          <p:cNvSpPr txBox="1"/>
-          <p:nvPr/>
-        </p:nvSpPr>
-        <p:spPr>
-          <a:xfrm>
-            <a:off x="8947556" y="8349391"/>
-            <a:ext cx="8097921" cy="798267"/>
-          </a:xfrm>
-          <a:prstGeom prst="rect">
-            <a:avLst/>
-          </a:prstGeom>
-          <a:noFill/>
-        </p:spPr>
-        <p:txBody>
-          <a:bodyPr anchor="t" wrap="square" rtlCol="0">
-            <a:spAutoFit/>
-          </a:bodyPr>
-          <a:lstStyle/>
-          <a:p>
-            <a:pPr algn="ctr"/>
-            <a:r>
-              <a:rPr lang="en-US" sz="3000" dirty="0" smtClean="0">
-                <a:solidFill>
-                  <a:srgbClr val="000000"/>
-                </a:solidFill>
-                <a:latin typeface="Noto Sans CJK KR Regular" pitchFamily="34" charset="0"/>
-                <a:cs typeface="Noto Sans CJK KR Regular" pitchFamily="34" charset="0"/>
-              </a:rPr>
-              <a:t>order_impossible_view</a:t>
-            </a:r>
-            <a:endParaRPr lang="en-US" dirty="0"/>
-          </a:p>
-        </p:txBody>
-      </p:sp>
       <p:grpSp>
         <p:nvGrpSpPr>
-          <p:cNvPr id="1005" name="그룹 1005"/>
+          <p:cNvPr id="1002" name="그룹 1002"/>
           <p:cNvGrpSpPr/>
           <p:nvPr/>
         </p:nvGrpSpPr>
         <p:grpSpPr>
           <a:xfrm>
-            <a:off x="687740" y="3462937"/>
-            <a:ext cx="2811161" cy="510690"/>
-            <a:chOff x="687740" y="3462937"/>
-            <a:chExt cx="2811161" cy="510690"/>
+            <a:off x="8425469" y="4127766"/>
+            <a:ext cx="8178469" cy="2040253"/>
+            <a:chOff x="8425469" y="4127766"/>
+            <a:chExt cx="8178469" cy="2040253"/>
           </a:xfrm>
         </p:grpSpPr>
         <p:pic>
           <p:nvPicPr>
-            <p:cNvPr id="20" name="Object 19"/>
+            <p:cNvPr id="9" name="Object 8"/>
             <p:cNvPicPr>
               <a:picLocks noChangeAspect="1"/>
             </p:cNvPicPr>
@@ -6599,8 +5666,338 @@
           </p:blipFill>
           <p:spPr>
             <a:xfrm>
-              <a:off x="687740" y="3462937"/>
-              <a:ext cx="2811161" cy="510690"/>
+              <a:off x="8425469" y="4127766"/>
+              <a:ext cx="8178469" cy="2040253"/>
+            </a:xfrm>
+            <a:prstGeom prst="rect">
+              <a:avLst/>
+            </a:prstGeom>
+          </p:spPr>
+        </p:pic>
+      </p:grpSp>
+      <p:grpSp>
+        <p:nvGrpSpPr>
+          <p:cNvPr id="1003" name="그룹 1003"/>
+          <p:cNvGrpSpPr/>
+          <p:nvPr/>
+        </p:nvGrpSpPr>
+        <p:grpSpPr>
+          <a:xfrm>
+            <a:off x="652575" y="2092989"/>
+            <a:ext cx="6171429" cy="6099736"/>
+            <a:chOff x="652575" y="2092989"/>
+            <a:chExt cx="6171429" cy="6099736"/>
+          </a:xfrm>
+        </p:grpSpPr>
+        <p:pic>
+          <p:nvPicPr>
+            <p:cNvPr id="12" name="Object 11"/>
+            <p:cNvPicPr>
+              <a:picLocks noChangeAspect="1"/>
+            </p:cNvPicPr>
+            <p:nvPr/>
+          </p:nvPicPr>
+          <p:blipFill>
+            <a:blip r:embed="rId7" cstate="print"/>
+            <a:stretch>
+              <a:fillRect/>
+            </a:stretch>
+          </p:blipFill>
+          <p:spPr>
+            <a:xfrm>
+              <a:off x="652575" y="2092989"/>
+              <a:ext cx="6171429" cy="6099736"/>
+            </a:xfrm>
+            <a:prstGeom prst="rect">
+              <a:avLst/>
+            </a:prstGeom>
+          </p:spPr>
+        </p:pic>
+      </p:grpSp>
+      <p:grpSp>
+        <p:nvGrpSpPr>
+          <p:cNvPr id="1004" name="그룹 1004"/>
+          <p:cNvGrpSpPr/>
+          <p:nvPr/>
+        </p:nvGrpSpPr>
+        <p:grpSpPr>
+          <a:xfrm>
+            <a:off x="835977" y="2148520"/>
+            <a:ext cx="4757258" cy="624373"/>
+            <a:chOff x="835977" y="2148520"/>
+            <a:chExt cx="4757258" cy="624373"/>
+          </a:xfrm>
+        </p:grpSpPr>
+        <p:pic>
+          <p:nvPicPr>
+            <p:cNvPr id="15" name="Object 14"/>
+            <p:cNvPicPr>
+              <a:picLocks noChangeAspect="1"/>
+            </p:cNvPicPr>
+            <p:nvPr/>
+          </p:nvPicPr>
+          <p:blipFill>
+            <a:blip r:embed="rId8" cstate="print"/>
+            <a:stretch>
+              <a:fillRect/>
+            </a:stretch>
+          </p:blipFill>
+          <p:spPr>
+            <a:xfrm>
+              <a:off x="835977" y="2148520"/>
+              <a:ext cx="4757258" cy="624373"/>
+            </a:xfrm>
+            <a:prstGeom prst="rect">
+              <a:avLst/>
+            </a:prstGeom>
+          </p:spPr>
+        </p:pic>
+      </p:grpSp>
+      <p:grpSp>
+        <p:nvGrpSpPr>
+          <p:cNvPr id="1005" name="그룹 1005"/>
+          <p:cNvGrpSpPr/>
+          <p:nvPr/>
+        </p:nvGrpSpPr>
+        <p:grpSpPr>
+          <a:xfrm>
+            <a:off x="8425469" y="4110329"/>
+            <a:ext cx="8178469" cy="2057690"/>
+            <a:chOff x="8425469" y="4110329"/>
+            <a:chExt cx="8178469" cy="2057690"/>
+          </a:xfrm>
+        </p:grpSpPr>
+        <p:pic>
+          <p:nvPicPr>
+            <p:cNvPr id="18" name="Object 17"/>
+            <p:cNvPicPr>
+              <a:picLocks noChangeAspect="1"/>
+            </p:cNvPicPr>
+            <p:nvPr/>
+          </p:nvPicPr>
+          <p:blipFill>
+            <a:blip r:embed="rId9" cstate="print"/>
+            <a:stretch>
+              <a:fillRect/>
+            </a:stretch>
+          </p:blipFill>
+          <p:spPr>
+            <a:xfrm>
+              <a:off x="8425469" y="4110329"/>
+              <a:ext cx="8178469" cy="2057690"/>
+            </a:xfrm>
+            <a:prstGeom prst="rect">
+              <a:avLst/>
+            </a:prstGeom>
+          </p:spPr>
+        </p:pic>
+      </p:grpSp>
+      <p:pic>
+        <p:nvPicPr>
+          <p:cNvPr id="20" name="Object 19"/>
+          <p:cNvPicPr>
+            <a:picLocks noChangeAspect="1"/>
+          </p:cNvPicPr>
+          <p:nvPr/>
+        </p:nvPicPr>
+        <p:blipFill>
+          <a:blip r:embed="rId10" cstate="print"/>
+          <a:stretch>
+            <a:fillRect/>
+          </a:stretch>
+        </p:blipFill>
+        <p:spPr>
+          <a:xfrm>
+            <a:off x="7186299" y="4444128"/>
+            <a:ext cx="1350363" cy="1297325"/>
+          </a:xfrm>
+          <a:prstGeom prst="rect">
+            <a:avLst/>
+          </a:prstGeom>
+        </p:spPr>
+      </p:pic>
+      <p:pic>
+        <p:nvPicPr>
+          <p:cNvPr id="21" name="Object 20"/>
+          <p:cNvPicPr>
+            <a:picLocks noChangeAspect="1"/>
+          </p:cNvPicPr>
+          <p:nvPr/>
+        </p:nvPicPr>
+        <p:blipFill>
+          <a:blip r:embed="rId11" cstate="print"/>
+          <a:stretch>
+            <a:fillRect/>
+          </a:stretch>
+        </p:blipFill>
+        <p:spPr>
+          <a:xfrm>
+            <a:off x="779701" y="8329857"/>
+            <a:ext cx="5042763" cy="713211"/>
+          </a:xfrm>
+          <a:prstGeom prst="rect">
+            <a:avLst/>
+          </a:prstGeom>
+        </p:spPr>
+      </p:pic>
+      <p:grpSp>
+        <p:nvGrpSpPr>
+          <p:cNvPr id="1006" name="그룹 1006"/>
+          <p:cNvGrpSpPr/>
+          <p:nvPr/>
+        </p:nvGrpSpPr>
+        <p:grpSpPr>
+          <a:xfrm>
+            <a:off x="8425469" y="7137380"/>
+            <a:ext cx="8178469" cy="2057690"/>
+            <a:chOff x="8425469" y="7137380"/>
+            <a:chExt cx="8178469" cy="2057690"/>
+          </a:xfrm>
+        </p:grpSpPr>
+        <p:pic>
+          <p:nvPicPr>
+            <p:cNvPr id="23" name="Object 22"/>
+            <p:cNvPicPr>
+              <a:picLocks noChangeAspect="1"/>
+            </p:cNvPicPr>
+            <p:nvPr/>
+          </p:nvPicPr>
+          <p:blipFill>
+            <a:blip r:embed="rId12" cstate="print"/>
+            <a:stretch>
+              <a:fillRect/>
+            </a:stretch>
+          </p:blipFill>
+          <p:spPr>
+            <a:xfrm>
+              <a:off x="8425469" y="7137380"/>
+              <a:ext cx="8178469" cy="2057690"/>
+            </a:xfrm>
+            <a:prstGeom prst="rect">
+              <a:avLst/>
+            </a:prstGeom>
+          </p:spPr>
+        </p:pic>
+      </p:grpSp>
+      <p:grpSp>
+        <p:nvGrpSpPr>
+          <p:cNvPr id="1007" name="그룹 1007"/>
+          <p:cNvGrpSpPr/>
+          <p:nvPr/>
+        </p:nvGrpSpPr>
+        <p:grpSpPr>
+          <a:xfrm>
+            <a:off x="8425469" y="7137380"/>
+            <a:ext cx="8178469" cy="2057690"/>
+            <a:chOff x="8425469" y="7137380"/>
+            <a:chExt cx="8178469" cy="2057690"/>
+          </a:xfrm>
+        </p:grpSpPr>
+        <p:pic>
+          <p:nvPicPr>
+            <p:cNvPr id="26" name="Object 25"/>
+            <p:cNvPicPr>
+              <a:picLocks noChangeAspect="1"/>
+            </p:cNvPicPr>
+            <p:nvPr/>
+          </p:nvPicPr>
+          <p:blipFill>
+            <a:blip r:embed="rId13" cstate="print"/>
+            <a:stretch>
+              <a:fillRect/>
+            </a:stretch>
+          </p:blipFill>
+          <p:spPr>
+            <a:xfrm>
+              <a:off x="8425469" y="7137380"/>
+              <a:ext cx="8178469" cy="2057690"/>
+            </a:xfrm>
+            <a:prstGeom prst="rect">
+              <a:avLst/>
+            </a:prstGeom>
+          </p:spPr>
+        </p:pic>
+      </p:grpSp>
+      <p:pic>
+        <p:nvPicPr>
+          <p:cNvPr id="28" name="Object 27"/>
+          <p:cNvPicPr>
+            <a:picLocks noChangeAspect="1"/>
+          </p:cNvPicPr>
+          <p:nvPr/>
+        </p:nvPicPr>
+        <p:blipFill>
+          <a:blip r:embed="rId14" cstate="print"/>
+          <a:stretch>
+            <a:fillRect/>
+          </a:stretch>
+        </p:blipFill>
+        <p:spPr>
+          <a:xfrm rot="5400000">
+            <a:off x="11889588" y="6197719"/>
+            <a:ext cx="1350363" cy="1297325"/>
+          </a:xfrm>
+          <a:prstGeom prst="rect">
+            <a:avLst/>
+          </a:prstGeom>
+        </p:spPr>
+      </p:pic>
+      <p:pic>
+        <p:nvPicPr>
+          <p:cNvPr id="29" name="Object 28"/>
+          <p:cNvPicPr>
+            <a:picLocks noChangeAspect="1"/>
+          </p:cNvPicPr>
+          <p:nvPr/>
+        </p:nvPicPr>
+        <p:blipFill>
+          <a:blip r:embed="rId15" cstate="print"/>
+          <a:stretch>
+            <a:fillRect/>
+          </a:stretch>
+        </p:blipFill>
+        <p:spPr>
+          <a:xfrm>
+            <a:off x="11567534" y="9349637"/>
+            <a:ext cx="5119735" cy="684640"/>
+          </a:xfrm>
+          <a:prstGeom prst="rect">
+            <a:avLst/>
+          </a:prstGeom>
+        </p:spPr>
+      </p:pic>
+      <p:grpSp>
+        <p:nvGrpSpPr>
+          <p:cNvPr id="1008" name="그룹 1008"/>
+          <p:cNvGrpSpPr/>
+          <p:nvPr/>
+        </p:nvGrpSpPr>
+        <p:grpSpPr>
+          <a:xfrm>
+            <a:off x="8425469" y="2110425"/>
+            <a:ext cx="7082223" cy="1786171"/>
+            <a:chOff x="8425469" y="2110425"/>
+            <a:chExt cx="7082223" cy="1786171"/>
+          </a:xfrm>
+        </p:grpSpPr>
+        <p:pic>
+          <p:nvPicPr>
+            <p:cNvPr id="31" name="Object 30"/>
+            <p:cNvPicPr>
+              <a:picLocks noChangeAspect="1"/>
+            </p:cNvPicPr>
+            <p:nvPr/>
+          </p:nvPicPr>
+          <p:blipFill>
+            <a:blip r:embed="rId16" cstate="print"/>
+            <a:stretch>
+              <a:fillRect/>
+            </a:stretch>
+          </p:blipFill>
+          <p:spPr>
+            <a:xfrm>
+              <a:off x="8425469" y="2110425"/>
+              <a:ext cx="7082223" cy="1786171"/>
             </a:xfrm>
             <a:prstGeom prst="rect">
               <a:avLst/>
@@ -6641,128 +6038,78 @@
           <a:chExt cx="0" cy="0"/>
         </a:xfrm>
       </p:grpSpPr>
-      <p:sp>
-        <p:nvSpPr>
-          <p:cNvPr id="2" name="Object 2"/>
-          <p:cNvSpPr txBox="1"/>
-          <p:nvPr/>
-        </p:nvSpPr>
-        <p:spPr>
-          <a:xfrm>
-            <a:off x="652575" y="552104"/>
-            <a:ext cx="14238117" cy="2016530"/>
+      <p:pic>
+        <p:nvPicPr>
+          <p:cNvPr id="2" name="Object 1"/>
+          <p:cNvPicPr>
+            <a:picLocks noChangeAspect="1"/>
+          </p:cNvPicPr>
+          <p:nvPr/>
+        </p:nvPicPr>
+        <p:blipFill>
+          <a:blip r:embed="rId2" cstate="print"/>
+          <a:stretch>
+            <a:fillRect/>
+          </a:stretch>
+        </p:blipFill>
+        <p:spPr>
+          <a:xfrm>
+            <a:off x="509722" y="409250"/>
+            <a:ext cx="9814499" cy="1674747"/>
           </a:xfrm>
           <a:prstGeom prst="rect">
             <a:avLst/>
           </a:prstGeom>
-          <a:noFill/>
-        </p:spPr>
-        <p:txBody>
-          <a:bodyPr anchor="t" wrap="square" rtlCol="0">
-            <a:spAutoFit/>
-          </a:bodyPr>
-          <a:lstStyle/>
-          <a:p>
-            <a:r>
-              <a:rPr lang="en-US" sz="7500" dirty="0" smtClean="0">
-                <a:solidFill>
-                  <a:srgbClr val="000000"/>
-                </a:solidFill>
-                <a:latin typeface="THELuxGoEB" pitchFamily="34" charset="0"/>
-                <a:cs typeface="THELuxGoEB" pitchFamily="34" charset="0"/>
-              </a:rPr>
-              <a:t>04. 프로젝트 수행 결과</a:t>
-            </a:r>
-          </a:p>
-          <a:p>
-            <a:r>
-              <a:rPr lang="en-US" sz="7500" dirty="0" smtClean="0">
-                <a:solidFill>
-                  <a:srgbClr val="000000"/>
-                </a:solidFill>
-                <a:latin typeface="THELuxGoEB" pitchFamily="34" charset="0"/>
-                <a:cs typeface="THELuxGoEB" pitchFamily="34" charset="0"/>
-              </a:rPr>
-              <a:t/>
-            </a:r>
-            <a:endParaRPr lang="en-US" dirty="0"/>
-          </a:p>
-        </p:txBody>
-      </p:sp>
-      <p:sp>
-        <p:nvSpPr>
-          <p:cNvPr id="3" name="Object 3"/>
-          <p:cNvSpPr txBox="1"/>
-          <p:nvPr/>
-        </p:nvSpPr>
-        <p:spPr>
-          <a:xfrm>
-            <a:off x="16310337" y="1133190"/>
-            <a:ext cx="1424176" cy="798267"/>
+        </p:spPr>
+      </p:pic>
+      <p:pic>
+        <p:nvPicPr>
+          <p:cNvPr id="3" name="Object 2"/>
+          <p:cNvPicPr>
+            <a:picLocks noChangeAspect="1"/>
+          </p:cNvPicPr>
+          <p:nvPr/>
+        </p:nvPicPr>
+        <p:blipFill>
+          <a:blip r:embed="rId3" cstate="print"/>
+          <a:stretch>
+            <a:fillRect/>
+          </a:stretch>
+        </p:blipFill>
+        <p:spPr>
+          <a:xfrm>
+            <a:off x="16491423" y="1076913"/>
+            <a:ext cx="1147897" cy="627497"/>
           </a:xfrm>
           <a:prstGeom prst="rect">
             <a:avLst/>
           </a:prstGeom>
-          <a:noFill/>
-        </p:spPr>
-        <p:txBody>
-          <a:bodyPr anchor="t" wrap="square" rtlCol="0">
-            <a:spAutoFit/>
-          </a:bodyPr>
-          <a:lstStyle/>
-          <a:p>
-            <a:pPr algn="ctr"/>
-            <a:r>
-              <a:rPr lang="en-US" sz="3000" dirty="0" smtClean="0">
-                <a:solidFill>
-                  <a:srgbClr val="000000"/>
-                </a:solidFill>
-                <a:latin typeface="Noto Sans CJK KR Regular" pitchFamily="34" charset="0"/>
-                <a:cs typeface="Noto Sans CJK KR Regular" pitchFamily="34" charset="0"/>
-              </a:rPr>
-              <a:t>Food</a:t>
-            </a:r>
-            <a:endParaRPr lang="en-US" dirty="0"/>
-          </a:p>
-        </p:txBody>
-      </p:sp>
-      <p:sp>
-        <p:nvSpPr>
-          <p:cNvPr id="4" name="Object 4"/>
-          <p:cNvSpPr txBox="1"/>
-          <p:nvPr/>
-        </p:nvSpPr>
-        <p:spPr>
-          <a:xfrm>
-            <a:off x="9440742" y="783192"/>
-            <a:ext cx="7111549" cy="1323263"/>
+        </p:spPr>
+      </p:pic>
+      <p:pic>
+        <p:nvPicPr>
+          <p:cNvPr id="4" name="Object 3"/>
+          <p:cNvPicPr>
+            <a:picLocks noChangeAspect="1"/>
+          </p:cNvPicPr>
+          <p:nvPr/>
+        </p:nvPicPr>
+        <p:blipFill>
+          <a:blip r:embed="rId4" cstate="print"/>
+          <a:stretch>
+            <a:fillRect/>
+          </a:stretch>
+        </p:blipFill>
+        <p:spPr>
+          <a:xfrm>
+            <a:off x="10531401" y="688594"/>
+            <a:ext cx="4957881" cy="1132728"/>
           </a:xfrm>
           <a:prstGeom prst="rect">
             <a:avLst/>
           </a:prstGeom>
-          <a:noFill/>
-        </p:spPr>
-        <p:txBody>
-          <a:bodyPr anchor="t" wrap="square" rtlCol="0">
-            <a:spAutoFit/>
-          </a:bodyPr>
-          <a:lstStyle/>
-          <a:p>
-            <a:pPr algn="ctr"/>
-            <a:r>
-              <a:rPr lang="en-US" sz="5000" dirty="0" smtClean="0">
-                <a:solidFill>
-                  <a:srgbClr val="000000"/>
-                </a:solidFill>
-                <a:latin typeface="Noto Sans CJK KR Medium" pitchFamily="34" charset="0"/>
-                <a:cs typeface="Noto Sans CJK KR Medium" pitchFamily="34" charset="0"/>
-              </a:rPr>
-              <a:t>Procedure 생성</a:t>
-            </a:r>
-            <a:endParaRPr lang="en-US" dirty="0"/>
-          </a:p>
-        </p:txBody>
-      </p:sp>
+        </p:spPr>
+      </p:pic>
       <p:grpSp>
         <p:nvGrpSpPr>
           <p:cNvPr id="1001" name="그룹 1001"/>
@@ -6771,132 +6118,15 @@
         </p:nvGrpSpPr>
         <p:grpSpPr>
           <a:xfrm>
-            <a:off x="634993" y="2110425"/>
-            <a:ext cx="6171429" cy="6064864"/>
-            <a:chOff x="634993" y="2110425"/>
-            <a:chExt cx="6171429" cy="6064864"/>
+            <a:off x="354076" y="2110571"/>
+            <a:ext cx="8308331" cy="7454286"/>
+            <a:chOff x="354076" y="2110571"/>
+            <a:chExt cx="8308331" cy="7454286"/>
           </a:xfrm>
         </p:grpSpPr>
         <p:pic>
           <p:nvPicPr>
             <p:cNvPr id="6" name="Object 5"/>
-            <p:cNvPicPr>
-              <a:picLocks noChangeAspect="1"/>
-            </p:cNvPicPr>
-            <p:nvPr/>
-          </p:nvPicPr>
-          <p:blipFill>
-            <a:blip r:embed="rId2" cstate="print"/>
-            <a:stretch>
-              <a:fillRect/>
-            </a:stretch>
-          </p:blipFill>
-          <p:spPr>
-            <a:xfrm>
-              <a:off x="634993" y="2110425"/>
-              <a:ext cx="6171429" cy="6064864"/>
-            </a:xfrm>
-            <a:prstGeom prst="rect">
-              <a:avLst/>
-            </a:prstGeom>
-          </p:spPr>
-        </p:pic>
-      </p:grpSp>
-      <p:grpSp>
-        <p:nvGrpSpPr>
-          <p:cNvPr id="1002" name="그룹 1002"/>
-          <p:cNvGrpSpPr/>
-          <p:nvPr/>
-        </p:nvGrpSpPr>
-        <p:grpSpPr>
-          <a:xfrm>
-            <a:off x="8425469" y="4127766"/>
-            <a:ext cx="8178469" cy="2040253"/>
-            <a:chOff x="8425469" y="4127766"/>
-            <a:chExt cx="8178469" cy="2040253"/>
-          </a:xfrm>
-        </p:grpSpPr>
-        <p:pic>
-          <p:nvPicPr>
-            <p:cNvPr id="9" name="Object 8"/>
-            <p:cNvPicPr>
-              <a:picLocks noChangeAspect="1"/>
-            </p:cNvPicPr>
-            <p:nvPr/>
-          </p:nvPicPr>
-          <p:blipFill>
-            <a:blip r:embed="rId3" cstate="print"/>
-            <a:stretch>
-              <a:fillRect/>
-            </a:stretch>
-          </p:blipFill>
-          <p:spPr>
-            <a:xfrm>
-              <a:off x="8425469" y="4127766"/>
-              <a:ext cx="8178469" cy="2040253"/>
-            </a:xfrm>
-            <a:prstGeom prst="rect">
-              <a:avLst/>
-            </a:prstGeom>
-          </p:spPr>
-        </p:pic>
-      </p:grpSp>
-      <p:grpSp>
-        <p:nvGrpSpPr>
-          <p:cNvPr id="1003" name="그룹 1003"/>
-          <p:cNvGrpSpPr/>
-          <p:nvPr/>
-        </p:nvGrpSpPr>
-        <p:grpSpPr>
-          <a:xfrm>
-            <a:off x="652575" y="2092989"/>
-            <a:ext cx="6171429" cy="6099736"/>
-            <a:chOff x="652575" y="2092989"/>
-            <a:chExt cx="6171429" cy="6099736"/>
-          </a:xfrm>
-        </p:grpSpPr>
-        <p:pic>
-          <p:nvPicPr>
-            <p:cNvPr id="12" name="Object 11"/>
-            <p:cNvPicPr>
-              <a:picLocks noChangeAspect="1"/>
-            </p:cNvPicPr>
-            <p:nvPr/>
-          </p:nvPicPr>
-          <p:blipFill>
-            <a:blip r:embed="rId4" cstate="print"/>
-            <a:stretch>
-              <a:fillRect/>
-            </a:stretch>
-          </p:blipFill>
-          <p:spPr>
-            <a:xfrm>
-              <a:off x="652575" y="2092989"/>
-              <a:ext cx="6171429" cy="6099736"/>
-            </a:xfrm>
-            <a:prstGeom prst="rect">
-              <a:avLst/>
-            </a:prstGeom>
-          </p:spPr>
-        </p:pic>
-      </p:grpSp>
-      <p:grpSp>
-        <p:nvGrpSpPr>
-          <p:cNvPr id="1004" name="그룹 1004"/>
-          <p:cNvGrpSpPr/>
-          <p:nvPr/>
-        </p:nvGrpSpPr>
-        <p:grpSpPr>
-          <a:xfrm>
-            <a:off x="835977" y="2148520"/>
-            <a:ext cx="4757258" cy="624373"/>
-            <a:chOff x="835977" y="2148520"/>
-            <a:chExt cx="4757258" cy="624373"/>
-          </a:xfrm>
-        </p:grpSpPr>
-        <p:pic>
-          <p:nvPicPr>
-            <p:cNvPr id="15" name="Object 14"/>
             <p:cNvPicPr>
               <a:picLocks noChangeAspect="1"/>
             </p:cNvPicPr>
@@ -6910,8 +6140,8 @@
           </p:blipFill>
           <p:spPr>
             <a:xfrm>
-              <a:off x="835977" y="2148520"/>
-              <a:ext cx="4757258" cy="624373"/>
+              <a:off x="354076" y="2110571"/>
+              <a:ext cx="8308331" cy="7454286"/>
             </a:xfrm>
             <a:prstGeom prst="rect">
               <a:avLst/>
@@ -6921,21 +6151,21 @@
       </p:grpSp>
       <p:grpSp>
         <p:nvGrpSpPr>
-          <p:cNvPr id="1005" name="그룹 1005"/>
+          <p:cNvPr id="1002" name="그룹 1002"/>
           <p:cNvGrpSpPr/>
           <p:nvPr/>
         </p:nvGrpSpPr>
         <p:grpSpPr>
           <a:xfrm>
-            <a:off x="8425469" y="4110329"/>
-            <a:ext cx="8178469" cy="2057690"/>
-            <a:chOff x="8425469" y="4110329"/>
-            <a:chExt cx="8178469" cy="2057690"/>
+            <a:off x="336494" y="2110571"/>
+            <a:ext cx="8308331" cy="7454286"/>
+            <a:chOff x="336494" y="2110571"/>
+            <a:chExt cx="8308331" cy="7454286"/>
           </a:xfrm>
         </p:grpSpPr>
         <p:pic>
           <p:nvPicPr>
-            <p:cNvPr id="18" name="Object 17"/>
+            <p:cNvPr id="9" name="Object 8"/>
             <p:cNvPicPr>
               <a:picLocks noChangeAspect="1"/>
             </p:cNvPicPr>
@@ -6949,8 +6179,8 @@
           </p:blipFill>
           <p:spPr>
             <a:xfrm>
-              <a:off x="8425469" y="4110329"/>
-              <a:ext cx="8178469" cy="2057690"/>
+              <a:off x="336494" y="2110571"/>
+              <a:ext cx="8308331" cy="7454286"/>
             </a:xfrm>
             <a:prstGeom prst="rect">
               <a:avLst/>
@@ -6958,97 +6188,23 @@
           </p:spPr>
         </p:pic>
       </p:grpSp>
-      <p:sp>
-        <p:nvSpPr>
-          <p:cNvPr id="20" name="Object 20"/>
-          <p:cNvSpPr txBox="1"/>
-          <p:nvPr/>
-        </p:nvSpPr>
-        <p:spPr>
-          <a:xfrm>
-            <a:off x="7102462" y="4567433"/>
-            <a:ext cx="1242857" cy="1726272"/>
-          </a:xfrm>
-          <a:prstGeom prst="rect">
-            <a:avLst/>
-          </a:prstGeom>
-          <a:noFill/>
-        </p:spPr>
-        <p:txBody>
-          <a:bodyPr anchor="t" wrap="square" rtlCol="0">
-            <a:spAutoFit/>
-          </a:bodyPr>
-          <a:lstStyle/>
-          <a:p>
-            <a:pPr algn="ctr"/>
-            <a:r>
-              <a:rPr lang="en-US" sz="6500" dirty="0" smtClean="0">
-                <a:solidFill>
-                  <a:srgbClr val="000000"/>
-                </a:solidFill>
-                <a:latin typeface="Noto Sans CJK KR Regular" pitchFamily="34" charset="0"/>
-                <a:cs typeface="Noto Sans CJK KR Regular" pitchFamily="34" charset="0"/>
-              </a:rPr>
-              <a:t>→</a:t>
-            </a:r>
-            <a:endParaRPr lang="en-US" dirty="0"/>
-          </a:p>
-        </p:txBody>
-      </p:sp>
-      <p:sp>
-        <p:nvSpPr>
-          <p:cNvPr id="21" name="Object 21"/>
-          <p:cNvSpPr txBox="1"/>
-          <p:nvPr/>
-        </p:nvSpPr>
-        <p:spPr>
-          <a:xfrm>
-            <a:off x="-513676" y="8386133"/>
-            <a:ext cx="8097921" cy="798267"/>
-          </a:xfrm>
-          <a:prstGeom prst="rect">
-            <a:avLst/>
-          </a:prstGeom>
-          <a:noFill/>
-        </p:spPr>
-        <p:txBody>
-          <a:bodyPr anchor="t" wrap="square" rtlCol="0">
-            <a:spAutoFit/>
-          </a:bodyPr>
-          <a:lstStyle/>
-          <a:p>
-            <a:pPr algn="ctr"/>
-            <a:r>
-              <a:rPr lang="en-US" sz="3000" dirty="0" smtClean="0">
-                <a:solidFill>
-                  <a:srgbClr val="000000"/>
-                </a:solidFill>
-                <a:latin typeface="Noto Sans CJK KR Regular" pitchFamily="34" charset="0"/>
-                <a:cs typeface="Noto Sans CJK KR Regular" pitchFamily="34" charset="0"/>
-              </a:rPr>
-              <a:t>insert_order_procedure</a:t>
-            </a:r>
-            <a:endParaRPr lang="en-US" dirty="0"/>
-          </a:p>
-        </p:txBody>
-      </p:sp>
       <p:grpSp>
         <p:nvGrpSpPr>
-          <p:cNvPr id="1006" name="그룹 1006"/>
+          <p:cNvPr id="1003" name="그룹 1003"/>
           <p:cNvGrpSpPr/>
           <p:nvPr/>
         </p:nvGrpSpPr>
         <p:grpSpPr>
           <a:xfrm>
-            <a:off x="8425469" y="7137380"/>
-            <a:ext cx="8178469" cy="2057690"/>
-            <a:chOff x="8425469" y="7137380"/>
-            <a:chExt cx="8178469" cy="2057690"/>
+            <a:off x="9740659" y="3886393"/>
+            <a:ext cx="8108139" cy="1660027"/>
+            <a:chOff x="9740659" y="3886393"/>
+            <a:chExt cx="8108139" cy="1660027"/>
           </a:xfrm>
         </p:grpSpPr>
         <p:pic>
           <p:nvPicPr>
-            <p:cNvPr id="23" name="Object 22"/>
+            <p:cNvPr id="12" name="Object 11"/>
             <p:cNvPicPr>
               <a:picLocks noChangeAspect="1"/>
             </p:cNvPicPr>
@@ -7062,8 +6218,8 @@
           </p:blipFill>
           <p:spPr>
             <a:xfrm>
-              <a:off x="8425469" y="7137380"/>
-              <a:ext cx="8178469" cy="2057690"/>
+              <a:off x="9740659" y="3886393"/>
+              <a:ext cx="8108139" cy="1660027"/>
             </a:xfrm>
             <a:prstGeom prst="rect">
               <a:avLst/>
@@ -7073,21 +6229,21 @@
       </p:grpSp>
       <p:grpSp>
         <p:nvGrpSpPr>
-          <p:cNvPr id="1007" name="그룹 1007"/>
+          <p:cNvPr id="1004" name="그룹 1004"/>
           <p:cNvGrpSpPr/>
           <p:nvPr/>
         </p:nvGrpSpPr>
         <p:grpSpPr>
           <a:xfrm>
-            <a:off x="8425469" y="7137380"/>
-            <a:ext cx="8178469" cy="2057690"/>
-            <a:chOff x="8425469" y="7137380"/>
-            <a:chExt cx="8178469" cy="2057690"/>
+            <a:off x="9740659" y="3886393"/>
+            <a:ext cx="8125722" cy="1660027"/>
+            <a:chOff x="9740659" y="3886393"/>
+            <a:chExt cx="8125722" cy="1660027"/>
           </a:xfrm>
         </p:grpSpPr>
         <p:pic>
           <p:nvPicPr>
-            <p:cNvPr id="26" name="Object 25"/>
+            <p:cNvPr id="15" name="Object 14"/>
             <p:cNvPicPr>
               <a:picLocks noChangeAspect="1"/>
             </p:cNvPicPr>
@@ -7101,8 +6257,8 @@
           </p:blipFill>
           <p:spPr>
             <a:xfrm>
-              <a:off x="8425469" y="7137380"/>
-              <a:ext cx="8178469" cy="2057690"/>
+              <a:off x="9740659" y="3886393"/>
+              <a:ext cx="8125722" cy="1660027"/>
             </a:xfrm>
             <a:prstGeom prst="rect">
               <a:avLst/>
@@ -7110,112 +6266,212 @@
           </p:spPr>
         </p:pic>
       </p:grpSp>
-      <p:sp>
-        <p:nvSpPr>
-          <p:cNvPr id="28" name="Object 28"/>
-          <p:cNvSpPr txBox="1"/>
-          <p:nvPr/>
-        </p:nvSpPr>
-        <p:spPr>
-          <a:xfrm rot="5400000">
-            <a:off x="11710457" y="5785714"/>
-            <a:ext cx="1045055" cy="1714286"/>
+      <p:pic>
+        <p:nvPicPr>
+          <p:cNvPr id="17" name="Object 16"/>
+          <p:cNvPicPr>
+            <a:picLocks noChangeAspect="1"/>
+          </p:cNvPicPr>
+          <p:nvPr/>
+        </p:nvPicPr>
+        <p:blipFill>
+          <a:blip r:embed="rId9" cstate="print"/>
+          <a:stretch>
+            <a:fillRect/>
+          </a:stretch>
+        </p:blipFill>
+        <p:spPr>
+          <a:xfrm>
+            <a:off x="8697344" y="4017677"/>
+            <a:ext cx="1350363" cy="1297325"/>
           </a:xfrm>
           <a:prstGeom prst="rect">
             <a:avLst/>
           </a:prstGeom>
-          <a:noFill/>
-        </p:spPr>
-        <p:txBody>
-          <a:bodyPr anchor="t" wrap="square" rtlCol="0">
-            <a:spAutoFit/>
-          </a:bodyPr>
-          <a:lstStyle/>
-          <a:p>
-            <a:pPr algn="ctr"/>
-            <a:r>
-              <a:rPr lang="en-US" sz="6500" dirty="0" smtClean="0">
-                <a:solidFill>
-                  <a:srgbClr val="000000"/>
-                </a:solidFill>
-                <a:latin typeface="Noto Sans CJK KR Regular" pitchFamily="34" charset="0"/>
-                <a:cs typeface="Noto Sans CJK KR Regular" pitchFamily="34" charset="0"/>
-              </a:rPr>
-              <a:t>→</a:t>
-            </a:r>
-            <a:endParaRPr lang="en-US" dirty="0"/>
-          </a:p>
-        </p:txBody>
-      </p:sp>
-      <p:sp>
-        <p:nvSpPr>
-          <p:cNvPr id="29" name="Object 29"/>
-          <p:cNvSpPr txBox="1"/>
-          <p:nvPr/>
-        </p:nvSpPr>
-        <p:spPr>
-          <a:xfrm>
-            <a:off x="10274157" y="9405914"/>
-            <a:ext cx="8097921" cy="798267"/>
+        </p:spPr>
+      </p:pic>
+      <p:pic>
+        <p:nvPicPr>
+          <p:cNvPr id="18" name="Object 17"/>
+          <p:cNvPicPr>
+            <a:picLocks noChangeAspect="1"/>
+          </p:cNvPicPr>
+          <p:nvPr/>
+        </p:nvPicPr>
+        <p:blipFill>
+          <a:blip r:embed="rId10" cstate="print"/>
+          <a:stretch>
+            <a:fillRect/>
+          </a:stretch>
+        </p:blipFill>
+        <p:spPr>
+          <a:xfrm>
+            <a:off x="1395085" y="9508581"/>
+            <a:ext cx="5092192" cy="713211"/>
           </a:xfrm>
           <a:prstGeom prst="rect">
             <a:avLst/>
           </a:prstGeom>
-          <a:noFill/>
-        </p:spPr>
-        <p:txBody>
-          <a:bodyPr anchor="t" wrap="square" rtlCol="0">
-            <a:spAutoFit/>
-          </a:bodyPr>
-          <a:lstStyle/>
-          <a:p>
-            <a:pPr algn="ctr"/>
-            <a:r>
-              <a:rPr lang="en-US" sz="3000" dirty="0" smtClean="0">
-                <a:solidFill>
-                  <a:srgbClr val="000000"/>
-                </a:solidFill>
-                <a:latin typeface="Noto Sans CJK KR Regular" pitchFamily="34" charset="0"/>
-                <a:cs typeface="Noto Sans CJK KR Regular" pitchFamily="34" charset="0"/>
-              </a:rPr>
-              <a:t>current_order_info_view</a:t>
-            </a:r>
-            <a:endParaRPr lang="en-US" dirty="0"/>
-          </a:p>
-        </p:txBody>
-      </p:sp>
+        </p:spPr>
+      </p:pic>
       <p:grpSp>
         <p:nvGrpSpPr>
-          <p:cNvPr id="1008" name="그룹 1008"/>
+          <p:cNvPr id="1005" name="그룹 1005"/>
           <p:cNvGrpSpPr/>
           <p:nvPr/>
         </p:nvGrpSpPr>
         <p:grpSpPr>
           <a:xfrm>
-            <a:off x="8425469" y="2110425"/>
-            <a:ext cx="7082223" cy="1786171"/>
-            <a:chOff x="8425469" y="2110425"/>
-            <a:chExt cx="7082223" cy="1786171"/>
+            <a:off x="9740659" y="7182415"/>
+            <a:ext cx="8108139" cy="1660027"/>
+            <a:chOff x="9740659" y="7182415"/>
+            <a:chExt cx="8108139" cy="1660027"/>
           </a:xfrm>
         </p:grpSpPr>
         <p:pic>
           <p:nvPicPr>
-            <p:cNvPr id="31" name="Object 30"/>
+            <p:cNvPr id="20" name="Object 19"/>
             <p:cNvPicPr>
               <a:picLocks noChangeAspect="1"/>
             </p:cNvPicPr>
             <p:nvPr/>
           </p:nvPicPr>
           <p:blipFill>
-            <a:blip r:embed="rId9" cstate="print"/>
+            <a:blip r:embed="rId11" cstate="print"/>
             <a:stretch>
               <a:fillRect/>
             </a:stretch>
           </p:blipFill>
           <p:spPr>
             <a:xfrm>
-              <a:off x="8425469" y="2110425"/>
-              <a:ext cx="7082223" cy="1786171"/>
+              <a:off x="9740659" y="7182415"/>
+              <a:ext cx="8108139" cy="1660027"/>
+            </a:xfrm>
+            <a:prstGeom prst="rect">
+              <a:avLst/>
+            </a:prstGeom>
+          </p:spPr>
+        </p:pic>
+      </p:grpSp>
+      <p:grpSp>
+        <p:nvGrpSpPr>
+          <p:cNvPr id="1006" name="그룹 1006"/>
+          <p:cNvGrpSpPr/>
+          <p:nvPr/>
+        </p:nvGrpSpPr>
+        <p:grpSpPr>
+          <a:xfrm>
+            <a:off x="9740659" y="7182415"/>
+            <a:ext cx="8125722" cy="1660027"/>
+            <a:chOff x="9740659" y="7182415"/>
+            <a:chExt cx="8125722" cy="1660027"/>
+          </a:xfrm>
+        </p:grpSpPr>
+        <p:pic>
+          <p:nvPicPr>
+            <p:cNvPr id="23" name="Object 22"/>
+            <p:cNvPicPr>
+              <a:picLocks noChangeAspect="1"/>
+            </p:cNvPicPr>
+            <p:nvPr/>
+          </p:nvPicPr>
+          <p:blipFill>
+            <a:blip r:embed="rId12" cstate="print"/>
+            <a:stretch>
+              <a:fillRect/>
+            </a:stretch>
+          </p:blipFill>
+          <p:spPr>
+            <a:xfrm>
+              <a:off x="9740659" y="7182415"/>
+              <a:ext cx="8125722" cy="1660027"/>
+            </a:xfrm>
+            <a:prstGeom prst="rect">
+              <a:avLst/>
+            </a:prstGeom>
+          </p:spPr>
+        </p:pic>
+      </p:grpSp>
+      <p:pic>
+        <p:nvPicPr>
+          <p:cNvPr id="25" name="Object 24"/>
+          <p:cNvPicPr>
+            <a:picLocks noChangeAspect="1"/>
+          </p:cNvPicPr>
+          <p:nvPr/>
+        </p:nvPicPr>
+        <p:blipFill>
+          <a:blip r:embed="rId13" cstate="print"/>
+          <a:stretch>
+            <a:fillRect/>
+          </a:stretch>
+        </p:blipFill>
+        <p:spPr>
+          <a:xfrm rot="5400000">
+            <a:off x="12932391" y="5959804"/>
+            <a:ext cx="1353659" cy="1297325"/>
+          </a:xfrm>
+          <a:prstGeom prst="rect">
+            <a:avLst/>
+          </a:prstGeom>
+        </p:spPr>
+      </p:pic>
+      <p:pic>
+        <p:nvPicPr>
+          <p:cNvPr id="26" name="Object 25"/>
+          <p:cNvPicPr>
+            <a:picLocks noChangeAspect="1"/>
+          </p:cNvPicPr>
+          <p:nvPr/>
+        </p:nvPicPr>
+        <p:blipFill>
+          <a:blip r:embed="rId14" cstate="print"/>
+          <a:stretch>
+            <a:fillRect/>
+          </a:stretch>
+        </p:blipFill>
+        <p:spPr>
+          <a:xfrm>
+            <a:off x="12393870" y="8976402"/>
+            <a:ext cx="5351297" cy="713211"/>
+          </a:xfrm>
+          <a:prstGeom prst="rect">
+            <a:avLst/>
+          </a:prstGeom>
+        </p:spPr>
+      </p:pic>
+      <p:grpSp>
+        <p:nvGrpSpPr>
+          <p:cNvPr id="1007" name="그룹 1007"/>
+          <p:cNvGrpSpPr/>
+          <p:nvPr/>
+        </p:nvGrpSpPr>
+        <p:grpSpPr>
+          <a:xfrm>
+            <a:off x="9740659" y="1861292"/>
+            <a:ext cx="6259341" cy="1813812"/>
+            <a:chOff x="9740659" y="1861292"/>
+            <a:chExt cx="6259341" cy="1813812"/>
+          </a:xfrm>
+        </p:grpSpPr>
+        <p:pic>
+          <p:nvPicPr>
+            <p:cNvPr id="28" name="Object 27"/>
+            <p:cNvPicPr>
+              <a:picLocks noChangeAspect="1"/>
+            </p:cNvPicPr>
+            <p:nvPr/>
+          </p:nvPicPr>
+          <p:blipFill>
+            <a:blip r:embed="rId15" cstate="print"/>
+            <a:stretch>
+              <a:fillRect/>
+            </a:stretch>
+          </p:blipFill>
+          <p:spPr>
+            <a:xfrm>
+              <a:off x="9740659" y="1861292"/>
+              <a:ext cx="6259341" cy="1813812"/>
             </a:xfrm>
             <a:prstGeom prst="rect">
               <a:avLst/>
@@ -7256,128 +6512,78 @@
           <a:chExt cx="0" cy="0"/>
         </a:xfrm>
       </p:grpSpPr>
-      <p:sp>
-        <p:nvSpPr>
-          <p:cNvPr id="2" name="Object 2"/>
-          <p:cNvSpPr txBox="1"/>
-          <p:nvPr/>
-        </p:nvSpPr>
-        <p:spPr>
-          <a:xfrm>
-            <a:off x="652575" y="552104"/>
-            <a:ext cx="14238117" cy="2016530"/>
+      <p:pic>
+        <p:nvPicPr>
+          <p:cNvPr id="2" name="Object 1"/>
+          <p:cNvPicPr>
+            <a:picLocks noChangeAspect="1"/>
+          </p:cNvPicPr>
+          <p:nvPr/>
+        </p:nvPicPr>
+        <p:blipFill>
+          <a:blip r:embed="rId2" cstate="print"/>
+          <a:stretch>
+            <a:fillRect/>
+          </a:stretch>
+        </p:blipFill>
+        <p:spPr>
+          <a:xfrm>
+            <a:off x="509722" y="409250"/>
+            <a:ext cx="9814499" cy="1674747"/>
           </a:xfrm>
           <a:prstGeom prst="rect">
             <a:avLst/>
           </a:prstGeom>
-          <a:noFill/>
-        </p:spPr>
-        <p:txBody>
-          <a:bodyPr anchor="t" wrap="square" rtlCol="0">
-            <a:spAutoFit/>
-          </a:bodyPr>
-          <a:lstStyle/>
-          <a:p>
-            <a:r>
-              <a:rPr lang="en-US" sz="7500" dirty="0" smtClean="0">
-                <a:solidFill>
-                  <a:srgbClr val="000000"/>
-                </a:solidFill>
-                <a:latin typeface="THELuxGoEB" pitchFamily="34" charset="0"/>
-                <a:cs typeface="THELuxGoEB" pitchFamily="34" charset="0"/>
-              </a:rPr>
-              <a:t>04. 프로젝트 수행 결과</a:t>
-            </a:r>
-          </a:p>
-          <a:p>
-            <a:r>
-              <a:rPr lang="en-US" sz="7500" dirty="0" smtClean="0">
-                <a:solidFill>
-                  <a:srgbClr val="000000"/>
-                </a:solidFill>
-                <a:latin typeface="THELuxGoEB" pitchFamily="34" charset="0"/>
-                <a:cs typeface="THELuxGoEB" pitchFamily="34" charset="0"/>
-              </a:rPr>
-              <a:t/>
-            </a:r>
-            <a:endParaRPr lang="en-US" dirty="0"/>
-          </a:p>
-        </p:txBody>
-      </p:sp>
-      <p:sp>
-        <p:nvSpPr>
-          <p:cNvPr id="3" name="Object 3"/>
-          <p:cNvSpPr txBox="1"/>
-          <p:nvPr/>
-        </p:nvSpPr>
-        <p:spPr>
-          <a:xfrm>
-            <a:off x="16310337" y="1133190"/>
-            <a:ext cx="1424176" cy="798267"/>
+        </p:spPr>
+      </p:pic>
+      <p:pic>
+        <p:nvPicPr>
+          <p:cNvPr id="3" name="Object 2"/>
+          <p:cNvPicPr>
+            <a:picLocks noChangeAspect="1"/>
+          </p:cNvPicPr>
+          <p:nvPr/>
+        </p:nvPicPr>
+        <p:blipFill>
+          <a:blip r:embed="rId3" cstate="print"/>
+          <a:stretch>
+            <a:fillRect/>
+          </a:stretch>
+        </p:blipFill>
+        <p:spPr>
+          <a:xfrm>
+            <a:off x="16491423" y="1076913"/>
+            <a:ext cx="1147897" cy="627497"/>
           </a:xfrm>
           <a:prstGeom prst="rect">
             <a:avLst/>
           </a:prstGeom>
-          <a:noFill/>
-        </p:spPr>
-        <p:txBody>
-          <a:bodyPr anchor="t" wrap="square" rtlCol="0">
-            <a:spAutoFit/>
-          </a:bodyPr>
-          <a:lstStyle/>
-          <a:p>
-            <a:pPr algn="ctr"/>
-            <a:r>
-              <a:rPr lang="en-US" sz="3000" dirty="0" smtClean="0">
-                <a:solidFill>
-                  <a:srgbClr val="000000"/>
-                </a:solidFill>
-                <a:latin typeface="Noto Sans CJK KR Regular" pitchFamily="34" charset="0"/>
-                <a:cs typeface="Noto Sans CJK KR Regular" pitchFamily="34" charset="0"/>
-              </a:rPr>
-              <a:t>Food</a:t>
-            </a:r>
-            <a:endParaRPr lang="en-US" dirty="0"/>
-          </a:p>
-        </p:txBody>
-      </p:sp>
-      <p:sp>
-        <p:nvSpPr>
-          <p:cNvPr id="4" name="Object 4"/>
-          <p:cNvSpPr txBox="1"/>
-          <p:nvPr/>
-        </p:nvSpPr>
-        <p:spPr>
-          <a:xfrm>
-            <a:off x="9440742" y="783192"/>
-            <a:ext cx="7111549" cy="1323263"/>
+        </p:spPr>
+      </p:pic>
+      <p:pic>
+        <p:nvPicPr>
+          <p:cNvPr id="4" name="Object 3"/>
+          <p:cNvPicPr>
+            <a:picLocks noChangeAspect="1"/>
+          </p:cNvPicPr>
+          <p:nvPr/>
+        </p:nvPicPr>
+        <p:blipFill>
+          <a:blip r:embed="rId4" cstate="print"/>
+          <a:stretch>
+            <a:fillRect/>
+          </a:stretch>
+        </p:blipFill>
+        <p:spPr>
+          <a:xfrm>
+            <a:off x="10531401" y="688594"/>
+            <a:ext cx="4957881" cy="1132728"/>
           </a:xfrm>
           <a:prstGeom prst="rect">
             <a:avLst/>
           </a:prstGeom>
-          <a:noFill/>
-        </p:spPr>
-        <p:txBody>
-          <a:bodyPr anchor="t" wrap="square" rtlCol="0">
-            <a:spAutoFit/>
-          </a:bodyPr>
-          <a:lstStyle/>
-          <a:p>
-            <a:pPr algn="ctr"/>
-            <a:r>
-              <a:rPr lang="en-US" sz="5000" dirty="0" smtClean="0">
-                <a:solidFill>
-                  <a:srgbClr val="000000"/>
-                </a:solidFill>
-                <a:latin typeface="Noto Sans CJK KR Medium" pitchFamily="34" charset="0"/>
-                <a:cs typeface="Noto Sans CJK KR Medium" pitchFamily="34" charset="0"/>
-              </a:rPr>
-              <a:t>Procedure 생성</a:t>
-            </a:r>
-            <a:endParaRPr lang="en-US" dirty="0"/>
-          </a:p>
-        </p:txBody>
-      </p:sp>
+        </p:spPr>
+      </p:pic>
       <p:grpSp>
         <p:nvGrpSpPr>
           <p:cNvPr id="1001" name="그룹 1001"/>
@@ -7386,132 +6592,15 @@
         </p:nvGrpSpPr>
         <p:grpSpPr>
           <a:xfrm>
-            <a:off x="354076" y="2110571"/>
-            <a:ext cx="8308331" cy="7454286"/>
-            <a:chOff x="354076" y="2110571"/>
-            <a:chExt cx="8308331" cy="7454286"/>
+            <a:off x="652575" y="1896457"/>
+            <a:ext cx="7886353" cy="6394385"/>
+            <a:chOff x="652575" y="1896457"/>
+            <a:chExt cx="7886353" cy="6394385"/>
           </a:xfrm>
         </p:grpSpPr>
         <p:pic>
           <p:nvPicPr>
             <p:cNvPr id="6" name="Object 5"/>
-            <p:cNvPicPr>
-              <a:picLocks noChangeAspect="1"/>
-            </p:cNvPicPr>
-            <p:nvPr/>
-          </p:nvPicPr>
-          <p:blipFill>
-            <a:blip r:embed="rId2" cstate="print"/>
-            <a:stretch>
-              <a:fillRect/>
-            </a:stretch>
-          </p:blipFill>
-          <p:spPr>
-            <a:xfrm>
-              <a:off x="354076" y="2110571"/>
-              <a:ext cx="8308331" cy="7454286"/>
-            </a:xfrm>
-            <a:prstGeom prst="rect">
-              <a:avLst/>
-            </a:prstGeom>
-          </p:spPr>
-        </p:pic>
-      </p:grpSp>
-      <p:grpSp>
-        <p:nvGrpSpPr>
-          <p:cNvPr id="1002" name="그룹 1002"/>
-          <p:cNvGrpSpPr/>
-          <p:nvPr/>
-        </p:nvGrpSpPr>
-        <p:grpSpPr>
-          <a:xfrm>
-            <a:off x="336494" y="2110571"/>
-            <a:ext cx="8308331" cy="7454286"/>
-            <a:chOff x="336494" y="2110571"/>
-            <a:chExt cx="8308331" cy="7454286"/>
-          </a:xfrm>
-        </p:grpSpPr>
-        <p:pic>
-          <p:nvPicPr>
-            <p:cNvPr id="9" name="Object 8"/>
-            <p:cNvPicPr>
-              <a:picLocks noChangeAspect="1"/>
-            </p:cNvPicPr>
-            <p:nvPr/>
-          </p:nvPicPr>
-          <p:blipFill>
-            <a:blip r:embed="rId3" cstate="print"/>
-            <a:stretch>
-              <a:fillRect/>
-            </a:stretch>
-          </p:blipFill>
-          <p:spPr>
-            <a:xfrm>
-              <a:off x="336494" y="2110571"/>
-              <a:ext cx="8308331" cy="7454286"/>
-            </a:xfrm>
-            <a:prstGeom prst="rect">
-              <a:avLst/>
-            </a:prstGeom>
-          </p:spPr>
-        </p:pic>
-      </p:grpSp>
-      <p:grpSp>
-        <p:nvGrpSpPr>
-          <p:cNvPr id="1003" name="그룹 1003"/>
-          <p:cNvGrpSpPr/>
-          <p:nvPr/>
-        </p:nvGrpSpPr>
-        <p:grpSpPr>
-          <a:xfrm>
-            <a:off x="9740659" y="3886393"/>
-            <a:ext cx="8108139" cy="1660027"/>
-            <a:chOff x="9740659" y="3886393"/>
-            <a:chExt cx="8108139" cy="1660027"/>
-          </a:xfrm>
-        </p:grpSpPr>
-        <p:pic>
-          <p:nvPicPr>
-            <p:cNvPr id="12" name="Object 11"/>
-            <p:cNvPicPr>
-              <a:picLocks noChangeAspect="1"/>
-            </p:cNvPicPr>
-            <p:nvPr/>
-          </p:nvPicPr>
-          <p:blipFill>
-            <a:blip r:embed="rId4" cstate="print"/>
-            <a:stretch>
-              <a:fillRect/>
-            </a:stretch>
-          </p:blipFill>
-          <p:spPr>
-            <a:xfrm>
-              <a:off x="9740659" y="3886393"/>
-              <a:ext cx="8108139" cy="1660027"/>
-            </a:xfrm>
-            <a:prstGeom prst="rect">
-              <a:avLst/>
-            </a:prstGeom>
-          </p:spPr>
-        </p:pic>
-      </p:grpSp>
-      <p:grpSp>
-        <p:nvGrpSpPr>
-          <p:cNvPr id="1004" name="그룹 1004"/>
-          <p:cNvGrpSpPr/>
-          <p:nvPr/>
-        </p:nvGrpSpPr>
-        <p:grpSpPr>
-          <a:xfrm>
-            <a:off x="9740659" y="3886393"/>
-            <a:ext cx="8125722" cy="1660027"/>
-            <a:chOff x="9740659" y="3886393"/>
-            <a:chExt cx="8125722" cy="1660027"/>
-          </a:xfrm>
-        </p:grpSpPr>
-        <p:pic>
-          <p:nvPicPr>
-            <p:cNvPr id="15" name="Object 14"/>
             <p:cNvPicPr>
               <a:picLocks noChangeAspect="1"/>
             </p:cNvPicPr>
@@ -7525,8 +6614,8 @@
           </p:blipFill>
           <p:spPr>
             <a:xfrm>
-              <a:off x="9740659" y="3886393"/>
-              <a:ext cx="8125722" cy="1660027"/>
+              <a:off x="652575" y="1896457"/>
+              <a:ext cx="7886353" cy="6394385"/>
             </a:xfrm>
             <a:prstGeom prst="rect">
               <a:avLst/>
@@ -7534,97 +6623,23 @@
           </p:spPr>
         </p:pic>
       </p:grpSp>
-      <p:sp>
-        <p:nvSpPr>
-          <p:cNvPr id="17" name="Object 17"/>
-          <p:cNvSpPr txBox="1"/>
-          <p:nvPr/>
-        </p:nvSpPr>
-        <p:spPr>
-          <a:xfrm>
-            <a:off x="8613507" y="4140983"/>
-            <a:ext cx="1242857" cy="1726272"/>
-          </a:xfrm>
-          <a:prstGeom prst="rect">
-            <a:avLst/>
-          </a:prstGeom>
-          <a:noFill/>
-        </p:spPr>
-        <p:txBody>
-          <a:bodyPr anchor="t" wrap="square" rtlCol="0">
-            <a:spAutoFit/>
-          </a:bodyPr>
-          <a:lstStyle/>
-          <a:p>
-            <a:pPr algn="ctr"/>
-            <a:r>
-              <a:rPr lang="en-US" sz="6500" dirty="0" smtClean="0">
-                <a:solidFill>
-                  <a:srgbClr val="000000"/>
-                </a:solidFill>
-                <a:latin typeface="Noto Sans CJK KR Regular" pitchFamily="34" charset="0"/>
-                <a:cs typeface="Noto Sans CJK KR Regular" pitchFamily="34" charset="0"/>
-              </a:rPr>
-              <a:t>→</a:t>
-            </a:r>
-            <a:endParaRPr lang="en-US" dirty="0"/>
-          </a:p>
-        </p:txBody>
-      </p:sp>
-      <p:sp>
-        <p:nvSpPr>
-          <p:cNvPr id="18" name="Object 18"/>
-          <p:cNvSpPr txBox="1"/>
-          <p:nvPr/>
-        </p:nvSpPr>
-        <p:spPr>
-          <a:xfrm>
-            <a:off x="101708" y="9564857"/>
-            <a:ext cx="8097921" cy="798267"/>
-          </a:xfrm>
-          <a:prstGeom prst="rect">
-            <a:avLst/>
-          </a:prstGeom>
-          <a:noFill/>
-        </p:spPr>
-        <p:txBody>
-          <a:bodyPr anchor="t" wrap="square" rtlCol="0">
-            <a:spAutoFit/>
-          </a:bodyPr>
-          <a:lstStyle/>
-          <a:p>
-            <a:pPr algn="ctr"/>
-            <a:r>
-              <a:rPr lang="en-US" sz="3000" dirty="0" smtClean="0">
-                <a:solidFill>
-                  <a:srgbClr val="000000"/>
-                </a:solidFill>
-                <a:latin typeface="Noto Sans CJK KR Regular" pitchFamily="34" charset="0"/>
-                <a:cs typeface="Noto Sans CJK KR Regular" pitchFamily="34" charset="0"/>
-              </a:rPr>
-              <a:t>add_delivery_procedure</a:t>
-            </a:r>
-            <a:endParaRPr lang="en-US" dirty="0"/>
-          </a:p>
-        </p:txBody>
-      </p:sp>
       <p:grpSp>
         <p:nvGrpSpPr>
-          <p:cNvPr id="1005" name="그룹 1005"/>
+          <p:cNvPr id="1002" name="그룹 1002"/>
           <p:cNvGrpSpPr/>
           <p:nvPr/>
         </p:nvGrpSpPr>
         <p:grpSpPr>
           <a:xfrm>
-            <a:off x="9740659" y="7182415"/>
-            <a:ext cx="8108139" cy="1660027"/>
-            <a:chOff x="9740659" y="7182415"/>
-            <a:chExt cx="8108139" cy="1660027"/>
+            <a:off x="652575" y="1896457"/>
+            <a:ext cx="7886353" cy="6394385"/>
+            <a:chOff x="652575" y="1896457"/>
+            <a:chExt cx="7886353" cy="6394385"/>
           </a:xfrm>
         </p:grpSpPr>
         <p:pic>
           <p:nvPicPr>
-            <p:cNvPr id="20" name="Object 19"/>
+            <p:cNvPr id="9" name="Object 8"/>
             <p:cNvPicPr>
               <a:picLocks noChangeAspect="1"/>
             </p:cNvPicPr>
@@ -7638,8 +6653,8 @@
           </p:blipFill>
           <p:spPr>
             <a:xfrm>
-              <a:off x="9740659" y="7182415"/>
-              <a:ext cx="8108139" cy="1660027"/>
+              <a:off x="652575" y="1896457"/>
+              <a:ext cx="7886353" cy="6394385"/>
             </a:xfrm>
             <a:prstGeom prst="rect">
               <a:avLst/>
@@ -7647,136 +6662,47 @@
           </p:spPr>
         </p:pic>
       </p:grpSp>
+      <p:pic>
+        <p:nvPicPr>
+          <p:cNvPr id="11" name="Object 10"/>
+          <p:cNvPicPr>
+            <a:picLocks noChangeAspect="1"/>
+          </p:cNvPicPr>
+          <p:nvPr/>
+        </p:nvPicPr>
+        <p:blipFill>
+          <a:blip r:embed="rId7" cstate="print"/>
+          <a:stretch>
+            <a:fillRect/>
+          </a:stretch>
+        </p:blipFill>
+        <p:spPr>
+          <a:xfrm>
+            <a:off x="2051157" y="8418474"/>
+            <a:ext cx="5162059" cy="713211"/>
+          </a:xfrm>
+          <a:prstGeom prst="rect">
+            <a:avLst/>
+          </a:prstGeom>
+        </p:spPr>
+      </p:pic>
       <p:grpSp>
         <p:nvGrpSpPr>
-          <p:cNvPr id="1006" name="그룹 1006"/>
+          <p:cNvPr id="1003" name="그룹 1003"/>
           <p:cNvGrpSpPr/>
           <p:nvPr/>
         </p:nvGrpSpPr>
         <p:grpSpPr>
           <a:xfrm>
-            <a:off x="9740659" y="7182415"/>
+            <a:off x="9828571" y="4228472"/>
             <a:ext cx="8125722" cy="1660027"/>
-            <a:chOff x="9740659" y="7182415"/>
+            <a:chOff x="9828571" y="4228472"/>
             <a:chExt cx="8125722" cy="1660027"/>
           </a:xfrm>
         </p:grpSpPr>
         <p:pic>
           <p:nvPicPr>
-            <p:cNvPr id="23" name="Object 22"/>
-            <p:cNvPicPr>
-              <a:picLocks noChangeAspect="1"/>
-            </p:cNvPicPr>
-            <p:nvPr/>
-          </p:nvPicPr>
-          <p:blipFill>
-            <a:blip r:embed="rId7" cstate="print"/>
-            <a:stretch>
-              <a:fillRect/>
-            </a:stretch>
-          </p:blipFill>
-          <p:spPr>
-            <a:xfrm>
-              <a:off x="9740659" y="7182415"/>
-              <a:ext cx="8125722" cy="1660027"/>
-            </a:xfrm>
-            <a:prstGeom prst="rect">
-              <a:avLst/>
-            </a:prstGeom>
-          </p:spPr>
-        </p:pic>
-      </p:grpSp>
-      <p:sp>
-        <p:nvSpPr>
-          <p:cNvPr id="25" name="Object 25"/>
-          <p:cNvSpPr txBox="1"/>
-          <p:nvPr/>
-        </p:nvSpPr>
-        <p:spPr>
-          <a:xfrm rot="5400000">
-            <a:off x="12650013" y="5606092"/>
-            <a:ext cx="1242857" cy="1726272"/>
-          </a:xfrm>
-          <a:prstGeom prst="rect">
-            <a:avLst/>
-          </a:prstGeom>
-          <a:noFill/>
-        </p:spPr>
-        <p:txBody>
-          <a:bodyPr anchor="t" wrap="square" rtlCol="0">
-            <a:spAutoFit/>
-          </a:bodyPr>
-          <a:lstStyle/>
-          <a:p>
-            <a:pPr algn="ctr"/>
-            <a:r>
-              <a:rPr lang="en-US" sz="6500" dirty="0" smtClean="0">
-                <a:solidFill>
-                  <a:srgbClr val="000000"/>
-                </a:solidFill>
-                <a:latin typeface="Noto Sans CJK KR Regular" pitchFamily="34" charset="0"/>
-                <a:cs typeface="Noto Sans CJK KR Regular" pitchFamily="34" charset="0"/>
-              </a:rPr>
-              <a:t>→</a:t>
-            </a:r>
-            <a:endParaRPr lang="en-US" dirty="0"/>
-          </a:p>
-        </p:txBody>
-      </p:sp>
-      <p:sp>
-        <p:nvSpPr>
-          <p:cNvPr id="26" name="Object 26"/>
-          <p:cNvSpPr txBox="1"/>
-          <p:nvPr/>
-        </p:nvSpPr>
-        <p:spPr>
-          <a:xfrm>
-            <a:off x="11100493" y="9032679"/>
-            <a:ext cx="8097921" cy="798267"/>
-          </a:xfrm>
-          <a:prstGeom prst="rect">
-            <a:avLst/>
-          </a:prstGeom>
-          <a:noFill/>
-        </p:spPr>
-        <p:txBody>
-          <a:bodyPr anchor="t" wrap="square" rtlCol="0">
-            <a:spAutoFit/>
-          </a:bodyPr>
-          <a:lstStyle/>
-          <a:p>
-            <a:pPr algn="ctr"/>
-            <a:r>
-              <a:rPr lang="en-US" sz="3000" dirty="0" smtClean="0">
-                <a:solidFill>
-                  <a:srgbClr val="000000"/>
-                </a:solidFill>
-                <a:latin typeface="Noto Sans CJK KR Regular" pitchFamily="34" charset="0"/>
-                <a:cs typeface="Noto Sans CJK KR Regular" pitchFamily="34" charset="0"/>
-              </a:rPr>
-              <a:t>current_delivery_info_view</a:t>
-            </a:r>
-            <a:endParaRPr lang="en-US" dirty="0"/>
-          </a:p>
-        </p:txBody>
-      </p:sp>
-      <p:grpSp>
-        <p:nvGrpSpPr>
-          <p:cNvPr id="1007" name="그룹 1007"/>
-          <p:cNvGrpSpPr/>
-          <p:nvPr/>
-        </p:nvGrpSpPr>
-        <p:grpSpPr>
-          <a:xfrm>
-            <a:off x="9740659" y="1861292"/>
-            <a:ext cx="6259341" cy="1813812"/>
-            <a:chOff x="9740659" y="1861292"/>
-            <a:chExt cx="6259341" cy="1813812"/>
-          </a:xfrm>
-        </p:grpSpPr>
-        <p:pic>
-          <p:nvPicPr>
-            <p:cNvPr id="28" name="Object 27"/>
+            <p:cNvPr id="13" name="Object 12"/>
             <p:cNvPicPr>
               <a:picLocks noChangeAspect="1"/>
             </p:cNvPicPr>
@@ -7790,8 +6716,110 @@
           </p:blipFill>
           <p:spPr>
             <a:xfrm>
-              <a:off x="9740659" y="1861292"/>
-              <a:ext cx="6259341" cy="1813812"/>
+              <a:off x="9828571" y="4228472"/>
+              <a:ext cx="8125722" cy="1660027"/>
+            </a:xfrm>
+            <a:prstGeom prst="rect">
+              <a:avLst/>
+            </a:prstGeom>
+          </p:spPr>
+        </p:pic>
+      </p:grpSp>
+      <p:pic>
+        <p:nvPicPr>
+          <p:cNvPr id="15" name="Object 14"/>
+          <p:cNvPicPr>
+            <a:picLocks noChangeAspect="1"/>
+          </p:cNvPicPr>
+          <p:nvPr/>
+        </p:nvPicPr>
+        <p:blipFill>
+          <a:blip r:embed="rId9" cstate="print"/>
+          <a:stretch>
+            <a:fillRect/>
+          </a:stretch>
+        </p:blipFill>
+        <p:spPr>
+          <a:xfrm>
+            <a:off x="8693178" y="4426546"/>
+            <a:ext cx="1350363" cy="1297325"/>
+          </a:xfrm>
+          <a:prstGeom prst="rect">
+            <a:avLst/>
+          </a:prstGeom>
+        </p:spPr>
+      </p:pic>
+      <p:grpSp>
+        <p:nvGrpSpPr>
+          <p:cNvPr id="1004" name="그룹 1004"/>
+          <p:cNvGrpSpPr/>
+          <p:nvPr/>
+        </p:nvGrpSpPr>
+        <p:grpSpPr>
+          <a:xfrm>
+            <a:off x="9866667" y="4270017"/>
+            <a:ext cx="8020227" cy="1588905"/>
+            <a:chOff x="9866667" y="4270017"/>
+            <a:chExt cx="8020227" cy="1588905"/>
+          </a:xfrm>
+        </p:grpSpPr>
+        <p:pic>
+          <p:nvPicPr>
+            <p:cNvPr id="17" name="Object 16"/>
+            <p:cNvPicPr>
+              <a:picLocks noChangeAspect="1"/>
+            </p:cNvPicPr>
+            <p:nvPr/>
+          </p:nvPicPr>
+          <p:blipFill>
+            <a:blip r:embed="rId10" cstate="print"/>
+            <a:stretch>
+              <a:fillRect/>
+            </a:stretch>
+          </p:blipFill>
+          <p:spPr>
+            <a:xfrm>
+              <a:off x="9866667" y="4270017"/>
+              <a:ext cx="8020227" cy="1588905"/>
+            </a:xfrm>
+            <a:prstGeom prst="rect">
+              <a:avLst/>
+            </a:prstGeom>
+          </p:spPr>
+        </p:pic>
+      </p:grpSp>
+      <p:grpSp>
+        <p:nvGrpSpPr>
+          <p:cNvPr id="1005" name="그룹 1005"/>
+          <p:cNvGrpSpPr/>
+          <p:nvPr/>
+        </p:nvGrpSpPr>
+        <p:grpSpPr>
+          <a:xfrm>
+            <a:off x="9810989" y="1896457"/>
+            <a:ext cx="6171429" cy="1694118"/>
+            <a:chOff x="9810989" y="1896457"/>
+            <a:chExt cx="6171429" cy="1694118"/>
+          </a:xfrm>
+        </p:grpSpPr>
+        <p:pic>
+          <p:nvPicPr>
+            <p:cNvPr id="20" name="Object 19"/>
+            <p:cNvPicPr>
+              <a:picLocks noChangeAspect="1"/>
+            </p:cNvPicPr>
+            <p:nvPr/>
+          </p:nvPicPr>
+          <p:blipFill>
+            <a:blip r:embed="rId11" cstate="print"/>
+            <a:stretch>
+              <a:fillRect/>
+            </a:stretch>
+          </p:blipFill>
+          <p:spPr>
+            <a:xfrm>
+              <a:off x="9810989" y="1896457"/>
+              <a:ext cx="6171429" cy="1694118"/>
             </a:xfrm>
             <a:prstGeom prst="rect">
               <a:avLst/>
@@ -7832,128 +6860,6 @@
           <a:chExt cx="0" cy="0"/>
         </a:xfrm>
       </p:grpSpPr>
-      <p:sp>
-        <p:nvSpPr>
-          <p:cNvPr id="2" name="Object 2"/>
-          <p:cNvSpPr txBox="1"/>
-          <p:nvPr/>
-        </p:nvSpPr>
-        <p:spPr>
-          <a:xfrm>
-            <a:off x="652575" y="552104"/>
-            <a:ext cx="14238117" cy="2016530"/>
-          </a:xfrm>
-          <a:prstGeom prst="rect">
-            <a:avLst/>
-          </a:prstGeom>
-          <a:noFill/>
-        </p:spPr>
-        <p:txBody>
-          <a:bodyPr anchor="t" wrap="square" rtlCol="0">
-            <a:spAutoFit/>
-          </a:bodyPr>
-          <a:lstStyle/>
-          <a:p>
-            <a:r>
-              <a:rPr lang="en-US" sz="7500" dirty="0" smtClean="0">
-                <a:solidFill>
-                  <a:srgbClr val="000000"/>
-                </a:solidFill>
-                <a:latin typeface="THELuxGoEB" pitchFamily="34" charset="0"/>
-                <a:cs typeface="THELuxGoEB" pitchFamily="34" charset="0"/>
-              </a:rPr>
-              <a:t>04. 프로젝트 수행 결과</a:t>
-            </a:r>
-          </a:p>
-          <a:p>
-            <a:r>
-              <a:rPr lang="en-US" sz="7500" dirty="0" smtClean="0">
-                <a:solidFill>
-                  <a:srgbClr val="000000"/>
-                </a:solidFill>
-                <a:latin typeface="THELuxGoEB" pitchFamily="34" charset="0"/>
-                <a:cs typeface="THELuxGoEB" pitchFamily="34" charset="0"/>
-              </a:rPr>
-              <a:t/>
-            </a:r>
-            <a:endParaRPr lang="en-US" dirty="0"/>
-          </a:p>
-        </p:txBody>
-      </p:sp>
-      <p:sp>
-        <p:nvSpPr>
-          <p:cNvPr id="3" name="Object 3"/>
-          <p:cNvSpPr txBox="1"/>
-          <p:nvPr/>
-        </p:nvSpPr>
-        <p:spPr>
-          <a:xfrm>
-            <a:off x="16310337" y="1133190"/>
-            <a:ext cx="1424176" cy="798267"/>
-          </a:xfrm>
-          <a:prstGeom prst="rect">
-            <a:avLst/>
-          </a:prstGeom>
-          <a:noFill/>
-        </p:spPr>
-        <p:txBody>
-          <a:bodyPr anchor="t" wrap="square" rtlCol="0">
-            <a:spAutoFit/>
-          </a:bodyPr>
-          <a:lstStyle/>
-          <a:p>
-            <a:pPr algn="ctr"/>
-            <a:r>
-              <a:rPr lang="en-US" sz="3000" dirty="0" smtClean="0">
-                <a:solidFill>
-                  <a:srgbClr val="000000"/>
-                </a:solidFill>
-                <a:latin typeface="Noto Sans CJK KR Regular" pitchFamily="34" charset="0"/>
-                <a:cs typeface="Noto Sans CJK KR Regular" pitchFamily="34" charset="0"/>
-              </a:rPr>
-              <a:t>Food</a:t>
-            </a:r>
-            <a:endParaRPr lang="en-US" dirty="0"/>
-          </a:p>
-        </p:txBody>
-      </p:sp>
-      <p:sp>
-        <p:nvSpPr>
-          <p:cNvPr id="4" name="Object 4"/>
-          <p:cNvSpPr txBox="1"/>
-          <p:nvPr/>
-        </p:nvSpPr>
-        <p:spPr>
-          <a:xfrm>
-            <a:off x="9440742" y="783192"/>
-            <a:ext cx="7111549" cy="1323263"/>
-          </a:xfrm>
-          <a:prstGeom prst="rect">
-            <a:avLst/>
-          </a:prstGeom>
-          <a:noFill/>
-        </p:spPr>
-        <p:txBody>
-          <a:bodyPr anchor="t" wrap="square" rtlCol="0">
-            <a:spAutoFit/>
-          </a:bodyPr>
-          <a:lstStyle/>
-          <a:p>
-            <a:pPr algn="ctr"/>
-            <a:r>
-              <a:rPr lang="en-US" sz="5000" dirty="0" smtClean="0">
-                <a:solidFill>
-                  <a:srgbClr val="000000"/>
-                </a:solidFill>
-                <a:latin typeface="Noto Sans CJK KR Medium" pitchFamily="34" charset="0"/>
-                <a:cs typeface="Noto Sans CJK KR Medium" pitchFamily="34" charset="0"/>
-              </a:rPr>
-              <a:t>Procedure 생성</a:t>
-            </a:r>
-            <a:endParaRPr lang="en-US" dirty="0"/>
-          </a:p>
-        </p:txBody>
-      </p:sp>
       <p:grpSp>
         <p:nvGrpSpPr>
           <p:cNvPr id="1001" name="그룹 1001"/>
@@ -7962,15 +6868,15 @@
         </p:nvGrpSpPr>
         <p:grpSpPr>
           <a:xfrm>
-            <a:off x="652575" y="1896457"/>
-            <a:ext cx="7886353" cy="6394385"/>
-            <a:chOff x="652575" y="1896457"/>
-            <a:chExt cx="7886353" cy="6394385"/>
+            <a:off x="7492775" y="8281319"/>
+            <a:ext cx="10004375" cy="1660027"/>
+            <a:chOff x="7492775" y="8281319"/>
+            <a:chExt cx="10004375" cy="1660027"/>
           </a:xfrm>
         </p:grpSpPr>
         <p:pic>
           <p:nvPicPr>
-            <p:cNvPr id="6" name="Object 5"/>
+            <p:cNvPr id="3" name="Object 2"/>
             <p:cNvPicPr>
               <a:picLocks noChangeAspect="1"/>
             </p:cNvPicPr>
@@ -7984,8 +6890,8 @@
           </p:blipFill>
           <p:spPr>
             <a:xfrm>
-              <a:off x="652575" y="1896457"/>
-              <a:ext cx="7886353" cy="6394385"/>
+              <a:off x="7492775" y="8281319"/>
+              <a:ext cx="10004375" cy="1660027"/>
             </a:xfrm>
             <a:prstGeom prst="rect">
               <a:avLst/>
@@ -7993,6 +6899,78 @@
           </p:spPr>
         </p:pic>
       </p:grpSp>
+      <p:pic>
+        <p:nvPicPr>
+          <p:cNvPr id="5" name="Object 4"/>
+          <p:cNvPicPr>
+            <a:picLocks noChangeAspect="1"/>
+          </p:cNvPicPr>
+          <p:nvPr/>
+        </p:nvPicPr>
+        <p:blipFill>
+          <a:blip r:embed="rId3" cstate="print"/>
+          <a:stretch>
+            <a:fillRect/>
+          </a:stretch>
+        </p:blipFill>
+        <p:spPr>
+          <a:xfrm>
+            <a:off x="509722" y="409250"/>
+            <a:ext cx="9814499" cy="1674747"/>
+          </a:xfrm>
+          <a:prstGeom prst="rect">
+            <a:avLst/>
+          </a:prstGeom>
+        </p:spPr>
+      </p:pic>
+      <p:pic>
+        <p:nvPicPr>
+          <p:cNvPr id="6" name="Object 5"/>
+          <p:cNvPicPr>
+            <a:picLocks noChangeAspect="1"/>
+          </p:cNvPicPr>
+          <p:nvPr/>
+        </p:nvPicPr>
+        <p:blipFill>
+          <a:blip r:embed="rId4" cstate="print"/>
+          <a:stretch>
+            <a:fillRect/>
+          </a:stretch>
+        </p:blipFill>
+        <p:spPr>
+          <a:xfrm>
+            <a:off x="16491423" y="1076913"/>
+            <a:ext cx="1147897" cy="627497"/>
+          </a:xfrm>
+          <a:prstGeom prst="rect">
+            <a:avLst/>
+          </a:prstGeom>
+        </p:spPr>
+      </p:pic>
+      <p:pic>
+        <p:nvPicPr>
+          <p:cNvPr id="7" name="Object 6"/>
+          <p:cNvPicPr>
+            <a:picLocks noChangeAspect="1"/>
+          </p:cNvPicPr>
+          <p:nvPr/>
+        </p:nvPicPr>
+        <p:blipFill>
+          <a:blip r:embed="rId5" cstate="print"/>
+          <a:stretch>
+            <a:fillRect/>
+          </a:stretch>
+        </p:blipFill>
+        <p:spPr>
+          <a:xfrm>
+            <a:off x="10531401" y="688594"/>
+            <a:ext cx="4957881" cy="1132728"/>
+          </a:xfrm>
+          <a:prstGeom prst="rect">
+            <a:avLst/>
+          </a:prstGeom>
+        </p:spPr>
+      </p:pic>
       <p:grpSp>
         <p:nvGrpSpPr>
           <p:cNvPr id="1002" name="그룹 1002"/>
@@ -8001,206 +6979,15 @@
         </p:nvGrpSpPr>
         <p:grpSpPr>
           <a:xfrm>
-            <a:off x="652575" y="1896457"/>
-            <a:ext cx="7886353" cy="6394385"/>
-            <a:chOff x="652575" y="1896457"/>
-            <a:chExt cx="7886353" cy="6394385"/>
+            <a:off x="652575" y="1922098"/>
+            <a:ext cx="7436663" cy="5996609"/>
+            <a:chOff x="652575" y="1922098"/>
+            <a:chExt cx="7436663" cy="5996609"/>
           </a:xfrm>
         </p:grpSpPr>
         <p:pic>
           <p:nvPicPr>
             <p:cNvPr id="9" name="Object 8"/>
-            <p:cNvPicPr>
-              <a:picLocks noChangeAspect="1"/>
-            </p:cNvPicPr>
-            <p:nvPr/>
-          </p:nvPicPr>
-          <p:blipFill>
-            <a:blip r:embed="rId3" cstate="print"/>
-            <a:stretch>
-              <a:fillRect/>
-            </a:stretch>
-          </p:blipFill>
-          <p:spPr>
-            <a:xfrm>
-              <a:off x="652575" y="1896457"/>
-              <a:ext cx="7886353" cy="6394385"/>
-            </a:xfrm>
-            <a:prstGeom prst="rect">
-              <a:avLst/>
-            </a:prstGeom>
-          </p:spPr>
-        </p:pic>
-      </p:grpSp>
-      <p:sp>
-        <p:nvSpPr>
-          <p:cNvPr id="11" name="Object 11"/>
-          <p:cNvSpPr txBox="1"/>
-          <p:nvPr/>
-        </p:nvSpPr>
-        <p:spPr>
-          <a:xfrm>
-            <a:off x="757780" y="8474751"/>
-            <a:ext cx="8097921" cy="798267"/>
-          </a:xfrm>
-          <a:prstGeom prst="rect">
-            <a:avLst/>
-          </a:prstGeom>
-          <a:noFill/>
-        </p:spPr>
-        <p:txBody>
-          <a:bodyPr anchor="t" wrap="square" rtlCol="0">
-            <a:spAutoFit/>
-          </a:bodyPr>
-          <a:lstStyle/>
-          <a:p>
-            <a:pPr algn="ctr"/>
-            <a:r>
-              <a:rPr lang="en-US" sz="3000" dirty="0" smtClean="0">
-                <a:solidFill>
-                  <a:srgbClr val="000000"/>
-                </a:solidFill>
-                <a:latin typeface="Noto Sans CJK KR Regular" pitchFamily="34" charset="0"/>
-                <a:cs typeface="Noto Sans CJK KR Regular" pitchFamily="34" charset="0"/>
-              </a:rPr>
-              <a:t>add_payment_procedure</a:t>
-            </a:r>
-            <a:endParaRPr lang="en-US" dirty="0"/>
-          </a:p>
-        </p:txBody>
-      </p:sp>
-      <p:grpSp>
-        <p:nvGrpSpPr>
-          <p:cNvPr id="1003" name="그룹 1003"/>
-          <p:cNvGrpSpPr/>
-          <p:nvPr/>
-        </p:nvGrpSpPr>
-        <p:grpSpPr>
-          <a:xfrm>
-            <a:off x="9828571" y="4228472"/>
-            <a:ext cx="8125722" cy="1660027"/>
-            <a:chOff x="9828571" y="4228472"/>
-            <a:chExt cx="8125722" cy="1660027"/>
-          </a:xfrm>
-        </p:grpSpPr>
-        <p:pic>
-          <p:nvPicPr>
-            <p:cNvPr id="13" name="Object 12"/>
-            <p:cNvPicPr>
-              <a:picLocks noChangeAspect="1"/>
-            </p:cNvPicPr>
-            <p:nvPr/>
-          </p:nvPicPr>
-          <p:blipFill>
-            <a:blip r:embed="rId4" cstate="print"/>
-            <a:stretch>
-              <a:fillRect/>
-            </a:stretch>
-          </p:blipFill>
-          <p:spPr>
-            <a:xfrm>
-              <a:off x="9828571" y="4228472"/>
-              <a:ext cx="8125722" cy="1660027"/>
-            </a:xfrm>
-            <a:prstGeom prst="rect">
-              <a:avLst/>
-            </a:prstGeom>
-          </p:spPr>
-        </p:pic>
-      </p:grpSp>
-      <p:sp>
-        <p:nvSpPr>
-          <p:cNvPr id="15" name="Object 15"/>
-          <p:cNvSpPr txBox="1"/>
-          <p:nvPr/>
-        </p:nvSpPr>
-        <p:spPr>
-          <a:xfrm>
-            <a:off x="8609341" y="4549851"/>
-            <a:ext cx="1242857" cy="1726272"/>
-          </a:xfrm>
-          <a:prstGeom prst="rect">
-            <a:avLst/>
-          </a:prstGeom>
-          <a:noFill/>
-        </p:spPr>
-        <p:txBody>
-          <a:bodyPr anchor="t" wrap="square" rtlCol="0">
-            <a:spAutoFit/>
-          </a:bodyPr>
-          <a:lstStyle/>
-          <a:p>
-            <a:pPr algn="ctr"/>
-            <a:r>
-              <a:rPr lang="en-US" sz="6500" dirty="0" smtClean="0">
-                <a:solidFill>
-                  <a:srgbClr val="000000"/>
-                </a:solidFill>
-                <a:latin typeface="Noto Sans CJK KR Regular" pitchFamily="34" charset="0"/>
-                <a:cs typeface="Noto Sans CJK KR Regular" pitchFamily="34" charset="0"/>
-              </a:rPr>
-              <a:t>→</a:t>
-            </a:r>
-            <a:endParaRPr lang="en-US" dirty="0"/>
-          </a:p>
-        </p:txBody>
-      </p:sp>
-      <p:grpSp>
-        <p:nvGrpSpPr>
-          <p:cNvPr id="1004" name="그룹 1004"/>
-          <p:cNvGrpSpPr/>
-          <p:nvPr/>
-        </p:nvGrpSpPr>
-        <p:grpSpPr>
-          <a:xfrm>
-            <a:off x="9866667" y="4270017"/>
-            <a:ext cx="8020227" cy="1588905"/>
-            <a:chOff x="9866667" y="4270017"/>
-            <a:chExt cx="8020227" cy="1588905"/>
-          </a:xfrm>
-        </p:grpSpPr>
-        <p:pic>
-          <p:nvPicPr>
-            <p:cNvPr id="17" name="Object 16"/>
-            <p:cNvPicPr>
-              <a:picLocks noChangeAspect="1"/>
-            </p:cNvPicPr>
-            <p:nvPr/>
-          </p:nvPicPr>
-          <p:blipFill>
-            <a:blip r:embed="rId5" cstate="print"/>
-            <a:stretch>
-              <a:fillRect/>
-            </a:stretch>
-          </p:blipFill>
-          <p:spPr>
-            <a:xfrm>
-              <a:off x="9866667" y="4270017"/>
-              <a:ext cx="8020227" cy="1588905"/>
-            </a:xfrm>
-            <a:prstGeom prst="rect">
-              <a:avLst/>
-            </a:prstGeom>
-          </p:spPr>
-        </p:pic>
-      </p:grpSp>
-      <p:grpSp>
-        <p:nvGrpSpPr>
-          <p:cNvPr id="1005" name="그룹 1005"/>
-          <p:cNvGrpSpPr/>
-          <p:nvPr/>
-        </p:nvGrpSpPr>
-        <p:grpSpPr>
-          <a:xfrm>
-            <a:off x="9810989" y="1896457"/>
-            <a:ext cx="6171429" cy="1694118"/>
-            <a:chOff x="9810989" y="1896457"/>
-            <a:chExt cx="6171429" cy="1694118"/>
-          </a:xfrm>
-        </p:grpSpPr>
-        <p:pic>
-          <p:nvPicPr>
-            <p:cNvPr id="20" name="Object 19"/>
             <p:cNvPicPr>
               <a:picLocks noChangeAspect="1"/>
             </p:cNvPicPr>
@@ -8214,8 +7001,368 @@
           </p:blipFill>
           <p:spPr>
             <a:xfrm>
-              <a:off x="9810989" y="1896457"/>
-              <a:ext cx="6171429" cy="1694118"/>
+              <a:off x="652575" y="1922098"/>
+              <a:ext cx="7436663" cy="5996609"/>
+            </a:xfrm>
+            <a:prstGeom prst="rect">
+              <a:avLst/>
+            </a:prstGeom>
+          </p:spPr>
+        </p:pic>
+      </p:grpSp>
+      <p:grpSp>
+        <p:nvGrpSpPr>
+          <p:cNvPr id="1003" name="그룹 1003"/>
+          <p:cNvGrpSpPr/>
+          <p:nvPr/>
+        </p:nvGrpSpPr>
+        <p:grpSpPr>
+          <a:xfrm>
+            <a:off x="652575" y="1910500"/>
+            <a:ext cx="7455909" cy="6045373"/>
+            <a:chOff x="652575" y="1910500"/>
+            <a:chExt cx="7455909" cy="6045373"/>
+          </a:xfrm>
+        </p:grpSpPr>
+        <p:pic>
+          <p:nvPicPr>
+            <p:cNvPr id="12" name="Object 11"/>
+            <p:cNvPicPr>
+              <a:picLocks noChangeAspect="1"/>
+            </p:cNvPicPr>
+            <p:nvPr/>
+          </p:nvPicPr>
+          <p:blipFill>
+            <a:blip r:embed="rId7" cstate="print"/>
+            <a:stretch>
+              <a:fillRect/>
+            </a:stretch>
+          </p:blipFill>
+          <p:spPr>
+            <a:xfrm>
+              <a:off x="652575" y="1910500"/>
+              <a:ext cx="7455909" cy="6045373"/>
+            </a:xfrm>
+            <a:prstGeom prst="rect">
+              <a:avLst/>
+            </a:prstGeom>
+          </p:spPr>
+        </p:pic>
+      </p:grpSp>
+      <p:grpSp>
+        <p:nvGrpSpPr>
+          <p:cNvPr id="1004" name="그룹 1004"/>
+          <p:cNvGrpSpPr/>
+          <p:nvPr/>
+        </p:nvGrpSpPr>
+        <p:grpSpPr>
+          <a:xfrm>
+            <a:off x="7492775" y="8281319"/>
+            <a:ext cx="10004375" cy="1660027"/>
+            <a:chOff x="7492775" y="8281319"/>
+            <a:chExt cx="10004375" cy="1660027"/>
+          </a:xfrm>
+        </p:grpSpPr>
+        <p:pic>
+          <p:nvPicPr>
+            <p:cNvPr id="15" name="Object 14"/>
+            <p:cNvPicPr>
+              <a:picLocks noChangeAspect="1"/>
+            </p:cNvPicPr>
+            <p:nvPr/>
+          </p:nvPicPr>
+          <p:blipFill>
+            <a:blip r:embed="rId8" cstate="print"/>
+            <a:stretch>
+              <a:fillRect/>
+            </a:stretch>
+          </p:blipFill>
+          <p:spPr>
+            <a:xfrm>
+              <a:off x="7492775" y="8281319"/>
+              <a:ext cx="10004375" cy="1660027"/>
+            </a:xfrm>
+            <a:prstGeom prst="rect">
+              <a:avLst/>
+            </a:prstGeom>
+          </p:spPr>
+        </p:pic>
+      </p:grpSp>
+      <p:pic>
+        <p:nvPicPr>
+          <p:cNvPr id="17" name="Object 16"/>
+          <p:cNvPicPr>
+            <a:picLocks noChangeAspect="1"/>
+          </p:cNvPicPr>
+          <p:nvPr/>
+        </p:nvPicPr>
+        <p:blipFill>
+          <a:blip r:embed="rId9" cstate="print"/>
+          <a:stretch>
+            <a:fillRect/>
+          </a:stretch>
+        </p:blipFill>
+        <p:spPr>
+          <a:xfrm rot="2400000">
+            <a:off x="6224021" y="7938393"/>
+            <a:ext cx="1353659" cy="1297325"/>
+          </a:xfrm>
+          <a:prstGeom prst="rect">
+            <a:avLst/>
+          </a:prstGeom>
+        </p:spPr>
+      </p:pic>
+      <p:grpSp>
+        <p:nvGrpSpPr>
+          <p:cNvPr id="1005" name="그룹 1005"/>
+          <p:cNvGrpSpPr/>
+          <p:nvPr/>
+        </p:nvGrpSpPr>
+        <p:grpSpPr>
+          <a:xfrm>
+            <a:off x="923889" y="4634700"/>
+            <a:ext cx="4757258" cy="3284007"/>
+            <a:chOff x="923889" y="4634700"/>
+            <a:chExt cx="4757258" cy="3284007"/>
+          </a:xfrm>
+        </p:grpSpPr>
+        <p:pic>
+          <p:nvPicPr>
+            <p:cNvPr id="19" name="Object 18"/>
+            <p:cNvPicPr>
+              <a:picLocks noChangeAspect="1"/>
+            </p:cNvPicPr>
+            <p:nvPr/>
+          </p:nvPicPr>
+          <p:blipFill>
+            <a:blip r:embed="rId10" cstate="print"/>
+            <a:stretch>
+              <a:fillRect/>
+            </a:stretch>
+          </p:blipFill>
+          <p:spPr>
+            <a:xfrm>
+              <a:off x="923889" y="4634700"/>
+              <a:ext cx="4757258" cy="3284007"/>
+            </a:xfrm>
+            <a:prstGeom prst="rect">
+              <a:avLst/>
+            </a:prstGeom>
+          </p:spPr>
+        </p:pic>
+      </p:grpSp>
+      <p:grpSp>
+        <p:nvGrpSpPr>
+          <p:cNvPr id="1006" name="그룹 1006"/>
+          <p:cNvGrpSpPr/>
+          <p:nvPr/>
+        </p:nvGrpSpPr>
+        <p:grpSpPr>
+          <a:xfrm>
+            <a:off x="8506674" y="4107519"/>
+            <a:ext cx="8985934" cy="3845687"/>
+            <a:chOff x="8506674" y="4107519"/>
+            <a:chExt cx="8985934" cy="3845687"/>
+          </a:xfrm>
+        </p:grpSpPr>
+        <p:pic>
+          <p:nvPicPr>
+            <p:cNvPr id="22" name="Object 21"/>
+            <p:cNvPicPr>
+              <a:picLocks noChangeAspect="1"/>
+            </p:cNvPicPr>
+            <p:nvPr/>
+          </p:nvPicPr>
+          <p:blipFill>
+            <a:blip r:embed="rId11" cstate="print"/>
+            <a:stretch>
+              <a:fillRect/>
+            </a:stretch>
+          </p:blipFill>
+          <p:spPr>
+            <a:xfrm>
+              <a:off x="8506674" y="4107519"/>
+              <a:ext cx="8985934" cy="3845687"/>
+            </a:xfrm>
+            <a:prstGeom prst="rect">
+              <a:avLst/>
+            </a:prstGeom>
+          </p:spPr>
+        </p:pic>
+      </p:grpSp>
+      <p:grpSp>
+        <p:nvGrpSpPr>
+          <p:cNvPr id="1007" name="그룹 1007"/>
+          <p:cNvGrpSpPr/>
+          <p:nvPr/>
+        </p:nvGrpSpPr>
+        <p:grpSpPr>
+          <a:xfrm>
+            <a:off x="8506674" y="4107519"/>
+            <a:ext cx="8985934" cy="3848355"/>
+            <a:chOff x="8506674" y="4107519"/>
+            <a:chExt cx="8985934" cy="3848355"/>
+          </a:xfrm>
+        </p:grpSpPr>
+        <p:pic>
+          <p:nvPicPr>
+            <p:cNvPr id="25" name="Object 24"/>
+            <p:cNvPicPr>
+              <a:picLocks noChangeAspect="1"/>
+            </p:cNvPicPr>
+            <p:nvPr/>
+          </p:nvPicPr>
+          <p:blipFill>
+            <a:blip r:embed="rId12" cstate="print"/>
+            <a:stretch>
+              <a:fillRect/>
+            </a:stretch>
+          </p:blipFill>
+          <p:spPr>
+            <a:xfrm>
+              <a:off x="8506674" y="4107519"/>
+              <a:ext cx="8985934" cy="3848355"/>
+            </a:xfrm>
+            <a:prstGeom prst="rect">
+              <a:avLst/>
+            </a:prstGeom>
+          </p:spPr>
+        </p:pic>
+      </p:grpSp>
+      <p:grpSp>
+        <p:nvGrpSpPr>
+          <p:cNvPr id="1008" name="그룹 1008"/>
+          <p:cNvGrpSpPr/>
+          <p:nvPr/>
+        </p:nvGrpSpPr>
+        <p:grpSpPr>
+          <a:xfrm>
+            <a:off x="16363074" y="6890891"/>
+            <a:ext cx="265798" cy="169993"/>
+            <a:chOff x="16363074" y="6890891"/>
+            <a:chExt cx="265798" cy="169993"/>
+          </a:xfrm>
+        </p:grpSpPr>
+        <p:pic>
+          <p:nvPicPr>
+            <p:cNvPr id="28" name="Object 27"/>
+            <p:cNvPicPr>
+              <a:picLocks noChangeAspect="1"/>
+            </p:cNvPicPr>
+            <p:nvPr/>
+          </p:nvPicPr>
+          <p:blipFill>
+            <a:blip r:embed="rId13" cstate="print"/>
+            <a:stretch>
+              <a:fillRect/>
+            </a:stretch>
+          </p:blipFill>
+          <p:spPr>
+            <a:xfrm>
+              <a:off x="16363074" y="6890891"/>
+              <a:ext cx="265798" cy="169993"/>
+            </a:xfrm>
+            <a:prstGeom prst="rect">
+              <a:avLst/>
+            </a:prstGeom>
+          </p:spPr>
+        </p:pic>
+      </p:grpSp>
+      <p:grpSp>
+        <p:nvGrpSpPr>
+          <p:cNvPr id="1009" name="그룹 1009"/>
+          <p:cNvGrpSpPr/>
+          <p:nvPr/>
+        </p:nvGrpSpPr>
+        <p:grpSpPr>
+          <a:xfrm>
+            <a:off x="16380217" y="7250891"/>
+            <a:ext cx="265798" cy="483223"/>
+            <a:chOff x="16380217" y="7250891"/>
+            <a:chExt cx="265798" cy="483223"/>
+          </a:xfrm>
+        </p:grpSpPr>
+        <p:pic>
+          <p:nvPicPr>
+            <p:cNvPr id="31" name="Object 30"/>
+            <p:cNvPicPr>
+              <a:picLocks noChangeAspect="1"/>
+            </p:cNvPicPr>
+            <p:nvPr/>
+          </p:nvPicPr>
+          <p:blipFill>
+            <a:blip r:embed="rId14" cstate="print"/>
+            <a:stretch>
+              <a:fillRect/>
+            </a:stretch>
+          </p:blipFill>
+          <p:spPr>
+            <a:xfrm>
+              <a:off x="16380217" y="7250891"/>
+              <a:ext cx="265798" cy="483223"/>
+            </a:xfrm>
+            <a:prstGeom prst="rect">
+              <a:avLst/>
+            </a:prstGeom>
+          </p:spPr>
+        </p:pic>
+      </p:grpSp>
+      <p:pic>
+        <p:nvPicPr>
+          <p:cNvPr id="33" name="Object 32"/>
+          <p:cNvPicPr>
+            <a:picLocks noChangeAspect="1"/>
+          </p:cNvPicPr>
+          <p:nvPr/>
+        </p:nvPicPr>
+        <p:blipFill>
+          <a:blip r:embed="rId15" cstate="print"/>
+          <a:stretch>
+            <a:fillRect/>
+          </a:stretch>
+        </p:blipFill>
+        <p:spPr>
+          <a:xfrm>
+            <a:off x="867612" y="8137133"/>
+            <a:ext cx="4965382" cy="713211"/>
+          </a:xfrm>
+          <a:prstGeom prst="rect">
+            <a:avLst/>
+          </a:prstGeom>
+        </p:spPr>
+      </p:pic>
+      <p:grpSp>
+        <p:nvGrpSpPr>
+          <p:cNvPr id="1010" name="그룹 1010"/>
+          <p:cNvGrpSpPr/>
+          <p:nvPr/>
+        </p:nvGrpSpPr>
+        <p:grpSpPr>
+          <a:xfrm>
+            <a:off x="8489663" y="2308911"/>
+            <a:ext cx="8010600" cy="1084495"/>
+            <a:chOff x="8489663" y="2308911"/>
+            <a:chExt cx="8010600" cy="1084495"/>
+          </a:xfrm>
+        </p:grpSpPr>
+        <p:pic>
+          <p:nvPicPr>
+            <p:cNvPr id="35" name="Object 34"/>
+            <p:cNvPicPr>
+              <a:picLocks noChangeAspect="1"/>
+            </p:cNvPicPr>
+            <p:nvPr/>
+          </p:nvPicPr>
+          <p:blipFill>
+            <a:blip r:embed="rId16" cstate="print"/>
+            <a:stretch>
+              <a:fillRect/>
+            </a:stretch>
+          </p:blipFill>
+          <p:spPr>
+            <a:xfrm>
+              <a:off x="8489663" y="2308911"/>
+              <a:ext cx="8010600" cy="1084495"/>
             </a:xfrm>
             <a:prstGeom prst="rect">
               <a:avLst/>

--- a/KB2023_DB_PROJECT_PPT_대건.pptx
+++ b/KB2023_DB_PROJECT_PPT_대건.pptx
@@ -4177,8 +4177,8 @@
         </p:blipFill>
         <p:spPr>
           <a:xfrm>
-            <a:off x="1022593" y="1756434"/>
-            <a:ext cx="5219850" cy="1468146"/>
+            <a:off x="1022597" y="1756435"/>
+            <a:ext cx="5219574" cy="1449098"/>
           </a:xfrm>
           <a:prstGeom prst="rect">
             <a:avLst/>
@@ -6583,7 +6583,7 @@
         </p:blipFill>
         <p:spPr>
           <a:xfrm>
-            <a:off x="509722" y="409250"/>
+            <a:off x="519246" y="418774"/>
             <a:ext cx="9814499" cy="1674747"/>
           </a:xfrm>
           <a:prstGeom prst="rect">
